--- a/Documentacion/JBC/HUNDIR LA FLOTA - ANÁLIISIS.pptx
+++ b/Documentacion/JBC/HUNDIR LA FLOTA - ANÁLIISIS.pptx
@@ -104,6 +104,11 @@
       </a:defRPr>
     </a:lvl9pPr>
   </p:defaultTextStyle>
+  <p:extLst>
+    <p:ext uri="{EFAFB233-063F-42B5-8137-9DF3F51BA10A}">
+      <p15:sldGuideLst xmlns:p15="http://schemas.microsoft.com/office/powerpoint/2012/main"/>
+    </p:ext>
+  </p:extLst>
 </p:presentation>
 </file>
 
@@ -238,7 +243,7 @@
           <a:p>
             <a:fld id="{0D2344B5-B4FB-4BEE-931B-AA06C9FD8CC7}" type="datetimeFigureOut">
               <a:rPr lang="en-US" smtClean="0"/>
-              <a:t>11/7/2024</a:t>
+              <a:t>11/8/2024</a:t>
             </a:fld>
             <a:endParaRPr lang="en-US"/>
           </a:p>
@@ -408,7 +413,7 @@
           <a:p>
             <a:fld id="{0D2344B5-B4FB-4BEE-931B-AA06C9FD8CC7}" type="datetimeFigureOut">
               <a:rPr lang="en-US" smtClean="0"/>
-              <a:t>11/7/2024</a:t>
+              <a:t>11/8/2024</a:t>
             </a:fld>
             <a:endParaRPr lang="en-US"/>
           </a:p>
@@ -588,7 +593,7 @@
           <a:p>
             <a:fld id="{0D2344B5-B4FB-4BEE-931B-AA06C9FD8CC7}" type="datetimeFigureOut">
               <a:rPr lang="en-US" smtClean="0"/>
-              <a:t>11/7/2024</a:t>
+              <a:t>11/8/2024</a:t>
             </a:fld>
             <a:endParaRPr lang="en-US"/>
           </a:p>
@@ -758,7 +763,7 @@
           <a:p>
             <a:fld id="{0D2344B5-B4FB-4BEE-931B-AA06C9FD8CC7}" type="datetimeFigureOut">
               <a:rPr lang="en-US" smtClean="0"/>
-              <a:t>11/7/2024</a:t>
+              <a:t>11/8/2024</a:t>
             </a:fld>
             <a:endParaRPr lang="en-US"/>
           </a:p>
@@ -1004,7 +1009,7 @@
           <a:p>
             <a:fld id="{0D2344B5-B4FB-4BEE-931B-AA06C9FD8CC7}" type="datetimeFigureOut">
               <a:rPr lang="en-US" smtClean="0"/>
-              <a:t>11/7/2024</a:t>
+              <a:t>11/8/2024</a:t>
             </a:fld>
             <a:endParaRPr lang="en-US"/>
           </a:p>
@@ -1236,7 +1241,7 @@
           <a:p>
             <a:fld id="{0D2344B5-B4FB-4BEE-931B-AA06C9FD8CC7}" type="datetimeFigureOut">
               <a:rPr lang="en-US" smtClean="0"/>
-              <a:t>11/7/2024</a:t>
+              <a:t>11/8/2024</a:t>
             </a:fld>
             <a:endParaRPr lang="en-US"/>
           </a:p>
@@ -1603,7 +1608,7 @@
           <a:p>
             <a:fld id="{0D2344B5-B4FB-4BEE-931B-AA06C9FD8CC7}" type="datetimeFigureOut">
               <a:rPr lang="en-US" smtClean="0"/>
-              <a:t>11/7/2024</a:t>
+              <a:t>11/8/2024</a:t>
             </a:fld>
             <a:endParaRPr lang="en-US"/>
           </a:p>
@@ -1721,7 +1726,7 @@
           <a:p>
             <a:fld id="{0D2344B5-B4FB-4BEE-931B-AA06C9FD8CC7}" type="datetimeFigureOut">
               <a:rPr lang="en-US" smtClean="0"/>
-              <a:t>11/7/2024</a:t>
+              <a:t>11/8/2024</a:t>
             </a:fld>
             <a:endParaRPr lang="en-US"/>
           </a:p>
@@ -1816,7 +1821,7 @@
           <a:p>
             <a:fld id="{0D2344B5-B4FB-4BEE-931B-AA06C9FD8CC7}" type="datetimeFigureOut">
               <a:rPr lang="en-US" smtClean="0"/>
-              <a:t>11/7/2024</a:t>
+              <a:t>11/8/2024</a:t>
             </a:fld>
             <a:endParaRPr lang="en-US"/>
           </a:p>
@@ -2093,7 +2098,7 @@
           <a:p>
             <a:fld id="{0D2344B5-B4FB-4BEE-931B-AA06C9FD8CC7}" type="datetimeFigureOut">
               <a:rPr lang="en-US" smtClean="0"/>
-              <a:t>11/7/2024</a:t>
+              <a:t>11/8/2024</a:t>
             </a:fld>
             <a:endParaRPr lang="en-US"/>
           </a:p>
@@ -2346,7 +2351,7 @@
           <a:p>
             <a:fld id="{0D2344B5-B4FB-4BEE-931B-AA06C9FD8CC7}" type="datetimeFigureOut">
               <a:rPr lang="en-US" smtClean="0"/>
-              <a:t>11/7/2024</a:t>
+              <a:t>11/8/2024</a:t>
             </a:fld>
             <a:endParaRPr lang="en-US"/>
           </a:p>
@@ -2559,7 +2564,7 @@
           <a:p>
             <a:fld id="{0D2344B5-B4FB-4BEE-931B-AA06C9FD8CC7}" type="datetimeFigureOut">
               <a:rPr lang="en-US" smtClean="0"/>
-              <a:t>11/7/2024</a:t>
+              <a:t>11/8/2024</a:t>
             </a:fld>
             <a:endParaRPr lang="en-US"/>
           </a:p>
@@ -3301,7 +3306,6 @@
               <a:rPr lang="es-ES" sz="1100" dirty="0" smtClean="0"/>
               <a:t> (Barco)</a:t>
             </a:r>
-            <a:endParaRPr lang="es-ES" sz="1100" dirty="0" smtClean="0"/>
           </a:p>
           <a:p>
             <a:pPr marL="285750" indent="-285750">
@@ -3319,10 +3323,9 @@
               <a:buChar char="•"/>
             </a:pPr>
             <a:r>
-              <a:rPr lang="es-ES" sz="1100" smtClean="0"/>
+              <a:rPr lang="es-ES" sz="1100" dirty="0" smtClean="0"/>
               <a:t>Comprobar que se pueda pintar en el tablero</a:t>
             </a:r>
-            <a:endParaRPr lang="es-ES" sz="1100" dirty="0" smtClean="0"/>
           </a:p>
           <a:p>
             <a:pPr marL="742950" lvl="1" indent="-285750">
@@ -3575,7 +3578,21 @@
             </a:pPr>
             <a:r>
               <a:rPr lang="es-ES" sz="1100" dirty="0" smtClean="0"/>
-              <a:t>CARACTER_AGUA = ‘ ‘</a:t>
+              <a:t>CARACTER_AGUA = ‘ </a:t>
+            </a:r>
+            <a:r>
+              <a:rPr lang="es-ES" sz="1100" dirty="0" smtClean="0"/>
+              <a:t>‘</a:t>
+            </a:r>
+          </a:p>
+          <a:p>
+            <a:pPr marL="285750" indent="-285750">
+              <a:buFont typeface="Arial" panose="020B0604020202020204" pitchFamily="34" charset="0"/>
+              <a:buChar char="•"/>
+            </a:pPr>
+            <a:r>
+              <a:rPr lang="es-ES" sz="1100" dirty="0" smtClean="0"/>
+              <a:t>CARACTER_BARCO = “O”</a:t>
             </a:r>
             <a:endParaRPr lang="es-ES" sz="1100" dirty="0"/>
           </a:p>
@@ -4029,6 +4046,13 @@
   <p:clrMapOvr>
     <a:masterClrMapping/>
   </p:clrMapOvr>
+  <p:timing>
+    <p:tnLst>
+      <p:par>
+        <p:cTn id="1" dur="indefinite" restart="never" nodeType="tmRoot"/>
+      </p:par>
+    </p:tnLst>
+  </p:timing>
 </p:sld>
 </file>
 

--- a/Documentacion/JBC/HUNDIR LA FLOTA - ANÁLIISIS.pptx
+++ b/Documentacion/JBC/HUNDIR LA FLOTA - ANÁLIISIS.pptx
@@ -243,7 +243,7 @@
           <a:p>
             <a:fld id="{0D2344B5-B4FB-4BEE-931B-AA06C9FD8CC7}" type="datetimeFigureOut">
               <a:rPr lang="en-US" smtClean="0"/>
-              <a:t>11/8/2024</a:t>
+              <a:t>11/18/2024</a:t>
             </a:fld>
             <a:endParaRPr lang="en-US"/>
           </a:p>
@@ -413,7 +413,7 @@
           <a:p>
             <a:fld id="{0D2344B5-B4FB-4BEE-931B-AA06C9FD8CC7}" type="datetimeFigureOut">
               <a:rPr lang="en-US" smtClean="0"/>
-              <a:t>11/8/2024</a:t>
+              <a:t>11/18/2024</a:t>
             </a:fld>
             <a:endParaRPr lang="en-US"/>
           </a:p>
@@ -593,7 +593,7 @@
           <a:p>
             <a:fld id="{0D2344B5-B4FB-4BEE-931B-AA06C9FD8CC7}" type="datetimeFigureOut">
               <a:rPr lang="en-US" smtClean="0"/>
-              <a:t>11/8/2024</a:t>
+              <a:t>11/18/2024</a:t>
             </a:fld>
             <a:endParaRPr lang="en-US"/>
           </a:p>
@@ -763,7 +763,7 @@
           <a:p>
             <a:fld id="{0D2344B5-B4FB-4BEE-931B-AA06C9FD8CC7}" type="datetimeFigureOut">
               <a:rPr lang="en-US" smtClean="0"/>
-              <a:t>11/8/2024</a:t>
+              <a:t>11/18/2024</a:t>
             </a:fld>
             <a:endParaRPr lang="en-US"/>
           </a:p>
@@ -1009,7 +1009,7 @@
           <a:p>
             <a:fld id="{0D2344B5-B4FB-4BEE-931B-AA06C9FD8CC7}" type="datetimeFigureOut">
               <a:rPr lang="en-US" smtClean="0"/>
-              <a:t>11/8/2024</a:t>
+              <a:t>11/18/2024</a:t>
             </a:fld>
             <a:endParaRPr lang="en-US"/>
           </a:p>
@@ -1241,7 +1241,7 @@
           <a:p>
             <a:fld id="{0D2344B5-B4FB-4BEE-931B-AA06C9FD8CC7}" type="datetimeFigureOut">
               <a:rPr lang="en-US" smtClean="0"/>
-              <a:t>11/8/2024</a:t>
+              <a:t>11/18/2024</a:t>
             </a:fld>
             <a:endParaRPr lang="en-US"/>
           </a:p>
@@ -1608,7 +1608,7 @@
           <a:p>
             <a:fld id="{0D2344B5-B4FB-4BEE-931B-AA06C9FD8CC7}" type="datetimeFigureOut">
               <a:rPr lang="en-US" smtClean="0"/>
-              <a:t>11/8/2024</a:t>
+              <a:t>11/18/2024</a:t>
             </a:fld>
             <a:endParaRPr lang="en-US"/>
           </a:p>
@@ -1726,7 +1726,7 @@
           <a:p>
             <a:fld id="{0D2344B5-B4FB-4BEE-931B-AA06C9FD8CC7}" type="datetimeFigureOut">
               <a:rPr lang="en-US" smtClean="0"/>
-              <a:t>11/8/2024</a:t>
+              <a:t>11/18/2024</a:t>
             </a:fld>
             <a:endParaRPr lang="en-US"/>
           </a:p>
@@ -1821,7 +1821,7 @@
           <a:p>
             <a:fld id="{0D2344B5-B4FB-4BEE-931B-AA06C9FD8CC7}" type="datetimeFigureOut">
               <a:rPr lang="en-US" smtClean="0"/>
-              <a:t>11/8/2024</a:t>
+              <a:t>11/18/2024</a:t>
             </a:fld>
             <a:endParaRPr lang="en-US"/>
           </a:p>
@@ -2098,7 +2098,7 @@
           <a:p>
             <a:fld id="{0D2344B5-B4FB-4BEE-931B-AA06C9FD8CC7}" type="datetimeFigureOut">
               <a:rPr lang="en-US" smtClean="0"/>
-              <a:t>11/8/2024</a:t>
+              <a:t>11/18/2024</a:t>
             </a:fld>
             <a:endParaRPr lang="en-US"/>
           </a:p>
@@ -2351,7 +2351,7 @@
           <a:p>
             <a:fld id="{0D2344B5-B4FB-4BEE-931B-AA06C9FD8CC7}" type="datetimeFigureOut">
               <a:rPr lang="en-US" smtClean="0"/>
-              <a:t>11/8/2024</a:t>
+              <a:t>11/18/2024</a:t>
             </a:fld>
             <a:endParaRPr lang="en-US"/>
           </a:p>
@@ -2564,7 +2564,7 @@
           <a:p>
             <a:fld id="{0D2344B5-B4FB-4BEE-931B-AA06C9FD8CC7}" type="datetimeFigureOut">
               <a:rPr lang="en-US" smtClean="0"/>
-              <a:t>11/8/2024</a:t>
+              <a:t>11/18/2024</a:t>
             </a:fld>
             <a:endParaRPr lang="en-US"/>
           </a:p>
@@ -2977,8 +2977,8 @@
         </p:nvSpPr>
         <p:spPr>
           <a:xfrm>
-            <a:off x="2454559" y="581892"/>
-            <a:ext cx="2590805" cy="3740726"/>
+            <a:off x="4218704" y="826654"/>
+            <a:ext cx="2590805" cy="2276764"/>
           </a:xfrm>
           <a:prstGeom prst="rect">
             <a:avLst/>
@@ -3015,173 +3015,134 @@
             </a:r>
           </a:p>
           <a:p>
-            <a:pPr marL="285750" indent="-285750">
+            <a:pPr marL="176213" indent="-109538">
               <a:buFont typeface="Arial" panose="020B0604020202020204" pitchFamily="34" charset="0"/>
               <a:buChar char="•"/>
             </a:pPr>
             <a:r>
               <a:rPr lang="es-ES" sz="1100" dirty="0" smtClean="0"/>
-              <a:t>Tablero 1 [Nombre]</a:t>
-            </a:r>
-          </a:p>
-          <a:p>
-            <a:pPr marL="285750" indent="-285750">
+              <a:t>Tablero </a:t>
+            </a:r>
+            <a:r>
+              <a:rPr lang="es-ES" sz="1100" dirty="0" smtClean="0"/>
+              <a:t>humano</a:t>
+            </a:r>
+            <a:endParaRPr lang="es-ES" sz="1100" dirty="0" smtClean="0"/>
+          </a:p>
+          <a:p>
+            <a:pPr marL="176213" indent="-109538">
               <a:buFont typeface="Arial" panose="020B0604020202020204" pitchFamily="34" charset="0"/>
               <a:buChar char="•"/>
             </a:pPr>
             <a:r>
               <a:rPr lang="es-ES" sz="1100" dirty="0" smtClean="0"/>
-              <a:t>Tablero 2 [Nombre]</a:t>
-            </a:r>
-          </a:p>
-          <a:p>
-            <a:pPr marL="285750" indent="-285750">
+              <a:t>Tablero </a:t>
+            </a:r>
+            <a:r>
+              <a:rPr lang="es-ES" sz="1100" dirty="0" smtClean="0"/>
+              <a:t>máquina</a:t>
+            </a:r>
+          </a:p>
+          <a:p>
+            <a:pPr marL="176213" indent="-109538">
               <a:buFont typeface="Arial" panose="020B0604020202020204" pitchFamily="34" charset="0"/>
               <a:buChar char="•"/>
             </a:pPr>
             <a:r>
               <a:rPr lang="es-ES" sz="1100" dirty="0" smtClean="0"/>
-              <a:t>Turno</a:t>
-            </a:r>
-          </a:p>
-          <a:p>
-            <a:pPr marL="285750" indent="-285750">
+              <a:t>Disparos maquina</a:t>
+            </a:r>
+            <a:endParaRPr lang="es-ES" sz="1100" dirty="0" smtClean="0"/>
+          </a:p>
+          <a:p>
+            <a:pPr marL="176213" indent="-109538">
               <a:buFont typeface="Arial" panose="020B0604020202020204" pitchFamily="34" charset="0"/>
               <a:buChar char="•"/>
             </a:pPr>
             <a:r>
               <a:rPr lang="es-ES" sz="1100" dirty="0" smtClean="0"/>
+              <a:t>Turno</a:t>
+            </a:r>
+          </a:p>
+          <a:p>
+            <a:pPr marL="176213" indent="-109538">
+              <a:buFont typeface="Arial" panose="020B0604020202020204" pitchFamily="34" charset="0"/>
+              <a:buChar char="•"/>
+            </a:pPr>
+            <a:r>
+              <a:rPr lang="es-ES" sz="1100" dirty="0" smtClean="0"/>
               <a:t>Dificultad (1 a 5)</a:t>
             </a:r>
           </a:p>
           <a:p>
-            <a:pPr marL="285750" indent="-285750">
+            <a:pPr marL="176213" indent="-109538">
               <a:buFont typeface="Arial" panose="020B0604020202020204" pitchFamily="34" charset="0"/>
               <a:buChar char="•"/>
             </a:pPr>
             <a:endParaRPr lang="es-ES" sz="1100" dirty="0"/>
           </a:p>
           <a:p>
-            <a:pPr marL="285750" indent="-285750">
+            <a:pPr marL="176213" indent="-109538">
               <a:buFont typeface="Arial" panose="020B0604020202020204" pitchFamily="34" charset="0"/>
               <a:buChar char="•"/>
             </a:pPr>
             <a:r>
+              <a:rPr lang="es-ES" sz="1100" dirty="0" err="1" smtClean="0"/>
+              <a:t>Init</a:t>
+            </a:r>
+            <a:r>
               <a:rPr lang="es-ES" sz="1100" dirty="0" smtClean="0"/>
-              <a:t>Inicio partida</a:t>
-            </a:r>
-          </a:p>
-          <a:p>
-            <a:pPr marL="742950" lvl="1" indent="-285750">
+              <a:t>()</a:t>
+            </a:r>
+          </a:p>
+          <a:p>
+            <a:pPr marL="176213" indent="-109538">
               <a:buFont typeface="Arial" panose="020B0604020202020204" pitchFamily="34" charset="0"/>
               <a:buChar char="•"/>
             </a:pPr>
             <a:r>
               <a:rPr lang="es-ES" sz="1100" dirty="0" smtClean="0"/>
-              <a:t>Crear tableros</a:t>
-            </a:r>
-          </a:p>
-          <a:p>
-            <a:pPr marL="742950" lvl="1" indent="-285750">
+              <a:t>Inicio partida()</a:t>
+            </a:r>
+            <a:endParaRPr lang="es-ES" sz="1100" dirty="0" smtClean="0"/>
+          </a:p>
+          <a:p>
+            <a:pPr marL="360363" lvl="1" indent="-174625">
               <a:buFont typeface="Arial" panose="020B0604020202020204" pitchFamily="34" charset="0"/>
               <a:buChar char="•"/>
             </a:pPr>
             <a:r>
               <a:rPr lang="es-ES" sz="1100" dirty="0" smtClean="0"/>
-              <a:t>Colocar barcos aleatorios</a:t>
-            </a:r>
-          </a:p>
-          <a:p>
-            <a:pPr marL="285750" indent="-285750">
+              <a:t>Crear tableros</a:t>
+            </a:r>
+          </a:p>
+          <a:p>
+            <a:pPr marL="360363" lvl="1" indent="-174625">
               <a:buFont typeface="Arial" panose="020B0604020202020204" pitchFamily="34" charset="0"/>
               <a:buChar char="•"/>
             </a:pPr>
             <a:r>
               <a:rPr lang="es-ES" sz="1100" dirty="0" smtClean="0"/>
-              <a:t>Gestión turno</a:t>
-            </a:r>
-          </a:p>
-          <a:p>
-            <a:pPr marL="742950" lvl="1" indent="-285750">
+              <a:t>Gestión de la partida: turnos y pintar tablero</a:t>
+            </a:r>
+          </a:p>
+          <a:p>
+            <a:pPr marL="176213" indent="-109538">
               <a:buFont typeface="Arial" panose="020B0604020202020204" pitchFamily="34" charset="0"/>
               <a:buChar char="•"/>
             </a:pPr>
             <a:r>
-              <a:rPr lang="es-ES" sz="1100" dirty="0" smtClean="0"/>
-              <a:t>Disparo (maquina o humano)</a:t>
-            </a:r>
-          </a:p>
-          <a:p>
-            <a:pPr marL="742950" lvl="1" indent="-285750">
-              <a:buFont typeface="Arial" panose="020B0604020202020204" pitchFamily="34" charset="0"/>
-              <a:buChar char="•"/>
-            </a:pPr>
-            <a:r>
-              <a:rPr lang="es-ES" sz="1100" dirty="0" smtClean="0"/>
-              <a:t>Si disparo Ok, volver a tirar</a:t>
-            </a:r>
-          </a:p>
-          <a:p>
-            <a:pPr marL="742950" lvl="1" indent="-285750">
-              <a:buFont typeface="Arial" panose="020B0604020202020204" pitchFamily="34" charset="0"/>
-              <a:buChar char="•"/>
-            </a:pPr>
-            <a:r>
-              <a:rPr lang="es-ES" sz="1100" dirty="0" smtClean="0"/>
-              <a:t>Si no, cambiar jugador</a:t>
-            </a:r>
-          </a:p>
-          <a:p>
-            <a:pPr marL="742950" lvl="1" indent="-285750">
-              <a:buFont typeface="Arial" panose="020B0604020202020204" pitchFamily="34" charset="0"/>
-              <a:buChar char="•"/>
-            </a:pPr>
-            <a:r>
-              <a:rPr lang="es-ES" sz="1100" dirty="0" smtClean="0"/>
-              <a:t>Control maquina posiciones ya disparadas</a:t>
-            </a:r>
-          </a:p>
-          <a:p>
-            <a:pPr marL="285750" indent="-285750">
-              <a:buFont typeface="Arial" panose="020B0604020202020204" pitchFamily="34" charset="0"/>
-              <a:buChar char="•"/>
-            </a:pPr>
-            <a:r>
-              <a:rPr lang="es-ES" sz="1100" dirty="0" smtClean="0"/>
-              <a:t>Pintar tableros</a:t>
-            </a:r>
-          </a:p>
-          <a:p>
-            <a:pPr marL="742950" lvl="1" indent="-285750">
-              <a:buFont typeface="Arial" panose="020B0604020202020204" pitchFamily="34" charset="0"/>
-              <a:buChar char="•"/>
-            </a:pPr>
-            <a:r>
-              <a:rPr lang="es-ES" sz="1100" dirty="0" smtClean="0"/>
-              <a:t>Usuario y maquinas</a:t>
-            </a:r>
-          </a:p>
-          <a:p>
-            <a:pPr marL="742950" lvl="1" indent="-285750">
-              <a:buFont typeface="Arial" panose="020B0604020202020204" pitchFamily="34" charset="0"/>
-              <a:buChar char="•"/>
-            </a:pPr>
-            <a:r>
-              <a:rPr lang="es-ES" sz="1100" dirty="0" smtClean="0"/>
-              <a:t> (turno, puntuación…)</a:t>
-            </a:r>
-          </a:p>
-          <a:p>
-            <a:pPr marL="285750" indent="-285750">
-              <a:buFont typeface="Arial" panose="020B0604020202020204" pitchFamily="34" charset="0"/>
-              <a:buChar char="•"/>
-            </a:pPr>
-            <a:r>
-              <a:rPr lang="es-ES" sz="1100" dirty="0" smtClean="0"/>
-              <a:t>Fin partida (Mostrar tablero y quién ha ganado)</a:t>
-            </a:r>
-          </a:p>
-          <a:p>
+              <a:rPr lang="es-ES" sz="1100" dirty="0" err="1"/>
+              <a:t>d</a:t>
+            </a:r>
+            <a:r>
+              <a:rPr lang="es-ES" sz="1100" dirty="0" err="1"/>
+              <a:t>isparo_aleatorio</a:t>
+            </a:r>
+            <a:r>
+              <a:rPr lang="es-ES" sz="1100" dirty="0"/>
+              <a:t>()</a:t>
+            </a:r>
             <a:endParaRPr lang="en-US" sz="1100" dirty="0"/>
           </a:p>
         </p:txBody>
@@ -3194,8 +3155,8 @@
         </p:nvSpPr>
         <p:spPr>
           <a:xfrm>
-            <a:off x="5837382" y="895928"/>
-            <a:ext cx="2653146" cy="3112655"/>
+            <a:off x="7629236" y="870526"/>
+            <a:ext cx="2653146" cy="2189017"/>
           </a:xfrm>
           <a:prstGeom prst="rect">
             <a:avLst/>
@@ -3238,9 +3199,8 @@
             </a:pPr>
             <a:r>
               <a:rPr lang="es-ES" sz="1100" dirty="0" smtClean="0"/>
-              <a:t>Posiciones</a:t>
-            </a:r>
-            <a:endParaRPr lang="es-ES" sz="1100" dirty="0"/>
+              <a:t>usuario</a:t>
+            </a:r>
           </a:p>
           <a:p>
             <a:pPr marL="285750" indent="-285750">
@@ -3248,9 +3208,10 @@
               <a:buChar char="•"/>
             </a:pPr>
             <a:r>
-              <a:rPr lang="es-ES" sz="1100" dirty="0" smtClean="0"/>
-              <a:t>Nombre Jugador</a:t>
-            </a:r>
+              <a:rPr lang="es-ES" sz="1100" dirty="0" err="1" smtClean="0"/>
+              <a:t>tablero_barcos</a:t>
+            </a:r>
+            <a:endParaRPr lang="es-ES" sz="1100" dirty="0" smtClean="0"/>
           </a:p>
           <a:p>
             <a:pPr marL="285750" indent="-285750">
@@ -3259,15 +3220,16 @@
             </a:pPr>
             <a:r>
               <a:rPr lang="es-ES" sz="1100" dirty="0" smtClean="0"/>
-              <a:t>Barcos[4]</a:t>
-            </a:r>
+              <a:t>longitud</a:t>
+            </a:r>
+            <a:endParaRPr lang="es-ES" sz="1100" dirty="0"/>
           </a:p>
           <a:p>
             <a:pPr marL="285750" indent="-285750">
               <a:buFont typeface="Arial" panose="020B0604020202020204" pitchFamily="34" charset="0"/>
               <a:buChar char="•"/>
             </a:pPr>
-            <a:endParaRPr lang="es-ES" sz="1100" dirty="0"/>
+            <a:endParaRPr lang="es-ES" sz="1100" dirty="0" smtClean="0"/>
           </a:p>
           <a:p>
             <a:pPr marL="285750" indent="-285750">
@@ -3280,7 +3242,7 @@
             </a:r>
             <a:r>
               <a:rPr lang="es-ES" sz="1100" dirty="0" smtClean="0"/>
-              <a:t> (Rellenar todo CARACTER_AGUA)</a:t>
+              <a:t> ()</a:t>
             </a:r>
           </a:p>
           <a:p>
@@ -3289,22 +3251,12 @@
               <a:buChar char="•"/>
             </a:pPr>
             <a:r>
+              <a:rPr lang="es-ES" sz="1100" dirty="0" err="1" smtClean="0"/>
+              <a:t>Iniciar_tablero</a:t>
+            </a:r>
+            <a:r>
               <a:rPr lang="es-ES" sz="1100" dirty="0" smtClean="0"/>
-              <a:t>Generar barco aleatorio(longitud) </a:t>
-            </a:r>
-          </a:p>
-          <a:p>
-            <a:pPr marL="742950" lvl="1" indent="-285750">
-              <a:buFont typeface="Arial" panose="020B0604020202020204" pitchFamily="34" charset="0"/>
-              <a:buChar char="•"/>
-            </a:pPr>
-            <a:r>
-              <a:rPr lang="es-ES" sz="1100" dirty="0" err="1" smtClean="0"/>
-              <a:t>return</a:t>
-            </a:r>
-            <a:r>
-              <a:rPr lang="es-ES" sz="1100" dirty="0" smtClean="0"/>
-              <a:t> (Barco)</a:t>
+              <a:t>()</a:t>
             </a:r>
           </a:p>
           <a:p>
@@ -3313,38 +3265,13 @@
               <a:buChar char="•"/>
             </a:pPr>
             <a:r>
+              <a:rPr lang="es-ES" sz="1100" dirty="0" err="1" smtClean="0"/>
+              <a:t>Is_disparo_ok</a:t>
+            </a:r>
+            <a:r>
               <a:rPr lang="es-ES" sz="1100" dirty="0" smtClean="0"/>
-              <a:t>Colocar Barco(Barco)</a:t>
-            </a:r>
-          </a:p>
-          <a:p>
-            <a:pPr marL="742950" lvl="1" indent="-285750">
-              <a:buFont typeface="Arial" panose="020B0604020202020204" pitchFamily="34" charset="0"/>
-              <a:buChar char="•"/>
-            </a:pPr>
-            <a:r>
-              <a:rPr lang="es-ES" sz="1100" dirty="0" smtClean="0"/>
-              <a:t>Comprobar que se pueda pintar en el tablero</a:t>
-            </a:r>
-          </a:p>
-          <a:p>
-            <a:pPr marL="742950" lvl="1" indent="-285750">
-              <a:buFont typeface="Arial" panose="020B0604020202020204" pitchFamily="34" charset="0"/>
-              <a:buChar char="•"/>
-            </a:pPr>
-            <a:r>
-              <a:rPr lang="es-ES" sz="1100" dirty="0" err="1" smtClean="0"/>
-              <a:t>Return</a:t>
-            </a:r>
-            <a:r>
-              <a:rPr lang="es-ES" sz="1100" dirty="0" smtClean="0"/>
-              <a:t> </a:t>
-            </a:r>
-            <a:r>
-              <a:rPr lang="es-ES" sz="1100" dirty="0" err="1" smtClean="0"/>
-              <a:t>True|False</a:t>
-            </a:r>
-            <a:endParaRPr lang="es-ES" sz="1100" dirty="0" smtClean="0"/>
+              <a:t>()</a:t>
+            </a:r>
           </a:p>
           <a:p>
             <a:pPr marL="285750" indent="-285750">
@@ -3353,15 +3280,7 @@
             </a:pPr>
             <a:r>
               <a:rPr lang="es-ES" sz="1100" dirty="0" smtClean="0"/>
-              <a:t>Disparar(</a:t>
-            </a:r>
-            <a:r>
-              <a:rPr lang="es-ES" sz="1100" dirty="0" err="1" smtClean="0"/>
-              <a:t>x,y</a:t>
-            </a:r>
-            <a:r>
-              <a:rPr lang="es-ES" sz="1100" dirty="0" smtClean="0"/>
-              <a:t>)</a:t>
+              <a:t>Disparar()</a:t>
             </a:r>
           </a:p>
           <a:p>
@@ -3370,8 +3289,12 @@
               <a:buChar char="•"/>
             </a:pPr>
             <a:r>
+              <a:rPr lang="es-ES" sz="1100" dirty="0" err="1" smtClean="0"/>
+              <a:t>comprobar_todos_hundidos</a:t>
+            </a:r>
+            <a:r>
               <a:rPr lang="es-ES" sz="1100" dirty="0" smtClean="0"/>
-              <a:t>Total disparos</a:t>
+              <a:t>()</a:t>
             </a:r>
           </a:p>
           <a:p>
@@ -3380,8 +3303,12 @@
               <a:buChar char="•"/>
             </a:pPr>
             <a:r>
+              <a:rPr lang="es-ES" sz="1100" dirty="0" err="1" smtClean="0"/>
+              <a:t>count_celdas_restantes</a:t>
+            </a:r>
+            <a:r>
               <a:rPr lang="es-ES" sz="1100" dirty="0" smtClean="0"/>
-              <a:t>Disparos pendientes (sacar ce los barcos)</a:t>
+              <a:t>()</a:t>
             </a:r>
           </a:p>
           <a:p>
@@ -3390,139 +3317,14 @@
               <a:buChar char="•"/>
             </a:pPr>
             <a:r>
+              <a:rPr lang="es-ES" sz="1100" dirty="0" err="1" smtClean="0"/>
+              <a:t>count_total_disparos</a:t>
+            </a:r>
+            <a:r>
               <a:rPr lang="es-ES" sz="1100" dirty="0" smtClean="0"/>
-              <a:t>Hay Barcos Activos?</a:t>
-            </a:r>
-          </a:p>
-        </p:txBody>
-      </p:sp>
-      <p:sp>
-        <p:nvSpPr>
-          <p:cNvPr id="6" name="Rectangle 5"/>
-          <p:cNvSpPr/>
-          <p:nvPr/>
-        </p:nvSpPr>
-        <p:spPr>
-          <a:xfrm>
-            <a:off x="9282546" y="1253835"/>
-            <a:ext cx="2410690" cy="2396838"/>
-          </a:xfrm>
-          <a:prstGeom prst="rect">
-            <a:avLst/>
-          </a:prstGeom>
-          <a:solidFill>
-            <a:schemeClr val="accent1">
-              <a:lumMod val="75000"/>
-            </a:schemeClr>
-          </a:solidFill>
-        </p:spPr>
-        <p:style>
-          <a:lnRef idx="2">
-            <a:schemeClr val="accent1">
-              <a:shade val="50000"/>
-            </a:schemeClr>
-          </a:lnRef>
-          <a:fillRef idx="1">
-            <a:schemeClr val="accent1"/>
-          </a:fillRef>
-          <a:effectRef idx="0">
-            <a:schemeClr val="accent1"/>
-          </a:effectRef>
-          <a:fontRef idx="minor">
-            <a:schemeClr val="lt1"/>
-          </a:fontRef>
-        </p:style>
-        <p:txBody>
-          <a:bodyPr rtlCol="0" anchor="ctr"/>
-          <a:lstStyle/>
-          <a:p>
-            <a:r>
-              <a:rPr lang="es-ES" b="1" dirty="0" smtClean="0"/>
-              <a:t>Barco:</a:t>
-            </a:r>
-          </a:p>
-          <a:p>
-            <a:pPr marL="285750" indent="-285750">
-              <a:buFont typeface="Arial" panose="020B0604020202020204" pitchFamily="34" charset="0"/>
-              <a:buChar char="•"/>
-            </a:pPr>
-            <a:r>
-              <a:rPr lang="es-ES" sz="1100" dirty="0" smtClean="0"/>
-              <a:t>Longitud</a:t>
-            </a:r>
-          </a:p>
-          <a:p>
-            <a:pPr marL="285750" indent="-285750">
-              <a:buFont typeface="Arial" panose="020B0604020202020204" pitchFamily="34" charset="0"/>
-              <a:buChar char="•"/>
-            </a:pPr>
-            <a:r>
-              <a:rPr lang="es-ES" sz="1100" dirty="0" err="1" smtClean="0"/>
-              <a:t>Posicion</a:t>
-            </a:r>
-            <a:r>
-              <a:rPr lang="es-ES" sz="1100" dirty="0" smtClean="0"/>
-              <a:t> X</a:t>
-            </a:r>
-          </a:p>
-          <a:p>
-            <a:pPr marL="285750" indent="-285750">
-              <a:buFont typeface="Arial" panose="020B0604020202020204" pitchFamily="34" charset="0"/>
-              <a:buChar char="•"/>
-            </a:pPr>
-            <a:r>
-              <a:rPr lang="es-ES" sz="1100" dirty="0" smtClean="0"/>
-              <a:t>Posición y</a:t>
-            </a:r>
-          </a:p>
-          <a:p>
-            <a:pPr marL="285750" indent="-285750">
-              <a:buFont typeface="Arial" panose="020B0604020202020204" pitchFamily="34" charset="0"/>
-              <a:buChar char="•"/>
-            </a:pPr>
-            <a:r>
-              <a:rPr lang="es-ES" sz="1100" dirty="0" err="1" smtClean="0"/>
-              <a:t>Orientacion</a:t>
+              <a:t>()</a:t>
             </a:r>
             <a:endParaRPr lang="es-ES" sz="1100" dirty="0" smtClean="0"/>
-          </a:p>
-          <a:p>
-            <a:pPr marL="285750" indent="-285750">
-              <a:buFont typeface="Arial" panose="020B0604020202020204" pitchFamily="34" charset="0"/>
-              <a:buChar char="•"/>
-            </a:pPr>
-            <a:endParaRPr lang="es-ES" sz="1100" dirty="0"/>
-          </a:p>
-          <a:p>
-            <a:pPr marL="285750" indent="-285750">
-              <a:buFont typeface="Arial" panose="020B0604020202020204" pitchFamily="34" charset="0"/>
-              <a:buChar char="•"/>
-            </a:pPr>
-            <a:r>
-              <a:rPr lang="es-ES" sz="1100" dirty="0" smtClean="0"/>
-              <a:t>Total disparos(tablero)</a:t>
-            </a:r>
-          </a:p>
-          <a:p>
-            <a:pPr marL="285750" indent="-285750">
-              <a:buFont typeface="Arial" panose="020B0604020202020204" pitchFamily="34" charset="0"/>
-              <a:buChar char="•"/>
-            </a:pPr>
-            <a:r>
-              <a:rPr lang="es-ES" sz="1100" dirty="0" smtClean="0"/>
-              <a:t>Disparos Pendientes (Longitud – disparos)</a:t>
-            </a:r>
-          </a:p>
-          <a:p>
-            <a:pPr marL="285750" indent="-285750">
-              <a:buFont typeface="Arial" panose="020B0604020202020204" pitchFamily="34" charset="0"/>
-              <a:buChar char="•"/>
-            </a:pPr>
-            <a:r>
-              <a:rPr lang="es-ES" sz="1100" dirty="0" smtClean="0"/>
-              <a:t>Hundido? (Disparos pendientes = 0)</a:t>
-            </a:r>
-            <a:endParaRPr lang="en-US" sz="1100" dirty="0"/>
           </a:p>
         </p:txBody>
       </p:sp>
@@ -3534,7 +3336,7 @@
         </p:nvSpPr>
         <p:spPr>
           <a:xfrm>
-            <a:off x="8629073" y="4756725"/>
+            <a:off x="8176491" y="4057066"/>
             <a:ext cx="2752436" cy="1433947"/>
           </a:xfrm>
           <a:prstGeom prst="rect">
@@ -3578,11 +3380,7 @@
             </a:pPr>
             <a:r>
               <a:rPr lang="es-ES" sz="1100" dirty="0" smtClean="0"/>
-              <a:t>CARACTER_AGUA = ‘ </a:t>
-            </a:r>
-            <a:r>
-              <a:rPr lang="es-ES" sz="1100" dirty="0" smtClean="0"/>
-              <a:t>‘</a:t>
+              <a:t>CARACTER_AGUA = ‘ ‘</a:t>
             </a:r>
           </a:p>
           <a:p>
@@ -3653,8 +3451,8 @@
         </p:nvSpPr>
         <p:spPr>
           <a:xfrm>
-            <a:off x="816265" y="4759034"/>
-            <a:ext cx="4577772" cy="1433947"/>
+            <a:off x="577994" y="4069768"/>
+            <a:ext cx="2896753" cy="1433947"/>
           </a:xfrm>
           <a:prstGeom prst="rect">
             <a:avLst/>
@@ -3698,8 +3496,25 @@
             </a:pPr>
             <a:r>
               <a:rPr lang="es-ES" sz="1100" dirty="0" smtClean="0"/>
-              <a:t>Dificultad (1 a 5 ¿poner nombres?)</a:t>
-            </a:r>
+              <a:t>[Nombre de usuario] </a:t>
+            </a:r>
+            <a:r>
+              <a:rPr lang="es-ES" sz="1100" dirty="0"/>
+              <a:t>(</a:t>
+            </a:r>
+            <a:r>
+              <a:rPr lang="es-ES" sz="1100" dirty="0" err="1"/>
+              <a:t>máx</a:t>
+            </a:r>
+            <a:r>
+              <a:rPr lang="es-ES" sz="1100" dirty="0"/>
+              <a:t> </a:t>
+            </a:r>
+            <a:r>
+              <a:rPr lang="es-ES" sz="1100" dirty="0" smtClean="0"/>
+              <a:t>caracteres)</a:t>
+            </a:r>
+            <a:endParaRPr lang="es-ES" sz="1100" dirty="0"/>
           </a:p>
           <a:p>
             <a:pPr marL="285750" indent="-285750">
@@ -3708,16 +3523,17 @@
             </a:pPr>
             <a:r>
               <a:rPr lang="es-ES" sz="1100" dirty="0" smtClean="0"/>
-              <a:t>Tablero 2 [Nombre] (</a:t>
-            </a:r>
-            <a:r>
-              <a:rPr lang="es-ES" sz="1100" dirty="0" err="1" smtClean="0"/>
-              <a:t>máx</a:t>
+              <a:t>Dificultad </a:t>
             </a:r>
             <a:r>
               <a:rPr lang="es-ES" sz="1100" dirty="0" smtClean="0"/>
-              <a:t> caracteres</a:t>
-            </a:r>
+              <a:t>(1 a </a:t>
+            </a:r>
+            <a:r>
+              <a:rPr lang="es-ES" sz="1100" dirty="0" smtClean="0"/>
+              <a:t>5)</a:t>
+            </a:r>
+            <a:endParaRPr lang="es-ES" sz="1100" dirty="0" smtClean="0"/>
           </a:p>
           <a:p>
             <a:pPr marL="285750" indent="-285750">
@@ -3726,7 +3542,11 @@
             </a:pPr>
             <a:r>
               <a:rPr lang="es-ES" sz="1100" dirty="0" smtClean="0"/>
-              <a:t>Durante la partida:</a:t>
+              <a:t>Durante </a:t>
+            </a:r>
+            <a:r>
+              <a:rPr lang="es-ES" sz="1100" dirty="0" smtClean="0"/>
+              <a:t>la partida:</a:t>
             </a:r>
             <a:endParaRPr lang="en-US" sz="1100" dirty="0" smtClean="0"/>
           </a:p>
@@ -3737,8 +3557,9 @@
             </a:pPr>
             <a:r>
               <a:rPr lang="es-ES" sz="1100" dirty="0" smtClean="0"/>
-              <a:t>Coordenadas (Verificar)</a:t>
-            </a:r>
+              <a:t>Coordenada</a:t>
+            </a:r>
+            <a:endParaRPr lang="es-ES" sz="1100" dirty="0" smtClean="0"/>
           </a:p>
           <a:p>
             <a:pPr marL="742950" lvl="1" indent="-285750">
@@ -3762,9 +3583,9 @@
           <p:nvPr/>
         </p:nvCxnSpPr>
         <p:spPr>
-          <a:xfrm>
-            <a:off x="5045364" y="2452255"/>
-            <a:ext cx="792018" cy="1"/>
+          <a:xfrm flipV="1">
+            <a:off x="6809509" y="1965035"/>
+            <a:ext cx="819727" cy="1"/>
           </a:xfrm>
           <a:prstGeom prst="straightConnector1">
             <a:avLst/>
@@ -3788,42 +3609,6 @@
           </a:fontRef>
         </p:style>
       </p:cxnSp>
-      <p:cxnSp>
-        <p:nvCxnSpPr>
-          <p:cNvPr id="15" name="Straight Arrow Connector 14"/>
-          <p:cNvCxnSpPr>
-            <a:stCxn id="5" idx="3"/>
-            <a:endCxn id="6" idx="1"/>
-          </p:cNvCxnSpPr>
-          <p:nvPr/>
-        </p:nvCxnSpPr>
-        <p:spPr>
-          <a:xfrm flipV="1">
-            <a:off x="8490528" y="2452254"/>
-            <a:ext cx="792018" cy="2"/>
-          </a:xfrm>
-          <a:prstGeom prst="straightConnector1">
-            <a:avLst/>
-          </a:prstGeom>
-          <a:ln>
-            <a:tailEnd type="triangle"/>
-          </a:ln>
-        </p:spPr>
-        <p:style>
-          <a:lnRef idx="1">
-            <a:schemeClr val="accent1"/>
-          </a:lnRef>
-          <a:fillRef idx="0">
-            <a:schemeClr val="accent1"/>
-          </a:fillRef>
-          <a:effectRef idx="0">
-            <a:schemeClr val="accent1"/>
-          </a:effectRef>
-          <a:fontRef idx="minor">
-            <a:schemeClr val="tx1"/>
-          </a:fontRef>
-        </p:style>
-      </p:cxnSp>
       <p:sp>
         <p:nvSpPr>
           <p:cNvPr id="50" name="Rectangle 49"/>
@@ -3832,7 +3617,7 @@
         </p:nvSpPr>
         <p:spPr>
           <a:xfrm>
-            <a:off x="403504" y="1881331"/>
+            <a:off x="2167649" y="1394112"/>
             <a:ext cx="1511306" cy="1141847"/>
           </a:xfrm>
           <a:prstGeom prst="rect">
@@ -3874,7 +3659,7 @@
             </a:r>
           </a:p>
           <a:p>
-            <a:pPr marL="285750" indent="-285750">
+            <a:pPr marL="176213" indent="-109538">
               <a:buFont typeface="Arial" panose="020B0604020202020204" pitchFamily="34" charset="0"/>
               <a:buChar char="•"/>
             </a:pPr>
@@ -3884,7 +3669,7 @@
             </a:r>
           </a:p>
           <a:p>
-            <a:pPr marL="285750" indent="-285750">
+            <a:pPr marL="176213" indent="-109538">
               <a:buFont typeface="Arial" panose="020B0604020202020204" pitchFamily="34" charset="0"/>
               <a:buChar char="•"/>
             </a:pPr>
@@ -3894,7 +3679,7 @@
             </a:r>
           </a:p>
           <a:p>
-            <a:pPr marL="285750" indent="-285750">
+            <a:pPr marL="176213" indent="-109538">
               <a:buFont typeface="Arial" panose="020B0604020202020204" pitchFamily="34" charset="0"/>
               <a:buChar char="•"/>
             </a:pPr>
@@ -3923,7 +3708,7 @@
         </p:nvCxnSpPr>
         <p:spPr>
           <a:xfrm>
-            <a:off x="1914810" y="2452255"/>
+            <a:off x="3678955" y="1965036"/>
             <a:ext cx="539749" cy="0"/>
           </a:xfrm>
           <a:prstGeom prst="straightConnector1">
@@ -3956,7 +3741,7 @@
         </p:nvSpPr>
         <p:spPr>
           <a:xfrm>
-            <a:off x="5792644" y="4759034"/>
+            <a:off x="4332140" y="4063994"/>
             <a:ext cx="2363931" cy="1433947"/>
           </a:xfrm>
           <a:prstGeom prst="rect">
@@ -3991,8 +3776,9 @@
           <a:p>
             <a:r>
               <a:rPr lang="es-ES" b="1" dirty="0" smtClean="0"/>
-              <a:t>Módulo Grafico:</a:t>
-            </a:r>
+              <a:t>UI:</a:t>
+            </a:r>
+            <a:endParaRPr lang="es-ES" b="1" dirty="0" smtClean="0"/>
           </a:p>
           <a:p>
             <a:pPr marL="285750" indent="-285750">
@@ -4036,6 +3822,114 @@
           </a:p>
         </p:txBody>
       </p:sp>
+      <p:cxnSp>
+        <p:nvCxnSpPr>
+          <p:cNvPr id="21" name="Straight Arrow Connector 20"/>
+          <p:cNvCxnSpPr>
+            <a:stCxn id="4" idx="2"/>
+            <a:endCxn id="75" idx="0"/>
+          </p:cNvCxnSpPr>
+          <p:nvPr/>
+        </p:nvCxnSpPr>
+        <p:spPr>
+          <a:xfrm flipH="1">
+            <a:off x="5514106" y="3103418"/>
+            <a:ext cx="1" cy="960576"/>
+          </a:xfrm>
+          <a:prstGeom prst="straightConnector1">
+            <a:avLst/>
+          </a:prstGeom>
+          <a:ln>
+            <a:tailEnd type="triangle"/>
+          </a:ln>
+        </p:spPr>
+        <p:style>
+          <a:lnRef idx="1">
+            <a:schemeClr val="accent1"/>
+          </a:lnRef>
+          <a:fillRef idx="0">
+            <a:schemeClr val="accent1"/>
+          </a:fillRef>
+          <a:effectRef idx="0">
+            <a:schemeClr val="accent1"/>
+          </a:effectRef>
+          <a:fontRef idx="minor">
+            <a:schemeClr val="tx1"/>
+          </a:fontRef>
+        </p:style>
+      </p:cxnSp>
+      <p:cxnSp>
+        <p:nvCxnSpPr>
+          <p:cNvPr id="26" name="Straight Arrow Connector 25"/>
+          <p:cNvCxnSpPr>
+            <a:stCxn id="4" idx="2"/>
+            <a:endCxn id="8" idx="0"/>
+          </p:cNvCxnSpPr>
+          <p:nvPr/>
+        </p:nvCxnSpPr>
+        <p:spPr>
+          <a:xfrm flipH="1">
+            <a:off x="2026371" y="3103418"/>
+            <a:ext cx="3487736" cy="966350"/>
+          </a:xfrm>
+          <a:prstGeom prst="straightConnector1">
+            <a:avLst/>
+          </a:prstGeom>
+          <a:ln>
+            <a:tailEnd type="triangle"/>
+          </a:ln>
+        </p:spPr>
+        <p:style>
+          <a:lnRef idx="1">
+            <a:schemeClr val="accent1"/>
+          </a:lnRef>
+          <a:fillRef idx="0">
+            <a:schemeClr val="accent1"/>
+          </a:fillRef>
+          <a:effectRef idx="0">
+            <a:schemeClr val="accent1"/>
+          </a:effectRef>
+          <a:fontRef idx="minor">
+            <a:schemeClr val="tx1"/>
+          </a:fontRef>
+        </p:style>
+      </p:cxnSp>
+      <p:cxnSp>
+        <p:nvCxnSpPr>
+          <p:cNvPr id="29" name="Straight Arrow Connector 28"/>
+          <p:cNvCxnSpPr>
+            <a:stCxn id="50" idx="2"/>
+            <a:endCxn id="8" idx="0"/>
+          </p:cNvCxnSpPr>
+          <p:nvPr/>
+        </p:nvCxnSpPr>
+        <p:spPr>
+          <a:xfrm flipH="1">
+            <a:off x="2026371" y="2535959"/>
+            <a:ext cx="896931" cy="1533809"/>
+          </a:xfrm>
+          <a:prstGeom prst="straightConnector1">
+            <a:avLst/>
+          </a:prstGeom>
+          <a:ln>
+            <a:tailEnd type="triangle"/>
+          </a:ln>
+        </p:spPr>
+        <p:style>
+          <a:lnRef idx="1">
+            <a:schemeClr val="accent1"/>
+          </a:lnRef>
+          <a:fillRef idx="0">
+            <a:schemeClr val="accent1"/>
+          </a:fillRef>
+          <a:effectRef idx="0">
+            <a:schemeClr val="accent1"/>
+          </a:effectRef>
+          <a:fontRef idx="minor">
+            <a:schemeClr val="tx1"/>
+          </a:fontRef>
+        </p:style>
+      </p:cxnSp>
     </p:spTree>
     <p:extLst>
       <p:ext uri="{BB962C8B-B14F-4D97-AF65-F5344CB8AC3E}">

--- a/Documentacion/JBC/HUNDIR LA FLOTA - ANÁLIISIS.pptx
+++ b/Documentacion/JBC/HUNDIR LA FLOTA - ANÁLIISIS.pptx
@@ -3336,7 +3336,7 @@
         </p:nvSpPr>
         <p:spPr>
           <a:xfrm>
-            <a:off x="8176491" y="4057066"/>
+            <a:off x="7629236" y="3927757"/>
             <a:ext cx="2752436" cy="1433947"/>
           </a:xfrm>
           <a:prstGeom prst="rect">
@@ -3419,6 +3419,10 @@
               <a:buFont typeface="Arial" panose="020B0604020202020204" pitchFamily="34" charset="0"/>
               <a:buChar char="•"/>
             </a:pPr>
+            <a:r>
+              <a:rPr lang="es-ES" sz="1100" dirty="0" smtClean="0"/>
+              <a:t>RANGOS = []</a:t>
+            </a:r>
             <a:endParaRPr lang="es-ES" sz="1100" dirty="0"/>
           </a:p>
           <a:p>
@@ -3428,18 +3432,9 @@
             </a:pPr>
             <a:r>
               <a:rPr lang="es-ES" sz="1100" dirty="0" smtClean="0"/>
-              <a:t>…</a:t>
-            </a:r>
-          </a:p>
-          <a:p>
-            <a:pPr marL="285750" indent="-285750">
-              <a:buFont typeface="Arial" panose="020B0604020202020204" pitchFamily="34" charset="0"/>
-              <a:buChar char="•"/>
-            </a:pPr>
-            <a:r>
-              <a:rPr lang="es-ES" sz="1100" dirty="0" smtClean="0"/>
-              <a:t>…</a:t>
-            </a:r>
+              <a:t>FLOTA = []</a:t>
+            </a:r>
+            <a:endParaRPr lang="es-ES" sz="1100" dirty="0" smtClean="0"/>
           </a:p>
         </p:txBody>
       </p:sp>

--- a/Documentacion/JBC/HUNDIR LA FLOTA - ANÁLIISIS.pptx
+++ b/Documentacion/JBC/HUNDIR LA FLOTA - ANÁLIISIS.pptx
@@ -6,6 +6,7 @@
   </p:sldMasterIdLst>
   <p:sldIdLst>
     <p:sldId id="256" r:id="rId2"/>
+    <p:sldId id="258" r:id="rId3"/>
   </p:sldIdLst>
   <p:sldSz cx="12192000" cy="6858000"/>
   <p:notesSz cx="6858000" cy="9144000"/>
@@ -243,7 +244,7 @@
           <a:p>
             <a:fld id="{0D2344B5-B4FB-4BEE-931B-AA06C9FD8CC7}" type="datetimeFigureOut">
               <a:rPr lang="en-US" smtClean="0"/>
-              <a:t>11/18/2024</a:t>
+              <a:t>11/19/2024</a:t>
             </a:fld>
             <a:endParaRPr lang="en-US"/>
           </a:p>
@@ -413,7 +414,7 @@
           <a:p>
             <a:fld id="{0D2344B5-B4FB-4BEE-931B-AA06C9FD8CC7}" type="datetimeFigureOut">
               <a:rPr lang="en-US" smtClean="0"/>
-              <a:t>11/18/2024</a:t>
+              <a:t>11/19/2024</a:t>
             </a:fld>
             <a:endParaRPr lang="en-US"/>
           </a:p>
@@ -593,7 +594,7 @@
           <a:p>
             <a:fld id="{0D2344B5-B4FB-4BEE-931B-AA06C9FD8CC7}" type="datetimeFigureOut">
               <a:rPr lang="en-US" smtClean="0"/>
-              <a:t>11/18/2024</a:t>
+              <a:t>11/19/2024</a:t>
             </a:fld>
             <a:endParaRPr lang="en-US"/>
           </a:p>
@@ -763,7 +764,7 @@
           <a:p>
             <a:fld id="{0D2344B5-B4FB-4BEE-931B-AA06C9FD8CC7}" type="datetimeFigureOut">
               <a:rPr lang="en-US" smtClean="0"/>
-              <a:t>11/18/2024</a:t>
+              <a:t>11/19/2024</a:t>
             </a:fld>
             <a:endParaRPr lang="en-US"/>
           </a:p>
@@ -1009,7 +1010,7 @@
           <a:p>
             <a:fld id="{0D2344B5-B4FB-4BEE-931B-AA06C9FD8CC7}" type="datetimeFigureOut">
               <a:rPr lang="en-US" smtClean="0"/>
-              <a:t>11/18/2024</a:t>
+              <a:t>11/19/2024</a:t>
             </a:fld>
             <a:endParaRPr lang="en-US"/>
           </a:p>
@@ -1241,7 +1242,7 @@
           <a:p>
             <a:fld id="{0D2344B5-B4FB-4BEE-931B-AA06C9FD8CC7}" type="datetimeFigureOut">
               <a:rPr lang="en-US" smtClean="0"/>
-              <a:t>11/18/2024</a:t>
+              <a:t>11/19/2024</a:t>
             </a:fld>
             <a:endParaRPr lang="en-US"/>
           </a:p>
@@ -1608,7 +1609,7 @@
           <a:p>
             <a:fld id="{0D2344B5-B4FB-4BEE-931B-AA06C9FD8CC7}" type="datetimeFigureOut">
               <a:rPr lang="en-US" smtClean="0"/>
-              <a:t>11/18/2024</a:t>
+              <a:t>11/19/2024</a:t>
             </a:fld>
             <a:endParaRPr lang="en-US"/>
           </a:p>
@@ -1726,7 +1727,7 @@
           <a:p>
             <a:fld id="{0D2344B5-B4FB-4BEE-931B-AA06C9FD8CC7}" type="datetimeFigureOut">
               <a:rPr lang="en-US" smtClean="0"/>
-              <a:t>11/18/2024</a:t>
+              <a:t>11/19/2024</a:t>
             </a:fld>
             <a:endParaRPr lang="en-US"/>
           </a:p>
@@ -1821,7 +1822,7 @@
           <a:p>
             <a:fld id="{0D2344B5-B4FB-4BEE-931B-AA06C9FD8CC7}" type="datetimeFigureOut">
               <a:rPr lang="en-US" smtClean="0"/>
-              <a:t>11/18/2024</a:t>
+              <a:t>11/19/2024</a:t>
             </a:fld>
             <a:endParaRPr lang="en-US"/>
           </a:p>
@@ -2098,7 +2099,7 @@
           <a:p>
             <a:fld id="{0D2344B5-B4FB-4BEE-931B-AA06C9FD8CC7}" type="datetimeFigureOut">
               <a:rPr lang="en-US" smtClean="0"/>
-              <a:t>11/18/2024</a:t>
+              <a:t>11/19/2024</a:t>
             </a:fld>
             <a:endParaRPr lang="en-US"/>
           </a:p>
@@ -2351,7 +2352,7 @@
           <a:p>
             <a:fld id="{0D2344B5-B4FB-4BEE-931B-AA06C9FD8CC7}" type="datetimeFigureOut">
               <a:rPr lang="en-US" smtClean="0"/>
-              <a:t>11/18/2024</a:t>
+              <a:t>11/19/2024</a:t>
             </a:fld>
             <a:endParaRPr lang="en-US"/>
           </a:p>
@@ -2564,7 +2565,7 @@
           <a:p>
             <a:fld id="{0D2344B5-B4FB-4BEE-931B-AA06C9FD8CC7}" type="datetimeFigureOut">
               <a:rPr lang="en-US" smtClean="0"/>
-              <a:t>11/18/2024</a:t>
+              <a:t>11/19/2024</a:t>
             </a:fld>
             <a:endParaRPr lang="en-US"/>
           </a:p>
@@ -3021,13 +3022,8 @@
             </a:pPr>
             <a:r>
               <a:rPr lang="es-ES" sz="1100" dirty="0" smtClean="0"/>
-              <a:t>Tablero </a:t>
-            </a:r>
-            <a:r>
-              <a:rPr lang="es-ES" sz="1100" dirty="0" smtClean="0"/>
-              <a:t>humano</a:t>
-            </a:r>
-            <a:endParaRPr lang="es-ES" sz="1100" dirty="0" smtClean="0"/>
+              <a:t>Tablero humano</a:t>
+            </a:r>
           </a:p>
           <a:p>
             <a:pPr marL="176213" indent="-109538">
@@ -3036,11 +3032,7 @@
             </a:pPr>
             <a:r>
               <a:rPr lang="es-ES" sz="1100" dirty="0" smtClean="0"/>
-              <a:t>Tablero </a:t>
-            </a:r>
-            <a:r>
-              <a:rPr lang="es-ES" sz="1100" dirty="0" smtClean="0"/>
-              <a:t>máquina</a:t>
+              <a:t>Tablero máquina</a:t>
             </a:r>
           </a:p>
           <a:p>
@@ -3052,7 +3044,6 @@
               <a:rPr lang="es-ES" sz="1100" dirty="0" smtClean="0"/>
               <a:t>Disparos maquina</a:t>
             </a:r>
-            <a:endParaRPr lang="es-ES" sz="1100" dirty="0" smtClean="0"/>
           </a:p>
           <a:p>
             <a:pPr marL="176213" indent="-109538">
@@ -3104,7 +3095,6 @@
               <a:rPr lang="es-ES" sz="1100" dirty="0" smtClean="0"/>
               <a:t>Inicio partida()</a:t>
             </a:r>
-            <a:endParaRPr lang="es-ES" sz="1100" dirty="0" smtClean="0"/>
           </a:p>
           <a:p>
             <a:pPr marL="360363" lvl="1" indent="-174625">
@@ -3133,11 +3123,7 @@
             </a:pPr>
             <a:r>
               <a:rPr lang="es-ES" sz="1100" dirty="0" err="1"/>
-              <a:t>d</a:t>
-            </a:r>
-            <a:r>
-              <a:rPr lang="es-ES" sz="1100" dirty="0" err="1"/>
-              <a:t>isparo_aleatorio</a:t>
+              <a:t>disparo_aleatorio</a:t>
             </a:r>
             <a:r>
               <a:rPr lang="es-ES" sz="1100" dirty="0"/>
@@ -3324,7 +3310,6 @@
               <a:rPr lang="es-ES" sz="1100" dirty="0" smtClean="0"/>
               <a:t>()</a:t>
             </a:r>
-            <a:endParaRPr lang="es-ES" sz="1100" dirty="0" smtClean="0"/>
           </a:p>
         </p:txBody>
       </p:sp>
@@ -3434,7 +3419,6 @@
               <a:rPr lang="es-ES" sz="1100" dirty="0" smtClean="0"/>
               <a:t>FLOTA = []</a:t>
             </a:r>
-            <a:endParaRPr lang="es-ES" sz="1100" dirty="0" smtClean="0"/>
           </a:p>
         </p:txBody>
       </p:sp>
@@ -3518,17 +3502,8 @@
             </a:pPr>
             <a:r>
               <a:rPr lang="es-ES" sz="1100" dirty="0" smtClean="0"/>
-              <a:t>Dificultad </a:t>
-            </a:r>
-            <a:r>
-              <a:rPr lang="es-ES" sz="1100" dirty="0" smtClean="0"/>
-              <a:t>(1 a </a:t>
-            </a:r>
-            <a:r>
-              <a:rPr lang="es-ES" sz="1100" dirty="0" smtClean="0"/>
-              <a:t>5)</a:t>
-            </a:r>
-            <a:endParaRPr lang="es-ES" sz="1100" dirty="0" smtClean="0"/>
+              <a:t>Dificultad (1 a 5)</a:t>
+            </a:r>
           </a:p>
           <a:p>
             <a:pPr marL="285750" indent="-285750">
@@ -3537,11 +3512,7 @@
             </a:pPr>
             <a:r>
               <a:rPr lang="es-ES" sz="1100" dirty="0" smtClean="0"/>
-              <a:t>Durante </a:t>
-            </a:r>
-            <a:r>
-              <a:rPr lang="es-ES" sz="1100" dirty="0" smtClean="0"/>
-              <a:t>la partida:</a:t>
+              <a:t>Durante la partida:</a:t>
             </a:r>
             <a:endParaRPr lang="en-US" sz="1100" dirty="0" smtClean="0"/>
           </a:p>
@@ -3554,7 +3525,6 @@
               <a:rPr lang="es-ES" sz="1100" dirty="0" smtClean="0"/>
               <a:t>Coordenada</a:t>
             </a:r>
-            <a:endParaRPr lang="es-ES" sz="1100" dirty="0" smtClean="0"/>
           </a:p>
           <a:p>
             <a:pPr marL="742950" lvl="1" indent="-285750">
@@ -3773,7 +3743,6 @@
               <a:rPr lang="es-ES" b="1" dirty="0" smtClean="0"/>
               <a:t>UI:</a:t>
             </a:r>
-            <a:endParaRPr lang="es-ES" b="1" dirty="0" smtClean="0"/>
           </a:p>
           <a:p>
             <a:pPr marL="285750" indent="-285750">
@@ -3929,6 +3898,97 @@
     <p:extLst>
       <p:ext uri="{BB962C8B-B14F-4D97-AF65-F5344CB8AC3E}">
         <p14:creationId xmlns:p14="http://schemas.microsoft.com/office/powerpoint/2010/main" val="998695184"/>
+      </p:ext>
+    </p:extLst>
+  </p:cSld>
+  <p:clrMapOvr>
+    <a:masterClrMapping/>
+  </p:clrMapOvr>
+  <p:timing>
+    <p:tnLst>
+      <p:par>
+        <p:cTn id="1" dur="indefinite" restart="never" nodeType="tmRoot"/>
+      </p:par>
+    </p:tnLst>
+  </p:timing>
+</p:sld>
+</file>
+
+<file path=ppt/slides/slide2.xml><?xml version="1.0" encoding="utf-8"?>
+<p:sld xmlns:a="http://schemas.openxmlformats.org/drawingml/2006/main" xmlns:r="http://schemas.openxmlformats.org/officeDocument/2006/relationships" xmlns:p="http://schemas.openxmlformats.org/presentationml/2006/main">
+  <p:cSld>
+    <p:spTree>
+      <p:nvGrpSpPr>
+        <p:cNvPr id="1" name=""/>
+        <p:cNvGrpSpPr/>
+        <p:nvPr/>
+      </p:nvGrpSpPr>
+      <p:grpSpPr>
+        <a:xfrm>
+          <a:off x="0" y="0"/>
+          <a:ext cx="0" cy="0"/>
+          <a:chOff x="0" y="0"/>
+          <a:chExt cx="0" cy="0"/>
+        </a:xfrm>
+      </p:grpSpPr>
+      <p:pic>
+        <p:nvPicPr>
+          <p:cNvPr id="2" name="Picture 1"/>
+          <p:cNvPicPr>
+            <a:picLocks noChangeAspect="1"/>
+          </p:cNvPicPr>
+          <p:nvPr/>
+        </p:nvPicPr>
+        <p:blipFill>
+          <a:blip r:embed="rId2"/>
+          <a:stretch>
+            <a:fillRect/>
+          </a:stretch>
+        </p:blipFill>
+        <p:spPr>
+          <a:xfrm>
+            <a:off x="946315" y="881329"/>
+            <a:ext cx="10040751" cy="4448796"/>
+          </a:xfrm>
+          <a:prstGeom prst="rect">
+            <a:avLst/>
+          </a:prstGeom>
+        </p:spPr>
+      </p:pic>
+      <p:sp>
+        <p:nvSpPr>
+          <p:cNvPr id="3" name="TextBox 2"/>
+          <p:cNvSpPr txBox="1"/>
+          <p:nvPr/>
+        </p:nvSpPr>
+        <p:spPr>
+          <a:xfrm>
+            <a:off x="946315" y="267855"/>
+            <a:ext cx="389850" cy="369332"/>
+          </a:xfrm>
+          <a:prstGeom prst="rect">
+            <a:avLst/>
+          </a:prstGeom>
+          <a:noFill/>
+        </p:spPr>
+        <p:txBody>
+          <a:bodyPr wrap="none" rtlCol="0">
+            <a:spAutoFit/>
+          </a:bodyPr>
+          <a:lstStyle/>
+          <a:p>
+            <a:r>
+              <a:rPr lang="es-ES" dirty="0" smtClean="0"/>
+              <a:t>UI</a:t>
+            </a:r>
+            <a:endParaRPr lang="en-US" dirty="0"/>
+          </a:p>
+        </p:txBody>
+      </p:sp>
+    </p:spTree>
+    <p:extLst>
+      <p:ext uri="{BB962C8B-B14F-4D97-AF65-F5344CB8AC3E}">
+        <p14:creationId xmlns:p14="http://schemas.microsoft.com/office/powerpoint/2010/main" val="2897737839"/>
       </p:ext>
     </p:extLst>
   </p:cSld>

--- a/Documentacion/JBC/HUNDIR LA FLOTA - ANÁLIISIS.pptx
+++ b/Documentacion/JBC/HUNDIR LA FLOTA - ANÁLIISIS.pptx
@@ -6,7 +6,10 @@
   </p:sldMasterIdLst>
   <p:sldIdLst>
     <p:sldId id="256" r:id="rId2"/>
-    <p:sldId id="258" r:id="rId3"/>
+    <p:sldId id="259" r:id="rId3"/>
+    <p:sldId id="260" r:id="rId4"/>
+    <p:sldId id="261" r:id="rId5"/>
+    <p:sldId id="258" r:id="rId6"/>
   </p:sldIdLst>
   <p:sldSz cx="12192000" cy="6858000"/>
   <p:notesSz cx="6858000" cy="9144000"/>
@@ -3931,6 +3934,207 @@
           <a:chExt cx="0" cy="0"/>
         </a:xfrm>
       </p:grpSpPr>
+      <p:sp>
+        <p:nvSpPr>
+          <p:cNvPr id="3" name="TextBox 2"/>
+          <p:cNvSpPr txBox="1"/>
+          <p:nvPr/>
+        </p:nvSpPr>
+        <p:spPr>
+          <a:xfrm>
+            <a:off x="946315" y="267855"/>
+            <a:ext cx="877869" cy="369332"/>
+          </a:xfrm>
+          <a:prstGeom prst="rect">
+            <a:avLst/>
+          </a:prstGeom>
+          <a:noFill/>
+        </p:spPr>
+        <p:txBody>
+          <a:bodyPr wrap="none" rtlCol="0">
+            <a:spAutoFit/>
+          </a:bodyPr>
+          <a:lstStyle/>
+          <a:p>
+            <a:r>
+              <a:rPr lang="es-ES" dirty="0" smtClean="0"/>
+              <a:t>Tablero</a:t>
+            </a:r>
+            <a:endParaRPr lang="en-US" dirty="0"/>
+          </a:p>
+        </p:txBody>
+      </p:sp>
+    </p:spTree>
+    <p:extLst>
+      <p:ext uri="{BB962C8B-B14F-4D97-AF65-F5344CB8AC3E}">
+        <p14:creationId xmlns:p14="http://schemas.microsoft.com/office/powerpoint/2010/main" val="112689953"/>
+      </p:ext>
+    </p:extLst>
+  </p:cSld>
+  <p:clrMapOvr>
+    <a:masterClrMapping/>
+  </p:clrMapOvr>
+  <p:timing>
+    <p:tnLst>
+      <p:par>
+        <p:cTn id="1" dur="indefinite" restart="never" nodeType="tmRoot"/>
+      </p:par>
+    </p:tnLst>
+  </p:timing>
+</p:sld>
+</file>
+
+<file path=ppt/slides/slide3.xml><?xml version="1.0" encoding="utf-8"?>
+<p:sld xmlns:a="http://schemas.openxmlformats.org/drawingml/2006/main" xmlns:r="http://schemas.openxmlformats.org/officeDocument/2006/relationships" xmlns:p="http://schemas.openxmlformats.org/presentationml/2006/main">
+  <p:cSld>
+    <p:spTree>
+      <p:nvGrpSpPr>
+        <p:cNvPr id="1" name=""/>
+        <p:cNvGrpSpPr/>
+        <p:nvPr/>
+      </p:nvGrpSpPr>
+      <p:grpSpPr>
+        <a:xfrm>
+          <a:off x="0" y="0"/>
+          <a:ext cx="0" cy="0"/>
+          <a:chOff x="0" y="0"/>
+          <a:chExt cx="0" cy="0"/>
+        </a:xfrm>
+      </p:grpSpPr>
+      <p:sp>
+        <p:nvSpPr>
+          <p:cNvPr id="3" name="TextBox 2"/>
+          <p:cNvSpPr txBox="1"/>
+          <p:nvPr/>
+        </p:nvSpPr>
+        <p:spPr>
+          <a:xfrm>
+            <a:off x="946315" y="267855"/>
+            <a:ext cx="851387" cy="369332"/>
+          </a:xfrm>
+          <a:prstGeom prst="rect">
+            <a:avLst/>
+          </a:prstGeom>
+          <a:noFill/>
+        </p:spPr>
+        <p:txBody>
+          <a:bodyPr wrap="none" rtlCol="0">
+            <a:spAutoFit/>
+          </a:bodyPr>
+          <a:lstStyle/>
+          <a:p>
+            <a:r>
+              <a:rPr lang="es-ES" dirty="0" smtClean="0"/>
+              <a:t>Partida</a:t>
+            </a:r>
+            <a:endParaRPr lang="en-US" dirty="0"/>
+          </a:p>
+        </p:txBody>
+      </p:sp>
+    </p:spTree>
+    <p:extLst>
+      <p:ext uri="{BB962C8B-B14F-4D97-AF65-F5344CB8AC3E}">
+        <p14:creationId xmlns:p14="http://schemas.microsoft.com/office/powerpoint/2010/main" val="1879552084"/>
+      </p:ext>
+    </p:extLst>
+  </p:cSld>
+  <p:clrMapOvr>
+    <a:masterClrMapping/>
+  </p:clrMapOvr>
+  <p:timing>
+    <p:tnLst>
+      <p:par>
+        <p:cTn id="1" dur="indefinite" restart="never" nodeType="tmRoot"/>
+      </p:par>
+    </p:tnLst>
+  </p:timing>
+</p:sld>
+</file>
+
+<file path=ppt/slides/slide4.xml><?xml version="1.0" encoding="utf-8"?>
+<p:sld xmlns:a="http://schemas.openxmlformats.org/drawingml/2006/main" xmlns:r="http://schemas.openxmlformats.org/officeDocument/2006/relationships" xmlns:p="http://schemas.openxmlformats.org/presentationml/2006/main">
+  <p:cSld>
+    <p:spTree>
+      <p:nvGrpSpPr>
+        <p:cNvPr id="1" name=""/>
+        <p:cNvGrpSpPr/>
+        <p:nvPr/>
+      </p:nvGrpSpPr>
+      <p:grpSpPr>
+        <a:xfrm>
+          <a:off x="0" y="0"/>
+          <a:ext cx="0" cy="0"/>
+          <a:chOff x="0" y="0"/>
+          <a:chExt cx="0" cy="0"/>
+        </a:xfrm>
+      </p:grpSpPr>
+      <p:sp>
+        <p:nvSpPr>
+          <p:cNvPr id="3" name="TextBox 2"/>
+          <p:cNvSpPr txBox="1"/>
+          <p:nvPr/>
+        </p:nvSpPr>
+        <p:spPr>
+          <a:xfrm>
+            <a:off x="946315" y="267855"/>
+            <a:ext cx="1771639" cy="369332"/>
+          </a:xfrm>
+          <a:prstGeom prst="rect">
+            <a:avLst/>
+          </a:prstGeom>
+          <a:noFill/>
+        </p:spPr>
+        <p:txBody>
+          <a:bodyPr wrap="none" rtlCol="0">
+            <a:spAutoFit/>
+          </a:bodyPr>
+          <a:lstStyle/>
+          <a:p>
+            <a:r>
+              <a:rPr lang="es-ES" dirty="0" smtClean="0"/>
+              <a:t>Entrada de datos</a:t>
+            </a:r>
+            <a:endParaRPr lang="en-US" dirty="0"/>
+          </a:p>
+        </p:txBody>
+      </p:sp>
+    </p:spTree>
+    <p:extLst>
+      <p:ext uri="{BB962C8B-B14F-4D97-AF65-F5344CB8AC3E}">
+        <p14:creationId xmlns:p14="http://schemas.microsoft.com/office/powerpoint/2010/main" val="2735836278"/>
+      </p:ext>
+    </p:extLst>
+  </p:cSld>
+  <p:clrMapOvr>
+    <a:masterClrMapping/>
+  </p:clrMapOvr>
+  <p:timing>
+    <p:tnLst>
+      <p:par>
+        <p:cTn id="1" dur="indefinite" restart="never" nodeType="tmRoot"/>
+      </p:par>
+    </p:tnLst>
+  </p:timing>
+</p:sld>
+</file>
+
+<file path=ppt/slides/slide5.xml><?xml version="1.0" encoding="utf-8"?>
+<p:sld xmlns:a="http://schemas.openxmlformats.org/drawingml/2006/main" xmlns:r="http://schemas.openxmlformats.org/officeDocument/2006/relationships" xmlns:p="http://schemas.openxmlformats.org/presentationml/2006/main">
+  <p:cSld>
+    <p:spTree>
+      <p:nvGrpSpPr>
+        <p:cNvPr id="1" name=""/>
+        <p:cNvGrpSpPr/>
+        <p:nvPr/>
+      </p:nvGrpSpPr>
+      <p:grpSpPr>
+        <a:xfrm>
+          <a:off x="0" y="0"/>
+          <a:ext cx="0" cy="0"/>
+          <a:chOff x="0" y="0"/>
+          <a:chExt cx="0" cy="0"/>
+        </a:xfrm>
+      </p:grpSpPr>
       <p:pic>
         <p:nvPicPr>
           <p:cNvPr id="2" name="Picture 1"/>
@@ -3947,7 +4151,7 @@
         </p:blipFill>
         <p:spPr>
           <a:xfrm>
-            <a:off x="946315" y="881329"/>
+            <a:off x="946315" y="872093"/>
             <a:ext cx="10040751" cy="4448796"/>
           </a:xfrm>
           <a:prstGeom prst="rect">

--- a/Documentacion/JBC/HUNDIR LA FLOTA - ANÁLIISIS.pptx
+++ b/Documentacion/JBC/HUNDIR LA FLOTA - ANÁLIISIS.pptx
@@ -9,7 +9,9 @@
     <p:sldId id="259" r:id="rId3"/>
     <p:sldId id="260" r:id="rId4"/>
     <p:sldId id="261" r:id="rId5"/>
-    <p:sldId id="258" r:id="rId6"/>
+    <p:sldId id="262" r:id="rId6"/>
+    <p:sldId id="263" r:id="rId7"/>
+    <p:sldId id="258" r:id="rId8"/>
   </p:sldIdLst>
   <p:sldSz cx="12192000" cy="6858000"/>
   <p:notesSz cx="6858000" cy="9144000"/>
@@ -158,10 +160,9 @@
           </a:lstStyle>
           <a:p>
             <a:r>
-              <a:rPr lang="en-US" smtClean="0"/>
+              <a:rPr lang="en-US"/>
               <a:t>Click to edit Master title style</a:t>
             </a:r>
-            <a:endParaRPr lang="en-US"/>
           </a:p>
         </p:txBody>
       </p:sp>
@@ -223,10 +224,9 @@
           </a:lstStyle>
           <a:p>
             <a:r>
-              <a:rPr lang="en-US" smtClean="0"/>
+              <a:rPr lang="en-US"/>
               <a:t>Click to edit Master subtitle style</a:t>
             </a:r>
-            <a:endParaRPr lang="en-US"/>
           </a:p>
         </p:txBody>
       </p:sp>
@@ -289,7 +289,7 @@
           <a:p>
             <a:fld id="{8B2B276C-57C4-4C7F-8B7D-C3A5D47FD339}" type="slidenum">
               <a:rPr lang="en-US" smtClean="0"/>
-              <a:t>‹#›</a:t>
+              <a:t>‹Nº›</a:t>
             </a:fld>
             <a:endParaRPr lang="en-US"/>
           </a:p>
@@ -341,10 +341,9 @@
           <a:lstStyle/>
           <a:p>
             <a:r>
-              <a:rPr lang="en-US" smtClean="0"/>
+              <a:rPr lang="en-US"/>
               <a:t>Click to edit Master title style</a:t>
             </a:r>
-            <a:endParaRPr lang="en-US"/>
           </a:p>
         </p:txBody>
       </p:sp>
@@ -365,38 +364,37 @@
           <a:p>
             <a:pPr lvl="0"/>
             <a:r>
-              <a:rPr lang="en-US" smtClean="0"/>
+              <a:rPr lang="en-US"/>
               <a:t>Edit Master text styles</a:t>
             </a:r>
           </a:p>
           <a:p>
             <a:pPr lvl="1"/>
             <a:r>
-              <a:rPr lang="en-US" smtClean="0"/>
+              <a:rPr lang="en-US"/>
               <a:t>Second level</a:t>
             </a:r>
           </a:p>
           <a:p>
             <a:pPr lvl="2"/>
             <a:r>
-              <a:rPr lang="en-US" smtClean="0"/>
+              <a:rPr lang="en-US"/>
               <a:t>Third level</a:t>
             </a:r>
           </a:p>
           <a:p>
             <a:pPr lvl="3"/>
             <a:r>
-              <a:rPr lang="en-US" smtClean="0"/>
+              <a:rPr lang="en-US"/>
               <a:t>Fourth level</a:t>
             </a:r>
           </a:p>
           <a:p>
             <a:pPr lvl="4"/>
             <a:r>
-              <a:rPr lang="en-US" smtClean="0"/>
+              <a:rPr lang="en-US"/>
               <a:t>Fifth level</a:t>
             </a:r>
-            <a:endParaRPr lang="en-US"/>
           </a:p>
         </p:txBody>
       </p:sp>
@@ -459,7 +457,7 @@
           <a:p>
             <a:fld id="{8B2B276C-57C4-4C7F-8B7D-C3A5D47FD339}" type="slidenum">
               <a:rPr lang="en-US" smtClean="0"/>
-              <a:t>‹#›</a:t>
+              <a:t>‹Nº›</a:t>
             </a:fld>
             <a:endParaRPr lang="en-US"/>
           </a:p>
@@ -516,10 +514,9 @@
           <a:lstStyle/>
           <a:p>
             <a:r>
-              <a:rPr lang="en-US" smtClean="0"/>
+              <a:rPr lang="en-US"/>
               <a:t>Click to edit Master title style</a:t>
             </a:r>
-            <a:endParaRPr lang="en-US"/>
           </a:p>
         </p:txBody>
       </p:sp>
@@ -545,38 +542,37 @@
           <a:p>
             <a:pPr lvl="0"/>
             <a:r>
-              <a:rPr lang="en-US" smtClean="0"/>
+              <a:rPr lang="en-US"/>
               <a:t>Edit Master text styles</a:t>
             </a:r>
           </a:p>
           <a:p>
             <a:pPr lvl="1"/>
             <a:r>
-              <a:rPr lang="en-US" smtClean="0"/>
+              <a:rPr lang="en-US"/>
               <a:t>Second level</a:t>
             </a:r>
           </a:p>
           <a:p>
             <a:pPr lvl="2"/>
             <a:r>
-              <a:rPr lang="en-US" smtClean="0"/>
+              <a:rPr lang="en-US"/>
               <a:t>Third level</a:t>
             </a:r>
           </a:p>
           <a:p>
             <a:pPr lvl="3"/>
             <a:r>
-              <a:rPr lang="en-US" smtClean="0"/>
+              <a:rPr lang="en-US"/>
               <a:t>Fourth level</a:t>
             </a:r>
           </a:p>
           <a:p>
             <a:pPr lvl="4"/>
             <a:r>
-              <a:rPr lang="en-US" smtClean="0"/>
+              <a:rPr lang="en-US"/>
               <a:t>Fifth level</a:t>
             </a:r>
-            <a:endParaRPr lang="en-US"/>
           </a:p>
         </p:txBody>
       </p:sp>
@@ -639,7 +635,7 @@
           <a:p>
             <a:fld id="{8B2B276C-57C4-4C7F-8B7D-C3A5D47FD339}" type="slidenum">
               <a:rPr lang="en-US" smtClean="0"/>
-              <a:t>‹#›</a:t>
+              <a:t>‹Nº›</a:t>
             </a:fld>
             <a:endParaRPr lang="en-US"/>
           </a:p>
@@ -691,10 +687,9 @@
           <a:lstStyle/>
           <a:p>
             <a:r>
-              <a:rPr lang="en-US" smtClean="0"/>
+              <a:rPr lang="en-US"/>
               <a:t>Click to edit Master title style</a:t>
             </a:r>
-            <a:endParaRPr lang="en-US"/>
           </a:p>
         </p:txBody>
       </p:sp>
@@ -715,38 +710,37 @@
           <a:p>
             <a:pPr lvl="0"/>
             <a:r>
-              <a:rPr lang="en-US" smtClean="0"/>
+              <a:rPr lang="en-US"/>
               <a:t>Edit Master text styles</a:t>
             </a:r>
           </a:p>
           <a:p>
             <a:pPr lvl="1"/>
             <a:r>
-              <a:rPr lang="en-US" smtClean="0"/>
+              <a:rPr lang="en-US"/>
               <a:t>Second level</a:t>
             </a:r>
           </a:p>
           <a:p>
             <a:pPr lvl="2"/>
             <a:r>
-              <a:rPr lang="en-US" smtClean="0"/>
+              <a:rPr lang="en-US"/>
               <a:t>Third level</a:t>
             </a:r>
           </a:p>
           <a:p>
             <a:pPr lvl="3"/>
             <a:r>
-              <a:rPr lang="en-US" smtClean="0"/>
+              <a:rPr lang="en-US"/>
               <a:t>Fourth level</a:t>
             </a:r>
           </a:p>
           <a:p>
             <a:pPr lvl="4"/>
             <a:r>
-              <a:rPr lang="en-US" smtClean="0"/>
+              <a:rPr lang="en-US"/>
               <a:t>Fifth level</a:t>
             </a:r>
-            <a:endParaRPr lang="en-US"/>
           </a:p>
         </p:txBody>
       </p:sp>
@@ -809,7 +803,7 @@
           <a:p>
             <a:fld id="{8B2B276C-57C4-4C7F-8B7D-C3A5D47FD339}" type="slidenum">
               <a:rPr lang="en-US" smtClean="0"/>
-              <a:t>‹#›</a:t>
+              <a:t>‹Nº›</a:t>
             </a:fld>
             <a:endParaRPr lang="en-US"/>
           </a:p>
@@ -870,10 +864,9 @@
           </a:lstStyle>
           <a:p>
             <a:r>
-              <a:rPr lang="en-US" smtClean="0"/>
+              <a:rPr lang="en-US"/>
               <a:t>Click to edit Master title style</a:t>
             </a:r>
-            <a:endParaRPr lang="en-US"/>
           </a:p>
         </p:txBody>
       </p:sp>
@@ -990,7 +983,7 @@
           <a:p>
             <a:pPr lvl="0"/>
             <a:r>
-              <a:rPr lang="en-US" smtClean="0"/>
+              <a:rPr lang="en-US"/>
               <a:t>Edit Master text styles</a:t>
             </a:r>
           </a:p>
@@ -1055,7 +1048,7 @@
           <a:p>
             <a:fld id="{8B2B276C-57C4-4C7F-8B7D-C3A5D47FD339}" type="slidenum">
               <a:rPr lang="en-US" smtClean="0"/>
-              <a:t>‹#›</a:t>
+              <a:t>‹Nº›</a:t>
             </a:fld>
             <a:endParaRPr lang="en-US"/>
           </a:p>
@@ -1107,10 +1100,9 @@
           <a:lstStyle/>
           <a:p>
             <a:r>
-              <a:rPr lang="en-US" smtClean="0"/>
+              <a:rPr lang="en-US"/>
               <a:t>Click to edit Master title style</a:t>
             </a:r>
-            <a:endParaRPr lang="en-US"/>
           </a:p>
         </p:txBody>
       </p:sp>
@@ -1136,38 +1128,37 @@
           <a:p>
             <a:pPr lvl="0"/>
             <a:r>
-              <a:rPr lang="en-US" smtClean="0"/>
+              <a:rPr lang="en-US"/>
               <a:t>Edit Master text styles</a:t>
             </a:r>
           </a:p>
           <a:p>
             <a:pPr lvl="1"/>
             <a:r>
-              <a:rPr lang="en-US" smtClean="0"/>
+              <a:rPr lang="en-US"/>
               <a:t>Second level</a:t>
             </a:r>
           </a:p>
           <a:p>
             <a:pPr lvl="2"/>
             <a:r>
-              <a:rPr lang="en-US" smtClean="0"/>
+              <a:rPr lang="en-US"/>
               <a:t>Third level</a:t>
             </a:r>
           </a:p>
           <a:p>
             <a:pPr lvl="3"/>
             <a:r>
-              <a:rPr lang="en-US" smtClean="0"/>
+              <a:rPr lang="en-US"/>
               <a:t>Fourth level</a:t>
             </a:r>
           </a:p>
           <a:p>
             <a:pPr lvl="4"/>
             <a:r>
-              <a:rPr lang="en-US" smtClean="0"/>
+              <a:rPr lang="en-US"/>
               <a:t>Fifth level</a:t>
             </a:r>
-            <a:endParaRPr lang="en-US"/>
           </a:p>
         </p:txBody>
       </p:sp>
@@ -1193,38 +1184,37 @@
           <a:p>
             <a:pPr lvl="0"/>
             <a:r>
-              <a:rPr lang="en-US" smtClean="0"/>
+              <a:rPr lang="en-US"/>
               <a:t>Edit Master text styles</a:t>
             </a:r>
           </a:p>
           <a:p>
             <a:pPr lvl="1"/>
             <a:r>
-              <a:rPr lang="en-US" smtClean="0"/>
+              <a:rPr lang="en-US"/>
               <a:t>Second level</a:t>
             </a:r>
           </a:p>
           <a:p>
             <a:pPr lvl="2"/>
             <a:r>
-              <a:rPr lang="en-US" smtClean="0"/>
+              <a:rPr lang="en-US"/>
               <a:t>Third level</a:t>
             </a:r>
           </a:p>
           <a:p>
             <a:pPr lvl="3"/>
             <a:r>
-              <a:rPr lang="en-US" smtClean="0"/>
+              <a:rPr lang="en-US"/>
               <a:t>Fourth level</a:t>
             </a:r>
           </a:p>
           <a:p>
             <a:pPr lvl="4"/>
             <a:r>
-              <a:rPr lang="en-US" smtClean="0"/>
+              <a:rPr lang="en-US"/>
               <a:t>Fifth level</a:t>
             </a:r>
-            <a:endParaRPr lang="en-US"/>
           </a:p>
         </p:txBody>
       </p:sp>
@@ -1287,7 +1277,7 @@
           <a:p>
             <a:fld id="{8B2B276C-57C4-4C7F-8B7D-C3A5D47FD339}" type="slidenum">
               <a:rPr lang="en-US" smtClean="0"/>
-              <a:t>‹#›</a:t>
+              <a:t>‹Nº›</a:t>
             </a:fld>
             <a:endParaRPr lang="en-US"/>
           </a:p>
@@ -1344,10 +1334,9 @@
           <a:lstStyle/>
           <a:p>
             <a:r>
-              <a:rPr lang="en-US" smtClean="0"/>
+              <a:rPr lang="en-US"/>
               <a:t>Click to edit Master title style</a:t>
             </a:r>
-            <a:endParaRPr lang="en-US"/>
           </a:p>
         </p:txBody>
       </p:sp>
@@ -1410,7 +1399,7 @@
           <a:p>
             <a:pPr lvl="0"/>
             <a:r>
-              <a:rPr lang="en-US" smtClean="0"/>
+              <a:rPr lang="en-US"/>
               <a:t>Edit Master text styles</a:t>
             </a:r>
           </a:p>
@@ -1438,38 +1427,37 @@
           <a:p>
             <a:pPr lvl="0"/>
             <a:r>
-              <a:rPr lang="en-US" smtClean="0"/>
+              <a:rPr lang="en-US"/>
               <a:t>Edit Master text styles</a:t>
             </a:r>
           </a:p>
           <a:p>
             <a:pPr lvl="1"/>
             <a:r>
-              <a:rPr lang="en-US" smtClean="0"/>
+              <a:rPr lang="en-US"/>
               <a:t>Second level</a:t>
             </a:r>
           </a:p>
           <a:p>
             <a:pPr lvl="2"/>
             <a:r>
-              <a:rPr lang="en-US" smtClean="0"/>
+              <a:rPr lang="en-US"/>
               <a:t>Third level</a:t>
             </a:r>
           </a:p>
           <a:p>
             <a:pPr lvl="3"/>
             <a:r>
-              <a:rPr lang="en-US" smtClean="0"/>
+              <a:rPr lang="en-US"/>
               <a:t>Fourth level</a:t>
             </a:r>
           </a:p>
           <a:p>
             <a:pPr lvl="4"/>
             <a:r>
-              <a:rPr lang="en-US" smtClean="0"/>
+              <a:rPr lang="en-US"/>
               <a:t>Fifth level</a:t>
             </a:r>
-            <a:endParaRPr lang="en-US"/>
           </a:p>
         </p:txBody>
       </p:sp>
@@ -1532,7 +1520,7 @@
           <a:p>
             <a:pPr lvl="0"/>
             <a:r>
-              <a:rPr lang="en-US" smtClean="0"/>
+              <a:rPr lang="en-US"/>
               <a:t>Edit Master text styles</a:t>
             </a:r>
           </a:p>
@@ -1560,38 +1548,37 @@
           <a:p>
             <a:pPr lvl="0"/>
             <a:r>
-              <a:rPr lang="en-US" smtClean="0"/>
+              <a:rPr lang="en-US"/>
               <a:t>Edit Master text styles</a:t>
             </a:r>
           </a:p>
           <a:p>
             <a:pPr lvl="1"/>
             <a:r>
-              <a:rPr lang="en-US" smtClean="0"/>
+              <a:rPr lang="en-US"/>
               <a:t>Second level</a:t>
             </a:r>
           </a:p>
           <a:p>
             <a:pPr lvl="2"/>
             <a:r>
-              <a:rPr lang="en-US" smtClean="0"/>
+              <a:rPr lang="en-US"/>
               <a:t>Third level</a:t>
             </a:r>
           </a:p>
           <a:p>
             <a:pPr lvl="3"/>
             <a:r>
-              <a:rPr lang="en-US" smtClean="0"/>
+              <a:rPr lang="en-US"/>
               <a:t>Fourth level</a:t>
             </a:r>
           </a:p>
           <a:p>
             <a:pPr lvl="4"/>
             <a:r>
-              <a:rPr lang="en-US" smtClean="0"/>
+              <a:rPr lang="en-US"/>
               <a:t>Fifth level</a:t>
             </a:r>
-            <a:endParaRPr lang="en-US"/>
           </a:p>
         </p:txBody>
       </p:sp>
@@ -1654,7 +1641,7 @@
           <a:p>
             <a:fld id="{8B2B276C-57C4-4C7F-8B7D-C3A5D47FD339}" type="slidenum">
               <a:rPr lang="en-US" smtClean="0"/>
-              <a:t>‹#›</a:t>
+              <a:t>‹Nº›</a:t>
             </a:fld>
             <a:endParaRPr lang="en-US"/>
           </a:p>
@@ -1706,10 +1693,9 @@
           <a:lstStyle/>
           <a:p>
             <a:r>
-              <a:rPr lang="en-US" smtClean="0"/>
+              <a:rPr lang="en-US"/>
               <a:t>Click to edit Master title style</a:t>
             </a:r>
-            <a:endParaRPr lang="en-US"/>
           </a:p>
         </p:txBody>
       </p:sp>
@@ -1772,7 +1758,7 @@
           <a:p>
             <a:fld id="{8B2B276C-57C4-4C7F-8B7D-C3A5D47FD339}" type="slidenum">
               <a:rPr lang="en-US" smtClean="0"/>
-              <a:t>‹#›</a:t>
+              <a:t>‹Nº›</a:t>
             </a:fld>
             <a:endParaRPr lang="en-US"/>
           </a:p>
@@ -1867,7 +1853,7 @@
           <a:p>
             <a:fld id="{8B2B276C-57C4-4C7F-8B7D-C3A5D47FD339}" type="slidenum">
               <a:rPr lang="en-US" smtClean="0"/>
-              <a:t>‹#›</a:t>
+              <a:t>‹Nº›</a:t>
             </a:fld>
             <a:endParaRPr lang="en-US"/>
           </a:p>
@@ -1928,10 +1914,9 @@
           </a:lstStyle>
           <a:p>
             <a:r>
-              <a:rPr lang="en-US" smtClean="0"/>
+              <a:rPr lang="en-US"/>
               <a:t>Click to edit Master title style</a:t>
             </a:r>
-            <a:endParaRPr lang="en-US"/>
           </a:p>
         </p:txBody>
       </p:sp>
@@ -1985,38 +1970,37 @@
           <a:p>
             <a:pPr lvl="0"/>
             <a:r>
-              <a:rPr lang="en-US" smtClean="0"/>
+              <a:rPr lang="en-US"/>
               <a:t>Edit Master text styles</a:t>
             </a:r>
           </a:p>
           <a:p>
             <a:pPr lvl="1"/>
             <a:r>
-              <a:rPr lang="en-US" smtClean="0"/>
+              <a:rPr lang="en-US"/>
               <a:t>Second level</a:t>
             </a:r>
           </a:p>
           <a:p>
             <a:pPr lvl="2"/>
             <a:r>
-              <a:rPr lang="en-US" smtClean="0"/>
+              <a:rPr lang="en-US"/>
               <a:t>Third level</a:t>
             </a:r>
           </a:p>
           <a:p>
             <a:pPr lvl="3"/>
             <a:r>
-              <a:rPr lang="en-US" smtClean="0"/>
+              <a:rPr lang="en-US"/>
               <a:t>Fourth level</a:t>
             </a:r>
           </a:p>
           <a:p>
             <a:pPr lvl="4"/>
             <a:r>
-              <a:rPr lang="en-US" smtClean="0"/>
+              <a:rPr lang="en-US"/>
               <a:t>Fifth level</a:t>
             </a:r>
-            <a:endParaRPr lang="en-US"/>
           </a:p>
         </p:txBody>
       </p:sp>
@@ -2079,7 +2063,7 @@
           <a:p>
             <a:pPr lvl="0"/>
             <a:r>
-              <a:rPr lang="en-US" smtClean="0"/>
+              <a:rPr lang="en-US"/>
               <a:t>Edit Master text styles</a:t>
             </a:r>
           </a:p>
@@ -2144,7 +2128,7 @@
           <a:p>
             <a:fld id="{8B2B276C-57C4-4C7F-8B7D-C3A5D47FD339}" type="slidenum">
               <a:rPr lang="en-US" smtClean="0"/>
-              <a:t>‹#›</a:t>
+              <a:t>‹Nº›</a:t>
             </a:fld>
             <a:endParaRPr lang="en-US"/>
           </a:p>
@@ -2205,10 +2189,9 @@
           </a:lstStyle>
           <a:p>
             <a:r>
-              <a:rPr lang="en-US" smtClean="0"/>
+              <a:rPr lang="en-US"/>
               <a:t>Click to edit Master title style</a:t>
             </a:r>
-            <a:endParaRPr lang="en-US"/>
           </a:p>
         </p:txBody>
       </p:sp>
@@ -2332,7 +2315,7 @@
           <a:p>
             <a:pPr lvl="0"/>
             <a:r>
-              <a:rPr lang="en-US" smtClean="0"/>
+              <a:rPr lang="en-US"/>
               <a:t>Edit Master text styles</a:t>
             </a:r>
           </a:p>
@@ -2397,7 +2380,7 @@
           <a:p>
             <a:fld id="{8B2B276C-57C4-4C7F-8B7D-C3A5D47FD339}" type="slidenum">
               <a:rPr lang="en-US" smtClean="0"/>
-              <a:t>‹#›</a:t>
+              <a:t>‹Nº›</a:t>
             </a:fld>
             <a:endParaRPr lang="en-US"/>
           </a:p>
@@ -2464,10 +2447,9 @@
           <a:lstStyle/>
           <a:p>
             <a:r>
-              <a:rPr lang="en-US" smtClean="0"/>
+              <a:rPr lang="en-US"/>
               <a:t>Click to edit Master title style</a:t>
             </a:r>
-            <a:endParaRPr lang="en-US"/>
           </a:p>
         </p:txBody>
       </p:sp>
@@ -2498,38 +2480,37 @@
           <a:p>
             <a:pPr lvl="0"/>
             <a:r>
-              <a:rPr lang="en-US" smtClean="0"/>
+              <a:rPr lang="en-US"/>
               <a:t>Edit Master text styles</a:t>
             </a:r>
           </a:p>
           <a:p>
             <a:pPr lvl="1"/>
             <a:r>
-              <a:rPr lang="en-US" smtClean="0"/>
+              <a:rPr lang="en-US"/>
               <a:t>Second level</a:t>
             </a:r>
           </a:p>
           <a:p>
             <a:pPr lvl="2"/>
             <a:r>
-              <a:rPr lang="en-US" smtClean="0"/>
+              <a:rPr lang="en-US"/>
               <a:t>Third level</a:t>
             </a:r>
           </a:p>
           <a:p>
             <a:pPr lvl="3"/>
             <a:r>
-              <a:rPr lang="en-US" smtClean="0"/>
+              <a:rPr lang="en-US"/>
               <a:t>Fourth level</a:t>
             </a:r>
           </a:p>
           <a:p>
             <a:pPr lvl="4"/>
             <a:r>
-              <a:rPr lang="en-US" smtClean="0"/>
+              <a:rPr lang="en-US"/>
               <a:t>Fifth level</a:t>
             </a:r>
-            <a:endParaRPr lang="en-US"/>
           </a:p>
         </p:txBody>
       </p:sp>
@@ -2646,7 +2627,7 @@
           <a:p>
             <a:fld id="{8B2B276C-57C4-4C7F-8B7D-C3A5D47FD339}" type="slidenum">
               <a:rPr lang="en-US" smtClean="0"/>
-              <a:t>‹#›</a:t>
+              <a:t>‹Nº›</a:t>
             </a:fld>
             <a:endParaRPr lang="en-US"/>
           </a:p>
@@ -3014,7 +2995,7 @@
           <a:lstStyle/>
           <a:p>
             <a:r>
-              <a:rPr lang="es-ES" b="1" dirty="0" smtClean="0"/>
+              <a:rPr lang="es-ES" b="1" dirty="0"/>
               <a:t>Partida:</a:t>
             </a:r>
           </a:p>
@@ -3024,7 +3005,7 @@
               <a:buChar char="•"/>
             </a:pPr>
             <a:r>
-              <a:rPr lang="es-ES" sz="1100" dirty="0" smtClean="0"/>
+              <a:rPr lang="es-ES" sz="1100" dirty="0"/>
               <a:t>Tablero humano</a:t>
             </a:r>
           </a:p>
@@ -3034,7 +3015,7 @@
               <a:buChar char="•"/>
             </a:pPr>
             <a:r>
-              <a:rPr lang="es-ES" sz="1100" dirty="0" smtClean="0"/>
+              <a:rPr lang="es-ES" sz="1100" dirty="0"/>
               <a:t>Tablero máquina</a:t>
             </a:r>
           </a:p>
@@ -3044,7 +3025,7 @@
               <a:buChar char="•"/>
             </a:pPr>
             <a:r>
-              <a:rPr lang="es-ES" sz="1100" dirty="0" smtClean="0"/>
+              <a:rPr lang="es-ES" sz="1100" dirty="0"/>
               <a:t>Disparos maquina</a:t>
             </a:r>
           </a:p>
@@ -3054,7 +3035,7 @@
               <a:buChar char="•"/>
             </a:pPr>
             <a:r>
-              <a:rPr lang="es-ES" sz="1100" dirty="0" smtClean="0"/>
+              <a:rPr lang="es-ES" sz="1100" dirty="0"/>
               <a:t>Turno</a:t>
             </a:r>
           </a:p>
@@ -3064,7 +3045,7 @@
               <a:buChar char="•"/>
             </a:pPr>
             <a:r>
-              <a:rPr lang="es-ES" sz="1100" dirty="0" smtClean="0"/>
+              <a:rPr lang="es-ES" sz="1100" dirty="0"/>
               <a:t>Dificultad (1 a 5)</a:t>
             </a:r>
           </a:p>
@@ -3081,11 +3062,11 @@
               <a:buChar char="•"/>
             </a:pPr>
             <a:r>
-              <a:rPr lang="es-ES" sz="1100" dirty="0" err="1" smtClean="0"/>
+              <a:rPr lang="es-ES" sz="1100" dirty="0" err="1"/>
               <a:t>Init</a:t>
             </a:r>
             <a:r>
-              <a:rPr lang="es-ES" sz="1100" dirty="0" smtClean="0"/>
+              <a:rPr lang="es-ES" sz="1100" dirty="0"/>
               <a:t>()</a:t>
             </a:r>
           </a:p>
@@ -3095,7 +3076,7 @@
               <a:buChar char="•"/>
             </a:pPr>
             <a:r>
-              <a:rPr lang="es-ES" sz="1100" dirty="0" smtClean="0"/>
+              <a:rPr lang="es-ES" sz="1100" dirty="0"/>
               <a:t>Inicio partida()</a:t>
             </a:r>
           </a:p>
@@ -3105,7 +3086,7 @@
               <a:buChar char="•"/>
             </a:pPr>
             <a:r>
-              <a:rPr lang="es-ES" sz="1100" dirty="0" smtClean="0"/>
+              <a:rPr lang="es-ES" sz="1100" dirty="0"/>
               <a:t>Crear tableros</a:t>
             </a:r>
           </a:p>
@@ -3115,7 +3096,7 @@
               <a:buChar char="•"/>
             </a:pPr>
             <a:r>
-              <a:rPr lang="es-ES" sz="1100" dirty="0" smtClean="0"/>
+              <a:rPr lang="es-ES" sz="1100" dirty="0"/>
               <a:t>Gestión de la partida: turnos y pintar tablero</a:t>
             </a:r>
           </a:p>
@@ -3177,7 +3158,7 @@
           <a:lstStyle/>
           <a:p>
             <a:r>
-              <a:rPr lang="es-ES" b="1" dirty="0" smtClean="0"/>
+              <a:rPr lang="es-ES" b="1" dirty="0"/>
               <a:t>Tablero:</a:t>
             </a:r>
           </a:p>
@@ -3187,7 +3168,7 @@
               <a:buChar char="•"/>
             </a:pPr>
             <a:r>
-              <a:rPr lang="es-ES" sz="1100" dirty="0" smtClean="0"/>
+              <a:rPr lang="es-ES" sz="1100" dirty="0"/>
               <a:t>usuario</a:t>
             </a:r>
           </a:p>
@@ -3197,10 +3178,10 @@
               <a:buChar char="•"/>
             </a:pPr>
             <a:r>
-              <a:rPr lang="es-ES" sz="1100" dirty="0" err="1" smtClean="0"/>
+              <a:rPr lang="es-ES" sz="1100" dirty="0" err="1"/>
               <a:t>tablero_barcos</a:t>
             </a:r>
-            <a:endParaRPr lang="es-ES" sz="1100" dirty="0" smtClean="0"/>
+            <a:endParaRPr lang="es-ES" sz="1100" dirty="0"/>
           </a:p>
           <a:p>
             <a:pPr marL="285750" indent="-285750">
@@ -3208,17 +3189,16 @@
               <a:buChar char="•"/>
             </a:pPr>
             <a:r>
-              <a:rPr lang="es-ES" sz="1100" dirty="0" smtClean="0"/>
+              <a:rPr lang="es-ES" sz="1100" dirty="0"/>
               <a:t>longitud</a:t>
             </a:r>
-            <a:endParaRPr lang="es-ES" sz="1100" dirty="0"/>
           </a:p>
           <a:p>
             <a:pPr marL="285750" indent="-285750">
               <a:buFont typeface="Arial" panose="020B0604020202020204" pitchFamily="34" charset="0"/>
               <a:buChar char="•"/>
             </a:pPr>
-            <a:endParaRPr lang="es-ES" sz="1100" dirty="0" smtClean="0"/>
+            <a:endParaRPr lang="es-ES" sz="1100" dirty="0"/>
           </a:p>
           <a:p>
             <a:pPr marL="285750" indent="-285750">
@@ -3226,11 +3206,11 @@
               <a:buChar char="•"/>
             </a:pPr>
             <a:r>
-              <a:rPr lang="es-ES" sz="1100" dirty="0" err="1" smtClean="0"/>
+              <a:rPr lang="es-ES" sz="1100" dirty="0" err="1"/>
               <a:t>Init</a:t>
             </a:r>
             <a:r>
-              <a:rPr lang="es-ES" sz="1100" dirty="0" smtClean="0"/>
+              <a:rPr lang="es-ES" sz="1100" dirty="0"/>
               <a:t> ()</a:t>
             </a:r>
           </a:p>
@@ -3240,11 +3220,11 @@
               <a:buChar char="•"/>
             </a:pPr>
             <a:r>
-              <a:rPr lang="es-ES" sz="1100" dirty="0" err="1" smtClean="0"/>
+              <a:rPr lang="es-ES" sz="1100" dirty="0" err="1"/>
               <a:t>Iniciar_tablero</a:t>
             </a:r>
             <a:r>
-              <a:rPr lang="es-ES" sz="1100" dirty="0" smtClean="0"/>
+              <a:rPr lang="es-ES" sz="1100" dirty="0"/>
               <a:t>()</a:t>
             </a:r>
           </a:p>
@@ -3254,11 +3234,11 @@
               <a:buChar char="•"/>
             </a:pPr>
             <a:r>
-              <a:rPr lang="es-ES" sz="1100" dirty="0" err="1" smtClean="0"/>
+              <a:rPr lang="es-ES" sz="1100" dirty="0" err="1"/>
               <a:t>Is_disparo_ok</a:t>
             </a:r>
             <a:r>
-              <a:rPr lang="es-ES" sz="1100" dirty="0" smtClean="0"/>
+              <a:rPr lang="es-ES" sz="1100" dirty="0"/>
               <a:t>()</a:t>
             </a:r>
           </a:p>
@@ -3268,7 +3248,7 @@
               <a:buChar char="•"/>
             </a:pPr>
             <a:r>
-              <a:rPr lang="es-ES" sz="1100" dirty="0" smtClean="0"/>
+              <a:rPr lang="es-ES" sz="1100" dirty="0"/>
               <a:t>Disparar()</a:t>
             </a:r>
           </a:p>
@@ -3278,11 +3258,11 @@
               <a:buChar char="•"/>
             </a:pPr>
             <a:r>
-              <a:rPr lang="es-ES" sz="1100" dirty="0" err="1" smtClean="0"/>
+              <a:rPr lang="es-ES" sz="1100" dirty="0" err="1"/>
               <a:t>comprobar_todos_hundidos</a:t>
             </a:r>
             <a:r>
-              <a:rPr lang="es-ES" sz="1100" dirty="0" smtClean="0"/>
+              <a:rPr lang="es-ES" sz="1100" dirty="0"/>
               <a:t>()</a:t>
             </a:r>
           </a:p>
@@ -3292,11 +3272,11 @@
               <a:buChar char="•"/>
             </a:pPr>
             <a:r>
-              <a:rPr lang="es-ES" sz="1100" dirty="0" err="1" smtClean="0"/>
+              <a:rPr lang="es-ES" sz="1100" dirty="0" err="1"/>
               <a:t>count_celdas_restantes</a:t>
             </a:r>
             <a:r>
-              <a:rPr lang="es-ES" sz="1100" dirty="0" smtClean="0"/>
+              <a:rPr lang="es-ES" sz="1100" dirty="0"/>
               <a:t>()</a:t>
             </a:r>
           </a:p>
@@ -3306,11 +3286,11 @@
               <a:buChar char="•"/>
             </a:pPr>
             <a:r>
-              <a:rPr lang="es-ES" sz="1100" dirty="0" err="1" smtClean="0"/>
+              <a:rPr lang="es-ES" sz="1100" dirty="0" err="1"/>
               <a:t>count_total_disparos</a:t>
             </a:r>
             <a:r>
-              <a:rPr lang="es-ES" sz="1100" dirty="0" smtClean="0"/>
+              <a:rPr lang="es-ES" sz="1100" dirty="0"/>
               <a:t>()</a:t>
             </a:r>
           </a:p>
@@ -3357,7 +3337,7 @@
           <a:lstStyle/>
           <a:p>
             <a:r>
-              <a:rPr lang="es-ES" b="1" dirty="0" smtClean="0"/>
+              <a:rPr lang="es-ES" b="1" dirty="0"/>
               <a:t>Variables:</a:t>
             </a:r>
           </a:p>
@@ -3367,7 +3347,7 @@
               <a:buChar char="•"/>
             </a:pPr>
             <a:r>
-              <a:rPr lang="es-ES" sz="1100" dirty="0" smtClean="0"/>
+              <a:rPr lang="es-ES" sz="1100" dirty="0"/>
               <a:t>CARACTER_AGUA = ‘ ‘</a:t>
             </a:r>
           </a:p>
@@ -3377,10 +3357,9 @@
               <a:buChar char="•"/>
             </a:pPr>
             <a:r>
-              <a:rPr lang="es-ES" sz="1100" dirty="0" smtClean="0"/>
+              <a:rPr lang="es-ES" sz="1100" dirty="0"/>
               <a:t>CARACTER_BARCO = “O”</a:t>
             </a:r>
-            <a:endParaRPr lang="es-ES" sz="1100" dirty="0"/>
           </a:p>
           <a:p>
             <a:pPr marL="285750" indent="-285750">
@@ -3388,7 +3367,7 @@
               <a:buChar char="•"/>
             </a:pPr>
             <a:r>
-              <a:rPr lang="es-ES" sz="1100" dirty="0" smtClean="0"/>
+              <a:rPr lang="es-ES" sz="1100" dirty="0"/>
               <a:t>CARACTER_DISPARO_OK = *</a:t>
             </a:r>
           </a:p>
@@ -3398,7 +3377,7 @@
               <a:buChar char="•"/>
             </a:pPr>
             <a:r>
-              <a:rPr lang="es-ES" sz="1100" dirty="0" smtClean="0"/>
+              <a:rPr lang="es-ES" sz="1100" dirty="0"/>
               <a:t>CARÁCTER_DISPARO_NOK = -</a:t>
             </a:r>
           </a:p>
@@ -3408,10 +3387,9 @@
               <a:buChar char="•"/>
             </a:pPr>
             <a:r>
-              <a:rPr lang="es-ES" sz="1100" dirty="0" smtClean="0"/>
+              <a:rPr lang="es-ES" sz="1100" dirty="0"/>
               <a:t>RANGOS = []</a:t>
             </a:r>
-            <a:endParaRPr lang="es-ES" sz="1100" dirty="0"/>
           </a:p>
           <a:p>
             <a:pPr marL="285750" indent="-285750">
@@ -3419,7 +3397,7 @@
               <a:buChar char="•"/>
             </a:pPr>
             <a:r>
-              <a:rPr lang="es-ES" sz="1100" dirty="0" smtClean="0"/>
+              <a:rPr lang="es-ES" sz="1100" dirty="0"/>
               <a:t>FLOTA = []</a:t>
             </a:r>
           </a:p>
@@ -3467,7 +3445,7 @@
           <a:lstStyle/>
           <a:p>
             <a:r>
-              <a:rPr lang="es-ES" b="1" dirty="0" smtClean="0"/>
+              <a:rPr lang="es-ES" b="1" dirty="0"/>
               <a:t>Módulo Entrada de datos:</a:t>
             </a:r>
           </a:p>
@@ -3477,12 +3455,8 @@
               <a:buChar char="•"/>
             </a:pPr>
             <a:r>
-              <a:rPr lang="es-ES" sz="1100" dirty="0" smtClean="0"/>
-              <a:t>[Nombre de usuario] </a:t>
-            </a:r>
-            <a:r>
               <a:rPr lang="es-ES" sz="1100" dirty="0"/>
-              <a:t>(</a:t>
+              <a:t>[Nombre de usuario] (</a:t>
             </a:r>
             <a:r>
               <a:rPr lang="es-ES" sz="1100" dirty="0" err="1"/>
@@ -3490,13 +3464,8 @@
             </a:r>
             <a:r>
               <a:rPr lang="es-ES" sz="1100" dirty="0"/>
-              <a:t> </a:t>
-            </a:r>
-            <a:r>
-              <a:rPr lang="es-ES" sz="1100" dirty="0" smtClean="0"/>
-              <a:t>caracteres)</a:t>
-            </a:r>
-            <a:endParaRPr lang="es-ES" sz="1100" dirty="0"/>
+              <a:t> caracteres)</a:t>
+            </a:r>
           </a:p>
           <a:p>
             <a:pPr marL="285750" indent="-285750">
@@ -3504,7 +3473,7 @@
               <a:buChar char="•"/>
             </a:pPr>
             <a:r>
-              <a:rPr lang="es-ES" sz="1100" dirty="0" smtClean="0"/>
+              <a:rPr lang="es-ES" sz="1100" dirty="0"/>
               <a:t>Dificultad (1 a 5)</a:t>
             </a:r>
           </a:p>
@@ -3514,10 +3483,10 @@
               <a:buChar char="•"/>
             </a:pPr>
             <a:r>
-              <a:rPr lang="es-ES" sz="1100" dirty="0" smtClean="0"/>
+              <a:rPr lang="es-ES" sz="1100" dirty="0"/>
               <a:t>Durante la partida:</a:t>
             </a:r>
-            <a:endParaRPr lang="en-US" sz="1100" dirty="0" smtClean="0"/>
+            <a:endParaRPr lang="en-US" sz="1100" dirty="0"/>
           </a:p>
           <a:p>
             <a:pPr marL="742950" lvl="1" indent="-285750">
@@ -3525,7 +3494,7 @@
               <a:buChar char="•"/>
             </a:pPr>
             <a:r>
-              <a:rPr lang="es-ES" sz="1100" dirty="0" smtClean="0"/>
+              <a:rPr lang="es-ES" sz="1100" dirty="0"/>
               <a:t>Coordenada</a:t>
             </a:r>
           </a:p>
@@ -3535,7 +3504,7 @@
               <a:buChar char="•"/>
             </a:pPr>
             <a:r>
-              <a:rPr lang="es-ES" sz="1100" dirty="0" smtClean="0"/>
+              <a:rPr lang="es-ES" sz="1100" dirty="0"/>
               <a:t>Salir</a:t>
             </a:r>
           </a:p>
@@ -3618,11 +3587,11 @@
           <a:lstStyle/>
           <a:p>
             <a:r>
-              <a:rPr lang="es-ES" b="1" dirty="0" err="1" smtClean="0"/>
+              <a:rPr lang="es-ES" b="1" dirty="0" err="1"/>
               <a:t>main</a:t>
             </a:r>
             <a:r>
-              <a:rPr lang="es-ES" b="1" dirty="0" smtClean="0"/>
+              <a:rPr lang="es-ES" b="1" dirty="0"/>
               <a:t>:</a:t>
             </a:r>
           </a:p>
@@ -3632,7 +3601,7 @@
               <a:buChar char="•"/>
             </a:pPr>
             <a:r>
-              <a:rPr lang="es-ES" sz="1100" dirty="0" smtClean="0"/>
+              <a:rPr lang="es-ES" sz="1100" dirty="0"/>
               <a:t>Dificultad</a:t>
             </a:r>
           </a:p>
@@ -3642,7 +3611,7 @@
               <a:buChar char="•"/>
             </a:pPr>
             <a:r>
-              <a:rPr lang="es-ES" sz="1100" dirty="0" smtClean="0"/>
+              <a:rPr lang="es-ES" sz="1100" dirty="0"/>
               <a:t>Nombre</a:t>
             </a:r>
           </a:p>
@@ -3652,7 +3621,7 @@
               <a:buChar char="•"/>
             </a:pPr>
             <a:r>
-              <a:rPr lang="es-ES" sz="1100" dirty="0" smtClean="0"/>
+              <a:rPr lang="es-ES" sz="1100" dirty="0"/>
               <a:t>Partida</a:t>
             </a:r>
           </a:p>
@@ -3661,7 +3630,7 @@
               <a:buFont typeface="Arial" panose="020B0604020202020204" pitchFamily="34" charset="0"/>
               <a:buChar char="•"/>
             </a:pPr>
-            <a:endParaRPr lang="es-ES" sz="1100" dirty="0" smtClean="0"/>
+            <a:endParaRPr lang="es-ES" sz="1100" dirty="0"/>
           </a:p>
         </p:txBody>
       </p:sp>
@@ -3743,7 +3712,7 @@
           <a:lstStyle/>
           <a:p>
             <a:r>
-              <a:rPr lang="es-ES" b="1" dirty="0" smtClean="0"/>
+              <a:rPr lang="es-ES" b="1" dirty="0"/>
               <a:t>UI:</a:t>
             </a:r>
           </a:p>
@@ -3753,7 +3722,7 @@
               <a:buChar char="•"/>
             </a:pPr>
             <a:r>
-              <a:rPr lang="es-ES" sz="1100" dirty="0" smtClean="0"/>
+              <a:rPr lang="es-ES" sz="1100" dirty="0"/>
               <a:t>Pintar tablero</a:t>
             </a:r>
           </a:p>
@@ -3763,7 +3732,7 @@
               <a:buChar char="•"/>
             </a:pPr>
             <a:r>
-              <a:rPr lang="es-ES" sz="1100" dirty="0" smtClean="0"/>
+              <a:rPr lang="es-ES" sz="1100" dirty="0"/>
               <a:t>Nombres</a:t>
             </a:r>
           </a:p>
@@ -3773,7 +3742,7 @@
               <a:buChar char="•"/>
             </a:pPr>
             <a:r>
-              <a:rPr lang="es-ES" sz="1100" dirty="0" smtClean="0"/>
+              <a:rPr lang="es-ES" sz="1100" dirty="0"/>
               <a:t>Totales</a:t>
             </a:r>
           </a:p>
@@ -3783,7 +3752,7 @@
               <a:buChar char="•"/>
             </a:pPr>
             <a:r>
-              <a:rPr lang="es-ES" sz="1100" dirty="0" smtClean="0"/>
+              <a:rPr lang="es-ES" sz="1100" dirty="0"/>
               <a:t>Turno</a:t>
             </a:r>
           </a:p>
@@ -3907,13 +3876,6 @@
   <p:clrMapOvr>
     <a:masterClrMapping/>
   </p:clrMapOvr>
-  <p:timing>
-    <p:tnLst>
-      <p:par>
-        <p:cTn id="1" dur="indefinite" restart="never" nodeType="tmRoot"/>
-      </p:par>
-    </p:tnLst>
-  </p:timing>
 </p:sld>
 </file>
 
@@ -3957,7 +3919,7 @@
           <a:lstStyle/>
           <a:p>
             <a:r>
-              <a:rPr lang="es-ES" dirty="0" smtClean="0"/>
+              <a:rPr lang="es-ES" dirty="0"/>
               <a:t>Tablero</a:t>
             </a:r>
             <a:endParaRPr lang="en-US" dirty="0"/>
@@ -3974,13 +3936,6 @@
   <p:clrMapOvr>
     <a:masterClrMapping/>
   </p:clrMapOvr>
-  <p:timing>
-    <p:tnLst>
-      <p:par>
-        <p:cTn id="1" dur="indefinite" restart="never" nodeType="tmRoot"/>
-      </p:par>
-    </p:tnLst>
-  </p:timing>
 </p:sld>
 </file>
 
@@ -4024,7 +3979,7 @@
           <a:lstStyle/>
           <a:p>
             <a:r>
-              <a:rPr lang="es-ES" dirty="0" smtClean="0"/>
+              <a:rPr lang="es-ES" dirty="0"/>
               <a:t>Partida</a:t>
             </a:r>
             <a:endParaRPr lang="en-US" dirty="0"/>
@@ -4041,13 +3996,6 @@
   <p:clrMapOvr>
     <a:masterClrMapping/>
   </p:clrMapOvr>
-  <p:timing>
-    <p:tnLst>
-      <p:par>
-        <p:cTn id="1" dur="indefinite" restart="never" nodeType="tmRoot"/>
-      </p:par>
-    </p:tnLst>
-  </p:timing>
 </p:sld>
 </file>
 
@@ -4091,13 +4039,43 @@
           <a:lstStyle/>
           <a:p>
             <a:r>
-              <a:rPr lang="es-ES" dirty="0" smtClean="0"/>
+              <a:rPr lang="es-ES" dirty="0"/>
               <a:t>Entrada de datos</a:t>
             </a:r>
             <a:endParaRPr lang="en-US" dirty="0"/>
           </a:p>
         </p:txBody>
       </p:sp>
+      <p:pic>
+        <p:nvPicPr>
+          <p:cNvPr id="9" name="Imagen 8">
+            <a:extLst>
+              <a:ext uri="{FF2B5EF4-FFF2-40B4-BE49-F238E27FC236}">
+                <a16:creationId xmlns:a16="http://schemas.microsoft.com/office/drawing/2014/main" id="{E8897862-C8CF-F189-BA0C-73BF4442EEC9}"/>
+              </a:ext>
+            </a:extLst>
+          </p:cNvPr>
+          <p:cNvPicPr>
+            <a:picLocks noChangeAspect="1"/>
+          </p:cNvPicPr>
+          <p:nvPr/>
+        </p:nvPicPr>
+        <p:blipFill>
+          <a:blip r:embed="rId2"/>
+          <a:stretch>
+            <a:fillRect/>
+          </a:stretch>
+        </p:blipFill>
+        <p:spPr>
+          <a:xfrm>
+            <a:off x="1140400" y="863627"/>
+            <a:ext cx="9911200" cy="5130746"/>
+          </a:xfrm>
+          <a:prstGeom prst="rect">
+            <a:avLst/>
+          </a:prstGeom>
+        </p:spPr>
+      </p:pic>
     </p:spTree>
     <p:extLst>
       <p:ext uri="{BB962C8B-B14F-4D97-AF65-F5344CB8AC3E}">
@@ -4108,17 +4086,188 @@
   <p:clrMapOvr>
     <a:masterClrMapping/>
   </p:clrMapOvr>
-  <p:timing>
-    <p:tnLst>
-      <p:par>
-        <p:cTn id="1" dur="indefinite" restart="never" nodeType="tmRoot"/>
-      </p:par>
-    </p:tnLst>
-  </p:timing>
 </p:sld>
 </file>
 
 <file path=ppt/slides/slide5.xml><?xml version="1.0" encoding="utf-8"?>
+<p:sld xmlns:a="http://schemas.openxmlformats.org/drawingml/2006/main" xmlns:r="http://schemas.openxmlformats.org/officeDocument/2006/relationships" xmlns:p="http://schemas.openxmlformats.org/presentationml/2006/main">
+  <p:cSld>
+    <p:spTree>
+      <p:nvGrpSpPr>
+        <p:cNvPr id="1" name=""/>
+        <p:cNvGrpSpPr/>
+        <p:nvPr/>
+      </p:nvGrpSpPr>
+      <p:grpSpPr>
+        <a:xfrm>
+          <a:off x="0" y="0"/>
+          <a:ext cx="0" cy="0"/>
+          <a:chOff x="0" y="0"/>
+          <a:chExt cx="0" cy="0"/>
+        </a:xfrm>
+      </p:grpSpPr>
+      <p:sp>
+        <p:nvSpPr>
+          <p:cNvPr id="3" name="TextBox 2"/>
+          <p:cNvSpPr txBox="1"/>
+          <p:nvPr/>
+        </p:nvSpPr>
+        <p:spPr>
+          <a:xfrm>
+            <a:off x="946315" y="267855"/>
+            <a:ext cx="1771639" cy="369332"/>
+          </a:xfrm>
+          <a:prstGeom prst="rect">
+            <a:avLst/>
+          </a:prstGeom>
+          <a:noFill/>
+        </p:spPr>
+        <p:txBody>
+          <a:bodyPr wrap="none" rtlCol="0">
+            <a:spAutoFit/>
+          </a:bodyPr>
+          <a:lstStyle/>
+          <a:p>
+            <a:r>
+              <a:rPr lang="es-ES" dirty="0"/>
+              <a:t>Entrada de datos</a:t>
+            </a:r>
+            <a:endParaRPr lang="en-US" dirty="0"/>
+          </a:p>
+        </p:txBody>
+      </p:sp>
+      <p:pic>
+        <p:nvPicPr>
+          <p:cNvPr id="4" name="Imagen 3">
+            <a:extLst>
+              <a:ext uri="{FF2B5EF4-FFF2-40B4-BE49-F238E27FC236}">
+                <a16:creationId xmlns:a16="http://schemas.microsoft.com/office/drawing/2014/main" id="{6AF1662F-4C03-CFD9-7E23-2EBCC5E5FD5F}"/>
+              </a:ext>
+            </a:extLst>
+          </p:cNvPr>
+          <p:cNvPicPr>
+            <a:picLocks noChangeAspect="1"/>
+          </p:cNvPicPr>
+          <p:nvPr/>
+        </p:nvPicPr>
+        <p:blipFill rotWithShape="1">
+          <a:blip r:embed="rId2"/>
+          <a:srcRect b="39037"/>
+          <a:stretch/>
+        </p:blipFill>
+        <p:spPr>
+          <a:xfrm>
+            <a:off x="856129" y="1027484"/>
+            <a:ext cx="10479741" cy="4803031"/>
+          </a:xfrm>
+          <a:prstGeom prst="rect">
+            <a:avLst/>
+          </a:prstGeom>
+        </p:spPr>
+      </p:pic>
+    </p:spTree>
+    <p:extLst>
+      <p:ext uri="{BB962C8B-B14F-4D97-AF65-F5344CB8AC3E}">
+        <p14:creationId xmlns:p14="http://schemas.microsoft.com/office/powerpoint/2010/main" val="1074243280"/>
+      </p:ext>
+    </p:extLst>
+  </p:cSld>
+  <p:clrMapOvr>
+    <a:masterClrMapping/>
+  </p:clrMapOvr>
+</p:sld>
+</file>
+
+<file path=ppt/slides/slide6.xml><?xml version="1.0" encoding="utf-8"?>
+<p:sld xmlns:a="http://schemas.openxmlformats.org/drawingml/2006/main" xmlns:r="http://schemas.openxmlformats.org/officeDocument/2006/relationships" xmlns:p="http://schemas.openxmlformats.org/presentationml/2006/main">
+  <p:cSld>
+    <p:spTree>
+      <p:nvGrpSpPr>
+        <p:cNvPr id="1" name=""/>
+        <p:cNvGrpSpPr/>
+        <p:nvPr/>
+      </p:nvGrpSpPr>
+      <p:grpSpPr>
+        <a:xfrm>
+          <a:off x="0" y="0"/>
+          <a:ext cx="0" cy="0"/>
+          <a:chOff x="0" y="0"/>
+          <a:chExt cx="0" cy="0"/>
+        </a:xfrm>
+      </p:grpSpPr>
+      <p:sp>
+        <p:nvSpPr>
+          <p:cNvPr id="3" name="TextBox 2"/>
+          <p:cNvSpPr txBox="1"/>
+          <p:nvPr/>
+        </p:nvSpPr>
+        <p:spPr>
+          <a:xfrm>
+            <a:off x="946315" y="267855"/>
+            <a:ext cx="1771639" cy="369332"/>
+          </a:xfrm>
+          <a:prstGeom prst="rect">
+            <a:avLst/>
+          </a:prstGeom>
+          <a:noFill/>
+        </p:spPr>
+        <p:txBody>
+          <a:bodyPr wrap="none" rtlCol="0">
+            <a:spAutoFit/>
+          </a:bodyPr>
+          <a:lstStyle/>
+          <a:p>
+            <a:r>
+              <a:rPr lang="es-ES" dirty="0"/>
+              <a:t>Entrada de datos</a:t>
+            </a:r>
+            <a:endParaRPr lang="en-US" dirty="0"/>
+          </a:p>
+        </p:txBody>
+      </p:sp>
+      <p:pic>
+        <p:nvPicPr>
+          <p:cNvPr id="5" name="Imagen 4">
+            <a:extLst>
+              <a:ext uri="{FF2B5EF4-FFF2-40B4-BE49-F238E27FC236}">
+                <a16:creationId xmlns:a16="http://schemas.microsoft.com/office/drawing/2014/main" id="{29EDCCFF-D487-2FB5-B9FE-D5FC9EBC2BAC}"/>
+              </a:ext>
+            </a:extLst>
+          </p:cNvPr>
+          <p:cNvPicPr>
+            <a:picLocks noChangeAspect="1"/>
+          </p:cNvPicPr>
+          <p:nvPr/>
+        </p:nvPicPr>
+        <p:blipFill rotWithShape="1">
+          <a:blip r:embed="rId2"/>
+          <a:srcRect t="61256"/>
+          <a:stretch/>
+        </p:blipFill>
+        <p:spPr>
+          <a:xfrm>
+            <a:off x="879271" y="1909482"/>
+            <a:ext cx="10433458" cy="3039036"/>
+          </a:xfrm>
+          <a:prstGeom prst="rect">
+            <a:avLst/>
+          </a:prstGeom>
+        </p:spPr>
+      </p:pic>
+    </p:spTree>
+    <p:extLst>
+      <p:ext uri="{BB962C8B-B14F-4D97-AF65-F5344CB8AC3E}">
+        <p14:creationId xmlns:p14="http://schemas.microsoft.com/office/powerpoint/2010/main" val="1694665566"/>
+      </p:ext>
+    </p:extLst>
+  </p:cSld>
+  <p:clrMapOvr>
+    <a:masterClrMapping/>
+  </p:clrMapOvr>
+</p:sld>
+</file>
+
+<file path=ppt/slides/slide7.xml><?xml version="1.0" encoding="utf-8"?>
 <p:sld xmlns:a="http://schemas.openxmlformats.org/drawingml/2006/main" xmlns:r="http://schemas.openxmlformats.org/officeDocument/2006/relationships" xmlns:p="http://schemas.openxmlformats.org/presentationml/2006/main">
   <p:cSld>
     <p:spTree>
@@ -4182,7 +4331,7 @@
           <a:lstStyle/>
           <a:p>
             <a:r>
-              <a:rPr lang="es-ES" dirty="0" smtClean="0"/>
+              <a:rPr lang="es-ES" dirty="0"/>
               <a:t>UI</a:t>
             </a:r>
             <a:endParaRPr lang="en-US" dirty="0"/>
@@ -4199,13 +4348,6 @@
   <p:clrMapOvr>
     <a:masterClrMapping/>
   </p:clrMapOvr>
-  <p:timing>
-    <p:tnLst>
-      <p:par>
-        <p:cTn id="1" dur="indefinite" restart="never" nodeType="tmRoot"/>
-      </p:par>
-    </p:tnLst>
-  </p:timing>
 </p:sld>
 </file>
 

--- a/Documentacion/JBC/HUNDIR LA FLOTA - ANÁLIISIS.pptx
+++ b/Documentacion/JBC/HUNDIR LA FLOTA - ANÁLIISIS.pptx
@@ -7,11 +7,12 @@
   <p:sldIdLst>
     <p:sldId id="256" r:id="rId2"/>
     <p:sldId id="259" r:id="rId3"/>
-    <p:sldId id="260" r:id="rId4"/>
-    <p:sldId id="261" r:id="rId5"/>
-    <p:sldId id="262" r:id="rId6"/>
-    <p:sldId id="263" r:id="rId7"/>
-    <p:sldId id="258" r:id="rId8"/>
+    <p:sldId id="264" r:id="rId4"/>
+    <p:sldId id="260" r:id="rId5"/>
+    <p:sldId id="261" r:id="rId6"/>
+    <p:sldId id="262" r:id="rId7"/>
+    <p:sldId id="263" r:id="rId8"/>
+    <p:sldId id="258" r:id="rId9"/>
   </p:sldIdLst>
   <p:sldSz cx="12192000" cy="6858000"/>
   <p:notesSz cx="6858000" cy="9144000"/>
@@ -3926,6 +3927,42 @@
           </a:p>
         </p:txBody>
       </p:sp>
+      <p:pic>
+        <p:nvPicPr>
+          <p:cNvPr id="6" name="Imagen 5" descr="Texto&#10;&#10;Descripción generada automáticamente">
+            <a:extLst>
+              <a:ext uri="{FF2B5EF4-FFF2-40B4-BE49-F238E27FC236}">
+                <a16:creationId xmlns:a16="http://schemas.microsoft.com/office/drawing/2014/main" id="{085EA5D8-B592-F24A-F389-C27BB6B885CB}"/>
+              </a:ext>
+            </a:extLst>
+          </p:cNvPr>
+          <p:cNvPicPr>
+            <a:picLocks noChangeAspect="1"/>
+          </p:cNvPicPr>
+          <p:nvPr/>
+        </p:nvPicPr>
+        <p:blipFill>
+          <a:blip r:embed="rId2">
+            <a:extLst>
+              <a:ext uri="{28A0092B-C50C-407E-A947-70E740481C1C}">
+                <a14:useLocalDpi xmlns:a14="http://schemas.microsoft.com/office/drawing/2010/main" val="0"/>
+              </a:ext>
+            </a:extLst>
+          </a:blip>
+          <a:stretch>
+            <a:fillRect/>
+          </a:stretch>
+        </p:blipFill>
+        <p:spPr>
+          <a:xfrm>
+            <a:off x="2427339" y="452521"/>
+            <a:ext cx="7004645" cy="6017105"/>
+          </a:xfrm>
+          <a:prstGeom prst="rect">
+            <a:avLst/>
+          </a:prstGeom>
+        </p:spPr>
+      </p:pic>
     </p:spTree>
     <p:extLst>
       <p:ext uri="{BB962C8B-B14F-4D97-AF65-F5344CB8AC3E}">
@@ -3944,6 +3981,114 @@
   <p:cSld>
     <p:spTree>
       <p:nvGrpSpPr>
+        <p:cNvPr id="1" name="">
+          <a:extLst>
+            <a:ext uri="{FF2B5EF4-FFF2-40B4-BE49-F238E27FC236}">
+              <a16:creationId xmlns:a16="http://schemas.microsoft.com/office/drawing/2014/main" id="{92FB0151-5D86-F954-DAF1-84818BB46F1D}"/>
+            </a:ext>
+          </a:extLst>
+        </p:cNvPr>
+        <p:cNvGrpSpPr/>
+        <p:nvPr/>
+      </p:nvGrpSpPr>
+      <p:grpSpPr>
+        <a:xfrm>
+          <a:off x="0" y="0"/>
+          <a:ext cx="0" cy="0"/>
+          <a:chOff x="0" y="0"/>
+          <a:chExt cx="0" cy="0"/>
+        </a:xfrm>
+      </p:grpSpPr>
+      <p:sp>
+        <p:nvSpPr>
+          <p:cNvPr id="3" name="TextBox 2">
+            <a:extLst>
+              <a:ext uri="{FF2B5EF4-FFF2-40B4-BE49-F238E27FC236}">
+                <a16:creationId xmlns:a16="http://schemas.microsoft.com/office/drawing/2014/main" id="{FE9F3383-85F9-D433-C8CF-23377076D686}"/>
+              </a:ext>
+            </a:extLst>
+          </p:cNvPr>
+          <p:cNvSpPr txBox="1"/>
+          <p:nvPr/>
+        </p:nvSpPr>
+        <p:spPr>
+          <a:xfrm>
+            <a:off x="946315" y="267855"/>
+            <a:ext cx="877869" cy="369332"/>
+          </a:xfrm>
+          <a:prstGeom prst="rect">
+            <a:avLst/>
+          </a:prstGeom>
+          <a:noFill/>
+        </p:spPr>
+        <p:txBody>
+          <a:bodyPr wrap="none" rtlCol="0">
+            <a:spAutoFit/>
+          </a:bodyPr>
+          <a:lstStyle/>
+          <a:p>
+            <a:r>
+              <a:rPr lang="es-ES" dirty="0"/>
+              <a:t>Tablero</a:t>
+            </a:r>
+            <a:endParaRPr lang="en-US" dirty="0"/>
+          </a:p>
+        </p:txBody>
+      </p:sp>
+      <p:pic>
+        <p:nvPicPr>
+          <p:cNvPr id="7" name="Imagen 6" descr="Texto&#10;&#10;Descripción generada automáticamente">
+            <a:extLst>
+              <a:ext uri="{FF2B5EF4-FFF2-40B4-BE49-F238E27FC236}">
+                <a16:creationId xmlns:a16="http://schemas.microsoft.com/office/drawing/2014/main" id="{7257B568-DA98-AD13-70FD-0C13BA40F21A}"/>
+              </a:ext>
+            </a:extLst>
+          </p:cNvPr>
+          <p:cNvPicPr>
+            <a:picLocks noChangeAspect="1"/>
+          </p:cNvPicPr>
+          <p:nvPr/>
+        </p:nvPicPr>
+        <p:blipFill>
+          <a:blip r:embed="rId2">
+            <a:extLst>
+              <a:ext uri="{28A0092B-C50C-407E-A947-70E740481C1C}">
+                <a14:useLocalDpi xmlns:a14="http://schemas.microsoft.com/office/drawing/2010/main" val="0"/>
+              </a:ext>
+            </a:extLst>
+          </a:blip>
+          <a:stretch>
+            <a:fillRect/>
+          </a:stretch>
+        </p:blipFill>
+        <p:spPr>
+          <a:xfrm>
+            <a:off x="1976284" y="759952"/>
+            <a:ext cx="8420722" cy="5964678"/>
+          </a:xfrm>
+          <a:prstGeom prst="rect">
+            <a:avLst/>
+          </a:prstGeom>
+        </p:spPr>
+      </p:pic>
+    </p:spTree>
+    <p:extLst>
+      <p:ext uri="{BB962C8B-B14F-4D97-AF65-F5344CB8AC3E}">
+        <p14:creationId xmlns:p14="http://schemas.microsoft.com/office/powerpoint/2010/main" val="3259550453"/>
+      </p:ext>
+    </p:extLst>
+  </p:cSld>
+  <p:clrMapOvr>
+    <a:masterClrMapping/>
+  </p:clrMapOvr>
+</p:sld>
+</file>
+
+<file path=ppt/slides/slide4.xml><?xml version="1.0" encoding="utf-8"?>
+<p:sld xmlns:a="http://schemas.openxmlformats.org/drawingml/2006/main" xmlns:r="http://schemas.openxmlformats.org/officeDocument/2006/relationships" xmlns:p="http://schemas.openxmlformats.org/presentationml/2006/main">
+  <p:cSld>
+    <p:spTree>
+      <p:nvGrpSpPr>
         <p:cNvPr id="1" name=""/>
         <p:cNvGrpSpPr/>
         <p:nvPr/>
@@ -3999,7 +4144,7 @@
 </p:sld>
 </file>
 
-<file path=ppt/slides/slide4.xml><?xml version="1.0" encoding="utf-8"?>
+<file path=ppt/slides/slide5.xml><?xml version="1.0" encoding="utf-8"?>
 <p:sld xmlns:a="http://schemas.openxmlformats.org/drawingml/2006/main" xmlns:r="http://schemas.openxmlformats.org/officeDocument/2006/relationships" xmlns:p="http://schemas.openxmlformats.org/presentationml/2006/main">
   <p:cSld>
     <p:spTree>
@@ -4089,7 +4234,7 @@
 </p:sld>
 </file>
 
-<file path=ppt/slides/slide5.xml><?xml version="1.0" encoding="utf-8"?>
+<file path=ppt/slides/slide6.xml><?xml version="1.0" encoding="utf-8"?>
 <p:sld xmlns:a="http://schemas.openxmlformats.org/drawingml/2006/main" xmlns:r="http://schemas.openxmlformats.org/officeDocument/2006/relationships" xmlns:p="http://schemas.openxmlformats.org/presentationml/2006/main">
   <p:cSld>
     <p:spTree>
@@ -4178,7 +4323,7 @@
 </p:sld>
 </file>
 
-<file path=ppt/slides/slide6.xml><?xml version="1.0" encoding="utf-8"?>
+<file path=ppt/slides/slide7.xml><?xml version="1.0" encoding="utf-8"?>
 <p:sld xmlns:a="http://schemas.openxmlformats.org/drawingml/2006/main" xmlns:r="http://schemas.openxmlformats.org/officeDocument/2006/relationships" xmlns:p="http://schemas.openxmlformats.org/presentationml/2006/main">
   <p:cSld>
     <p:spTree>
@@ -4267,7 +4412,7 @@
 </p:sld>
 </file>
 
-<file path=ppt/slides/slide7.xml><?xml version="1.0" encoding="utf-8"?>
+<file path=ppt/slides/slide8.xml><?xml version="1.0" encoding="utf-8"?>
 <p:sld xmlns:a="http://schemas.openxmlformats.org/drawingml/2006/main" xmlns:r="http://schemas.openxmlformats.org/officeDocument/2006/relationships" xmlns:p="http://schemas.openxmlformats.org/presentationml/2006/main">
   <p:cSld>
     <p:spTree>

--- a/Documentacion/JBC/HUNDIR LA FLOTA - ANÁLIISIS.pptx
+++ b/Documentacion/JBC/HUNDIR LA FLOTA - ANÁLIISIS.pptx
@@ -4131,6 +4131,78 @@
           </a:p>
         </p:txBody>
       </p:sp>
+      <p:pic>
+        <p:nvPicPr>
+          <p:cNvPr id="4" name="Imagen 3">
+            <a:extLst>
+              <a:ext uri="{FF2B5EF4-FFF2-40B4-BE49-F238E27FC236}">
+                <a16:creationId xmlns:a16="http://schemas.microsoft.com/office/drawing/2014/main" id="{1E2E1F9E-39DC-43B1-8481-2C001FB0025F}"/>
+              </a:ext>
+            </a:extLst>
+          </p:cNvPr>
+          <p:cNvPicPr>
+            <a:picLocks noChangeAspect="1"/>
+          </p:cNvPicPr>
+          <p:nvPr/>
+        </p:nvPicPr>
+        <p:blipFill>
+          <a:blip r:embed="rId2">
+            <a:extLst>
+              <a:ext uri="{28A0092B-C50C-407E-A947-70E740481C1C}">
+                <a14:useLocalDpi xmlns:a14="http://schemas.microsoft.com/office/drawing/2010/main" val="0"/>
+              </a:ext>
+            </a:extLst>
+          </a:blip>
+          <a:stretch>
+            <a:fillRect/>
+          </a:stretch>
+        </p:blipFill>
+        <p:spPr>
+          <a:xfrm>
+            <a:off x="946315" y="2085924"/>
+            <a:ext cx="5358993" cy="2343403"/>
+          </a:xfrm>
+          <a:prstGeom prst="rect">
+            <a:avLst/>
+          </a:prstGeom>
+        </p:spPr>
+      </p:pic>
+      <p:pic>
+        <p:nvPicPr>
+          <p:cNvPr id="6" name="Imagen 5">
+            <a:extLst>
+              <a:ext uri="{FF2B5EF4-FFF2-40B4-BE49-F238E27FC236}">
+                <a16:creationId xmlns:a16="http://schemas.microsoft.com/office/drawing/2014/main" id="{67123BAF-14C3-400C-879B-129D27EB385A}"/>
+              </a:ext>
+            </a:extLst>
+          </p:cNvPr>
+          <p:cNvPicPr>
+            <a:picLocks noChangeAspect="1"/>
+          </p:cNvPicPr>
+          <p:nvPr/>
+        </p:nvPicPr>
+        <p:blipFill>
+          <a:blip r:embed="rId3">
+            <a:extLst>
+              <a:ext uri="{28A0092B-C50C-407E-A947-70E740481C1C}">
+                <a14:useLocalDpi xmlns:a14="http://schemas.microsoft.com/office/drawing/2010/main" val="0"/>
+              </a:ext>
+            </a:extLst>
+          </a:blip>
+          <a:stretch>
+            <a:fillRect/>
+          </a:stretch>
+        </p:blipFill>
+        <p:spPr>
+          <a:xfrm>
+            <a:off x="6350400" y="637187"/>
+            <a:ext cx="5483274" cy="5731187"/>
+          </a:xfrm>
+          <a:prstGeom prst="rect">
+            <a:avLst/>
+          </a:prstGeom>
+        </p:spPr>
+      </p:pic>
     </p:spTree>
     <p:extLst>
       <p:ext uri="{BB962C8B-B14F-4D97-AF65-F5344CB8AC3E}">

--- a/Documentacion/JBC/HUNDIR LA FLOTA - ANÁLIISIS.pptx
+++ b/Documentacion/JBC/HUNDIR LA FLOTA - ANÁLIISIS.pptx
@@ -4133,15 +4133,15 @@
       </p:sp>
       <p:pic>
         <p:nvPicPr>
-          <p:cNvPr id="4" name="Imagen 3">
+          <p:cNvPr id="1026" name="Picture 2">
             <a:extLst>
               <a:ext uri="{FF2B5EF4-FFF2-40B4-BE49-F238E27FC236}">
-                <a16:creationId xmlns:a16="http://schemas.microsoft.com/office/drawing/2014/main" id="{1E2E1F9E-39DC-43B1-8481-2C001FB0025F}"/>
+                <a16:creationId xmlns:a16="http://schemas.microsoft.com/office/drawing/2014/main" id="{EA9C3E73-7677-4115-B213-570A90DAD9AF}"/>
               </a:ext>
             </a:extLst>
           </p:cNvPr>
           <p:cNvPicPr>
-            <a:picLocks noChangeAspect="1"/>
+            <a:picLocks noChangeAspect="1" noChangeArrowheads="1"/>
           </p:cNvPicPr>
           <p:nvPr/>
         </p:nvPicPr>
@@ -4153,31 +4153,42 @@
               </a:ext>
             </a:extLst>
           </a:blip>
+          <a:srcRect/>
           <a:stretch>
             <a:fillRect/>
           </a:stretch>
         </p:blipFill>
-        <p:spPr>
+        <p:spPr bwMode="auto">
           <a:xfrm>
-            <a:off x="946315" y="2085924"/>
-            <a:ext cx="5358993" cy="2343403"/>
+            <a:off x="999314" y="637187"/>
+            <a:ext cx="5025349" cy="5892917"/>
           </a:xfrm>
           <a:prstGeom prst="rect">
             <a:avLst/>
           </a:prstGeom>
+          <a:noFill/>
+          <a:extLst>
+            <a:ext uri="{909E8E84-426E-40DD-AFC4-6F175D3DCCD1}">
+              <a14:hiddenFill xmlns:a14="http://schemas.microsoft.com/office/drawing/2010/main">
+                <a:solidFill>
+                  <a:srgbClr val="FFFFFF"/>
+                </a:solidFill>
+              </a14:hiddenFill>
+            </a:ext>
+          </a:extLst>
         </p:spPr>
       </p:pic>
       <p:pic>
         <p:nvPicPr>
-          <p:cNvPr id="6" name="Imagen 5">
+          <p:cNvPr id="1030" name="Picture 6">
             <a:extLst>
               <a:ext uri="{FF2B5EF4-FFF2-40B4-BE49-F238E27FC236}">
-                <a16:creationId xmlns:a16="http://schemas.microsoft.com/office/drawing/2014/main" id="{67123BAF-14C3-400C-879B-129D27EB385A}"/>
+                <a16:creationId xmlns:a16="http://schemas.microsoft.com/office/drawing/2014/main" id="{DCCB32A3-3B6F-4C37-B381-26984D8E0AB2}"/>
               </a:ext>
             </a:extLst>
           </p:cNvPr>
           <p:cNvPicPr>
-            <a:picLocks noChangeAspect="1"/>
+            <a:picLocks noChangeAspect="1" noChangeArrowheads="1"/>
           </p:cNvPicPr>
           <p:nvPr/>
         </p:nvPicPr>
@@ -4189,18 +4200,29 @@
               </a:ext>
             </a:extLst>
           </a:blip>
+          <a:srcRect/>
           <a:stretch>
             <a:fillRect/>
           </a:stretch>
         </p:blipFill>
-        <p:spPr>
+        <p:spPr bwMode="auto">
           <a:xfrm>
-            <a:off x="6350400" y="637187"/>
-            <a:ext cx="5483274" cy="5731187"/>
+            <a:off x="6167339" y="1060938"/>
+            <a:ext cx="5579152" cy="5045413"/>
           </a:xfrm>
           <a:prstGeom prst="rect">
             <a:avLst/>
           </a:prstGeom>
+          <a:noFill/>
+          <a:extLst>
+            <a:ext uri="{909E8E84-426E-40DD-AFC4-6F175D3DCCD1}">
+              <a14:hiddenFill xmlns:a14="http://schemas.microsoft.com/office/drawing/2010/main">
+                <a:solidFill>
+                  <a:srgbClr val="FFFFFF"/>
+                </a:solidFill>
+              </a14:hiddenFill>
+            </a:ext>
+          </a:extLst>
         </p:spPr>
       </p:pic>
     </p:spTree>

--- a/Documentacion/JBC/HUNDIR LA FLOTA - ANÁLIISIS.pptx
+++ b/Documentacion/JBC/HUNDIR LA FLOTA - ANÁLIISIS.pptx
@@ -11,8 +11,7 @@
     <p:sldId id="260" r:id="rId5"/>
     <p:sldId id="261" r:id="rId6"/>
     <p:sldId id="262" r:id="rId7"/>
-    <p:sldId id="263" r:id="rId8"/>
-    <p:sldId id="258" r:id="rId9"/>
+    <p:sldId id="258" r:id="rId8"/>
   </p:sldIdLst>
   <p:sldSz cx="12192000" cy="6858000"/>
   <p:notesSz cx="6858000" cy="9144000"/>
@@ -4287,10 +4286,10 @@
       </p:sp>
       <p:pic>
         <p:nvPicPr>
-          <p:cNvPr id="9" name="Imagen 8">
+          <p:cNvPr id="8" name="Imagen 7">
             <a:extLst>
               <a:ext uri="{FF2B5EF4-FFF2-40B4-BE49-F238E27FC236}">
-                <a16:creationId xmlns:a16="http://schemas.microsoft.com/office/drawing/2014/main" id="{E8897862-C8CF-F189-BA0C-73BF4442EEC9}"/>
+                <a16:creationId xmlns:a16="http://schemas.microsoft.com/office/drawing/2014/main" id="{4FBAB9AF-74E6-503B-6588-8AF92D63EB80}"/>
               </a:ext>
             </a:extLst>
           </p:cNvPr>
@@ -4307,8 +4306,8 @@
         </p:blipFill>
         <p:spPr>
           <a:xfrm>
-            <a:off x="1140400" y="863627"/>
-            <a:ext cx="9911200" cy="5130746"/>
+            <a:off x="2015839" y="770965"/>
+            <a:ext cx="8160322" cy="5583738"/>
           </a:xfrm>
           <a:prstGeom prst="rect">
             <a:avLst/>
@@ -4391,13 +4390,13 @@
         </p:nvPicPr>
         <p:blipFill rotWithShape="1">
           <a:blip r:embed="rId2"/>
-          <a:srcRect b="39037"/>
+          <a:srcRect t="3571" b="39037"/>
           <a:stretch/>
         </p:blipFill>
         <p:spPr>
           <a:xfrm>
-            <a:off x="856129" y="1027484"/>
-            <a:ext cx="10479741" cy="4803031"/>
+            <a:off x="856129" y="1168166"/>
+            <a:ext cx="10479741" cy="4521668"/>
           </a:xfrm>
           <a:prstGeom prst="rect">
             <a:avLst/>
@@ -4418,95 +4417,6 @@
 </file>
 
 <file path=ppt/slides/slide7.xml><?xml version="1.0" encoding="utf-8"?>
-<p:sld xmlns:a="http://schemas.openxmlformats.org/drawingml/2006/main" xmlns:r="http://schemas.openxmlformats.org/officeDocument/2006/relationships" xmlns:p="http://schemas.openxmlformats.org/presentationml/2006/main">
-  <p:cSld>
-    <p:spTree>
-      <p:nvGrpSpPr>
-        <p:cNvPr id="1" name=""/>
-        <p:cNvGrpSpPr/>
-        <p:nvPr/>
-      </p:nvGrpSpPr>
-      <p:grpSpPr>
-        <a:xfrm>
-          <a:off x="0" y="0"/>
-          <a:ext cx="0" cy="0"/>
-          <a:chOff x="0" y="0"/>
-          <a:chExt cx="0" cy="0"/>
-        </a:xfrm>
-      </p:grpSpPr>
-      <p:sp>
-        <p:nvSpPr>
-          <p:cNvPr id="3" name="TextBox 2"/>
-          <p:cNvSpPr txBox="1"/>
-          <p:nvPr/>
-        </p:nvSpPr>
-        <p:spPr>
-          <a:xfrm>
-            <a:off x="946315" y="267855"/>
-            <a:ext cx="1771639" cy="369332"/>
-          </a:xfrm>
-          <a:prstGeom prst="rect">
-            <a:avLst/>
-          </a:prstGeom>
-          <a:noFill/>
-        </p:spPr>
-        <p:txBody>
-          <a:bodyPr wrap="none" rtlCol="0">
-            <a:spAutoFit/>
-          </a:bodyPr>
-          <a:lstStyle/>
-          <a:p>
-            <a:r>
-              <a:rPr lang="es-ES" dirty="0"/>
-              <a:t>Entrada de datos</a:t>
-            </a:r>
-            <a:endParaRPr lang="en-US" dirty="0"/>
-          </a:p>
-        </p:txBody>
-      </p:sp>
-      <p:pic>
-        <p:nvPicPr>
-          <p:cNvPr id="5" name="Imagen 4">
-            <a:extLst>
-              <a:ext uri="{FF2B5EF4-FFF2-40B4-BE49-F238E27FC236}">
-                <a16:creationId xmlns:a16="http://schemas.microsoft.com/office/drawing/2014/main" id="{29EDCCFF-D487-2FB5-B9FE-D5FC9EBC2BAC}"/>
-              </a:ext>
-            </a:extLst>
-          </p:cNvPr>
-          <p:cNvPicPr>
-            <a:picLocks noChangeAspect="1"/>
-          </p:cNvPicPr>
-          <p:nvPr/>
-        </p:nvPicPr>
-        <p:blipFill rotWithShape="1">
-          <a:blip r:embed="rId2"/>
-          <a:srcRect t="61256"/>
-          <a:stretch/>
-        </p:blipFill>
-        <p:spPr>
-          <a:xfrm>
-            <a:off x="879271" y="1909482"/>
-            <a:ext cx="10433458" cy="3039036"/>
-          </a:xfrm>
-          <a:prstGeom prst="rect">
-            <a:avLst/>
-          </a:prstGeom>
-        </p:spPr>
-      </p:pic>
-    </p:spTree>
-    <p:extLst>
-      <p:ext uri="{BB962C8B-B14F-4D97-AF65-F5344CB8AC3E}">
-        <p14:creationId xmlns:p14="http://schemas.microsoft.com/office/powerpoint/2010/main" val="1694665566"/>
-      </p:ext>
-    </p:extLst>
-  </p:cSld>
-  <p:clrMapOvr>
-    <a:masterClrMapping/>
-  </p:clrMapOvr>
-</p:sld>
-</file>
-
-<file path=ppt/slides/slide8.xml><?xml version="1.0" encoding="utf-8"?>
 <p:sld xmlns:a="http://schemas.openxmlformats.org/drawingml/2006/main" xmlns:r="http://schemas.openxmlformats.org/officeDocument/2006/relationships" xmlns:p="http://schemas.openxmlformats.org/presentationml/2006/main">
   <p:cSld>
     <p:spTree>

--- a/Documentacion/JBC/HUNDIR LA FLOTA - ANÁLIISIS.pptx
+++ b/Documentacion/JBC/HUNDIR LA FLOTA - ANÁLIISIS.pptx
@@ -2,7 +2,7 @@
 <file path=ppt/presentation.xml><?xml version="1.0" encoding="utf-8"?>
 <p:presentation xmlns:a="http://schemas.openxmlformats.org/drawingml/2006/main" xmlns:r="http://schemas.openxmlformats.org/officeDocument/2006/relationships" xmlns:p="http://schemas.openxmlformats.org/presentationml/2006/main" saveSubsetFonts="1">
   <p:sldMasterIdLst>
-    <p:sldMasterId id="2147483648" r:id="rId1"/>
+    <p:sldMasterId id="2147483660" r:id="rId1"/>
   </p:sldMasterIdLst>
   <p:sldIdLst>
     <p:sldId id="256" r:id="rId2"/>
@@ -17,7 +17,7 @@
   <p:notesSz cx="6858000" cy="9144000"/>
   <p:defaultTextStyle>
     <a:defPPr>
-      <a:defRPr lang="en-US"/>
+      <a:defRPr lang="es-ES"/>
     </a:defPPr>
     <a:lvl1pPr marL="0" algn="l" defTabSz="914400" rtl="0" eaLnBrk="1" latinLnBrk="0" hangingPunct="1">
       <a:defRPr sz="1800" kern="1200">
@@ -137,7 +137,13 @@
       </p:grpSpPr>
       <p:sp>
         <p:nvSpPr>
-          <p:cNvPr id="2" name="Title 1"/>
+          <p:cNvPr id="2" name="Title 1">
+            <a:extLst>
+              <a:ext uri="{FF2B5EF4-FFF2-40B4-BE49-F238E27FC236}">
+                <a16:creationId xmlns:a16="http://schemas.microsoft.com/office/drawing/2014/main" id="{36E46BC7-A276-4054-B73D-13E0DCCD83C6}"/>
+              </a:ext>
+            </a:extLst>
+          </p:cNvPr>
           <p:cNvSpPr>
             <a:spLocks noGrp="1"/>
           </p:cNvSpPr>
@@ -163,12 +169,19 @@
               <a:rPr lang="en-US"/>
               <a:t>Click to edit Master title style</a:t>
             </a:r>
-          </a:p>
-        </p:txBody>
-      </p:sp>
-      <p:sp>
-        <p:nvSpPr>
-          <p:cNvPr id="3" name="Subtitle 2"/>
+            <a:endParaRPr lang="es-ES"/>
+          </a:p>
+        </p:txBody>
+      </p:sp>
+      <p:sp>
+        <p:nvSpPr>
+          <p:cNvPr id="3" name="Subtitle 2">
+            <a:extLst>
+              <a:ext uri="{FF2B5EF4-FFF2-40B4-BE49-F238E27FC236}">
+                <a16:creationId xmlns:a16="http://schemas.microsoft.com/office/drawing/2014/main" id="{E70B9C12-CA36-48DB-A213-779C67CDD677}"/>
+              </a:ext>
+            </a:extLst>
+          </p:cNvPr>
           <p:cNvSpPr>
             <a:spLocks noGrp="1"/>
           </p:cNvSpPr>
@@ -227,12 +240,19 @@
               <a:rPr lang="en-US"/>
               <a:t>Click to edit Master subtitle style</a:t>
             </a:r>
-          </a:p>
-        </p:txBody>
-      </p:sp>
-      <p:sp>
-        <p:nvSpPr>
-          <p:cNvPr id="4" name="Date Placeholder 3"/>
+            <a:endParaRPr lang="es-ES"/>
+          </a:p>
+        </p:txBody>
+      </p:sp>
+      <p:sp>
+        <p:nvSpPr>
+          <p:cNvPr id="4" name="Date Placeholder 3">
+            <a:extLst>
+              <a:ext uri="{FF2B5EF4-FFF2-40B4-BE49-F238E27FC236}">
+                <a16:creationId xmlns:a16="http://schemas.microsoft.com/office/drawing/2014/main" id="{F58EA5D2-B284-4B2E-B992-44A322946616}"/>
+              </a:ext>
+            </a:extLst>
+          </p:cNvPr>
           <p:cNvSpPr>
             <a:spLocks noGrp="1"/>
           </p:cNvSpPr>
@@ -247,7 +267,7 @@
           <a:p>
             <a:fld id="{0D2344B5-B4FB-4BEE-931B-AA06C9FD8CC7}" type="datetimeFigureOut">
               <a:rPr lang="en-US" smtClean="0"/>
-              <a:t>11/19/2024</a:t>
+              <a:t>11/20/2024</a:t>
             </a:fld>
             <a:endParaRPr lang="en-US"/>
           </a:p>
@@ -255,7 +275,13 @@
       </p:sp>
       <p:sp>
         <p:nvSpPr>
-          <p:cNvPr id="5" name="Footer Placeholder 4"/>
+          <p:cNvPr id="5" name="Footer Placeholder 4">
+            <a:extLst>
+              <a:ext uri="{FF2B5EF4-FFF2-40B4-BE49-F238E27FC236}">
+                <a16:creationId xmlns:a16="http://schemas.microsoft.com/office/drawing/2014/main" id="{0F8DFB38-5C6B-47B7-B319-1818AF5773FD}"/>
+              </a:ext>
+            </a:extLst>
+          </p:cNvPr>
           <p:cNvSpPr>
             <a:spLocks noGrp="1"/>
           </p:cNvSpPr>
@@ -274,7 +300,13 @@
       </p:sp>
       <p:sp>
         <p:nvSpPr>
-          <p:cNvPr id="6" name="Slide Number Placeholder 5"/>
+          <p:cNvPr id="6" name="Slide Number Placeholder 5">
+            <a:extLst>
+              <a:ext uri="{FF2B5EF4-FFF2-40B4-BE49-F238E27FC236}">
+                <a16:creationId xmlns:a16="http://schemas.microsoft.com/office/drawing/2014/main" id="{20C9A89B-870D-4591-A61B-89E508E98CFB}"/>
+              </a:ext>
+            </a:extLst>
+          </p:cNvPr>
           <p:cNvSpPr>
             <a:spLocks noGrp="1"/>
           </p:cNvSpPr>
@@ -289,7 +321,7 @@
           <a:p>
             <a:fld id="{8B2B276C-57C4-4C7F-8B7D-C3A5D47FD339}" type="slidenum">
               <a:rPr lang="en-US" smtClean="0"/>
-              <a:t>‹Nº›</a:t>
+              <a:t>‹#›</a:t>
             </a:fld>
             <a:endParaRPr lang="en-US"/>
           </a:p>
@@ -298,7 +330,7 @@
     </p:spTree>
     <p:extLst>
       <p:ext uri="{BB962C8B-B14F-4D97-AF65-F5344CB8AC3E}">
-        <p14:creationId xmlns:p14="http://schemas.microsoft.com/office/powerpoint/2010/main" val="3871593787"/>
+        <p14:creationId xmlns:p14="http://schemas.microsoft.com/office/powerpoint/2010/main" val="1282081533"/>
       </p:ext>
     </p:extLst>
   </p:cSld>
@@ -327,7 +359,13 @@
       </p:grpSpPr>
       <p:sp>
         <p:nvSpPr>
-          <p:cNvPr id="2" name="Title 1"/>
+          <p:cNvPr id="2" name="Title 1">
+            <a:extLst>
+              <a:ext uri="{FF2B5EF4-FFF2-40B4-BE49-F238E27FC236}">
+                <a16:creationId xmlns:a16="http://schemas.microsoft.com/office/drawing/2014/main" id="{D5D9AC1C-637B-40F4-BA1D-A33E02271183}"/>
+              </a:ext>
+            </a:extLst>
+          </p:cNvPr>
           <p:cNvSpPr>
             <a:spLocks noGrp="1"/>
           </p:cNvSpPr>
@@ -344,12 +382,19 @@
               <a:rPr lang="en-US"/>
               <a:t>Click to edit Master title style</a:t>
             </a:r>
-          </a:p>
-        </p:txBody>
-      </p:sp>
-      <p:sp>
-        <p:nvSpPr>
-          <p:cNvPr id="3" name="Vertical Text Placeholder 2"/>
+            <a:endParaRPr lang="es-ES"/>
+          </a:p>
+        </p:txBody>
+      </p:sp>
+      <p:sp>
+        <p:nvSpPr>
+          <p:cNvPr id="3" name="Vertical Text Placeholder 2">
+            <a:extLst>
+              <a:ext uri="{FF2B5EF4-FFF2-40B4-BE49-F238E27FC236}">
+                <a16:creationId xmlns:a16="http://schemas.microsoft.com/office/drawing/2014/main" id="{597F2658-C02C-455C-A954-C5BE65BADFC5}"/>
+              </a:ext>
+            </a:extLst>
+          </p:cNvPr>
           <p:cNvSpPr>
             <a:spLocks noGrp="1"/>
           </p:cNvSpPr>
@@ -365,7 +410,7 @@
             <a:pPr lvl="0"/>
             <a:r>
               <a:rPr lang="en-US"/>
-              <a:t>Edit Master text styles</a:t>
+              <a:t>Click to edit Master text styles</a:t>
             </a:r>
           </a:p>
           <a:p>
@@ -395,12 +440,19 @@
               <a:rPr lang="en-US"/>
               <a:t>Fifth level</a:t>
             </a:r>
-          </a:p>
-        </p:txBody>
-      </p:sp>
-      <p:sp>
-        <p:nvSpPr>
-          <p:cNvPr id="4" name="Date Placeholder 3"/>
+            <a:endParaRPr lang="es-ES"/>
+          </a:p>
+        </p:txBody>
+      </p:sp>
+      <p:sp>
+        <p:nvSpPr>
+          <p:cNvPr id="4" name="Date Placeholder 3">
+            <a:extLst>
+              <a:ext uri="{FF2B5EF4-FFF2-40B4-BE49-F238E27FC236}">
+                <a16:creationId xmlns:a16="http://schemas.microsoft.com/office/drawing/2014/main" id="{FE44F8CE-58C7-4084-8854-14119709FAF3}"/>
+              </a:ext>
+            </a:extLst>
+          </p:cNvPr>
           <p:cNvSpPr>
             <a:spLocks noGrp="1"/>
           </p:cNvSpPr>
@@ -415,7 +467,7 @@
           <a:p>
             <a:fld id="{0D2344B5-B4FB-4BEE-931B-AA06C9FD8CC7}" type="datetimeFigureOut">
               <a:rPr lang="en-US" smtClean="0"/>
-              <a:t>11/19/2024</a:t>
+              <a:t>11/20/2024</a:t>
             </a:fld>
             <a:endParaRPr lang="en-US"/>
           </a:p>
@@ -423,7 +475,13 @@
       </p:sp>
       <p:sp>
         <p:nvSpPr>
-          <p:cNvPr id="5" name="Footer Placeholder 4"/>
+          <p:cNvPr id="5" name="Footer Placeholder 4">
+            <a:extLst>
+              <a:ext uri="{FF2B5EF4-FFF2-40B4-BE49-F238E27FC236}">
+                <a16:creationId xmlns:a16="http://schemas.microsoft.com/office/drawing/2014/main" id="{6157F4D7-2CDC-46C0-862D-B4866DCAF979}"/>
+              </a:ext>
+            </a:extLst>
+          </p:cNvPr>
           <p:cNvSpPr>
             <a:spLocks noGrp="1"/>
           </p:cNvSpPr>
@@ -442,7 +500,13 @@
       </p:sp>
       <p:sp>
         <p:nvSpPr>
-          <p:cNvPr id="6" name="Slide Number Placeholder 5"/>
+          <p:cNvPr id="6" name="Slide Number Placeholder 5">
+            <a:extLst>
+              <a:ext uri="{FF2B5EF4-FFF2-40B4-BE49-F238E27FC236}">
+                <a16:creationId xmlns:a16="http://schemas.microsoft.com/office/drawing/2014/main" id="{20A6010D-6B1F-47FB-AB6B-223F0EF8F6CB}"/>
+              </a:ext>
+            </a:extLst>
+          </p:cNvPr>
           <p:cNvSpPr>
             <a:spLocks noGrp="1"/>
           </p:cNvSpPr>
@@ -457,7 +521,7 @@
           <a:p>
             <a:fld id="{8B2B276C-57C4-4C7F-8B7D-C3A5D47FD339}" type="slidenum">
               <a:rPr lang="en-US" smtClean="0"/>
-              <a:t>‹Nº›</a:t>
+              <a:t>‹#›</a:t>
             </a:fld>
             <a:endParaRPr lang="en-US"/>
           </a:p>
@@ -466,7 +530,7 @@
     </p:spTree>
     <p:extLst>
       <p:ext uri="{BB962C8B-B14F-4D97-AF65-F5344CB8AC3E}">
-        <p14:creationId xmlns:p14="http://schemas.microsoft.com/office/powerpoint/2010/main" val="2931450386"/>
+        <p14:creationId xmlns:p14="http://schemas.microsoft.com/office/powerpoint/2010/main" val="1019565919"/>
       </p:ext>
     </p:extLst>
   </p:cSld>
@@ -495,7 +559,13 @@
       </p:grpSpPr>
       <p:sp>
         <p:nvSpPr>
-          <p:cNvPr id="2" name="Vertical Title 1"/>
+          <p:cNvPr id="2" name="Vertical Title 1">
+            <a:extLst>
+              <a:ext uri="{FF2B5EF4-FFF2-40B4-BE49-F238E27FC236}">
+                <a16:creationId xmlns:a16="http://schemas.microsoft.com/office/drawing/2014/main" id="{7F81E380-2C72-4BE3-A2C1-3BC00E1C0583}"/>
+              </a:ext>
+            </a:extLst>
+          </p:cNvPr>
           <p:cNvSpPr>
             <a:spLocks noGrp="1"/>
           </p:cNvSpPr>
@@ -517,12 +587,19 @@
               <a:rPr lang="en-US"/>
               <a:t>Click to edit Master title style</a:t>
             </a:r>
-          </a:p>
-        </p:txBody>
-      </p:sp>
-      <p:sp>
-        <p:nvSpPr>
-          <p:cNvPr id="3" name="Vertical Text Placeholder 2"/>
+            <a:endParaRPr lang="es-ES"/>
+          </a:p>
+        </p:txBody>
+      </p:sp>
+      <p:sp>
+        <p:nvSpPr>
+          <p:cNvPr id="3" name="Vertical Text Placeholder 2">
+            <a:extLst>
+              <a:ext uri="{FF2B5EF4-FFF2-40B4-BE49-F238E27FC236}">
+                <a16:creationId xmlns:a16="http://schemas.microsoft.com/office/drawing/2014/main" id="{E021DC75-44D7-4CB0-A97D-DB81BACEA589}"/>
+              </a:ext>
+            </a:extLst>
+          </p:cNvPr>
           <p:cNvSpPr>
             <a:spLocks noGrp="1"/>
           </p:cNvSpPr>
@@ -543,7 +620,7 @@
             <a:pPr lvl="0"/>
             <a:r>
               <a:rPr lang="en-US"/>
-              <a:t>Edit Master text styles</a:t>
+              <a:t>Click to edit Master text styles</a:t>
             </a:r>
           </a:p>
           <a:p>
@@ -573,12 +650,19 @@
               <a:rPr lang="en-US"/>
               <a:t>Fifth level</a:t>
             </a:r>
-          </a:p>
-        </p:txBody>
-      </p:sp>
-      <p:sp>
-        <p:nvSpPr>
-          <p:cNvPr id="4" name="Date Placeholder 3"/>
+            <a:endParaRPr lang="es-ES"/>
+          </a:p>
+        </p:txBody>
+      </p:sp>
+      <p:sp>
+        <p:nvSpPr>
+          <p:cNvPr id="4" name="Date Placeholder 3">
+            <a:extLst>
+              <a:ext uri="{FF2B5EF4-FFF2-40B4-BE49-F238E27FC236}">
+                <a16:creationId xmlns:a16="http://schemas.microsoft.com/office/drawing/2014/main" id="{0D408804-571C-4065-8F11-C2C106243DCE}"/>
+              </a:ext>
+            </a:extLst>
+          </p:cNvPr>
           <p:cNvSpPr>
             <a:spLocks noGrp="1"/>
           </p:cNvSpPr>
@@ -593,7 +677,7 @@
           <a:p>
             <a:fld id="{0D2344B5-B4FB-4BEE-931B-AA06C9FD8CC7}" type="datetimeFigureOut">
               <a:rPr lang="en-US" smtClean="0"/>
-              <a:t>11/19/2024</a:t>
+              <a:t>11/20/2024</a:t>
             </a:fld>
             <a:endParaRPr lang="en-US"/>
           </a:p>
@@ -601,7 +685,13 @@
       </p:sp>
       <p:sp>
         <p:nvSpPr>
-          <p:cNvPr id="5" name="Footer Placeholder 4"/>
+          <p:cNvPr id="5" name="Footer Placeholder 4">
+            <a:extLst>
+              <a:ext uri="{FF2B5EF4-FFF2-40B4-BE49-F238E27FC236}">
+                <a16:creationId xmlns:a16="http://schemas.microsoft.com/office/drawing/2014/main" id="{42594138-7D94-4235-A0BB-62B8D4892219}"/>
+              </a:ext>
+            </a:extLst>
+          </p:cNvPr>
           <p:cNvSpPr>
             <a:spLocks noGrp="1"/>
           </p:cNvSpPr>
@@ -620,7 +710,13 @@
       </p:sp>
       <p:sp>
         <p:nvSpPr>
-          <p:cNvPr id="6" name="Slide Number Placeholder 5"/>
+          <p:cNvPr id="6" name="Slide Number Placeholder 5">
+            <a:extLst>
+              <a:ext uri="{FF2B5EF4-FFF2-40B4-BE49-F238E27FC236}">
+                <a16:creationId xmlns:a16="http://schemas.microsoft.com/office/drawing/2014/main" id="{38241547-7113-4DD8-8BBF-A4522B794120}"/>
+              </a:ext>
+            </a:extLst>
+          </p:cNvPr>
           <p:cNvSpPr>
             <a:spLocks noGrp="1"/>
           </p:cNvSpPr>
@@ -635,7 +731,7 @@
           <a:p>
             <a:fld id="{8B2B276C-57C4-4C7F-8B7D-C3A5D47FD339}" type="slidenum">
               <a:rPr lang="en-US" smtClean="0"/>
-              <a:t>‹Nº›</a:t>
+              <a:t>‹#›</a:t>
             </a:fld>
             <a:endParaRPr lang="en-US"/>
           </a:p>
@@ -644,7 +740,7 @@
     </p:spTree>
     <p:extLst>
       <p:ext uri="{BB962C8B-B14F-4D97-AF65-F5344CB8AC3E}">
-        <p14:creationId xmlns:p14="http://schemas.microsoft.com/office/powerpoint/2010/main" val="3624821478"/>
+        <p14:creationId xmlns:p14="http://schemas.microsoft.com/office/powerpoint/2010/main" val="3734267920"/>
       </p:ext>
     </p:extLst>
   </p:cSld>
@@ -673,7 +769,13 @@
       </p:grpSpPr>
       <p:sp>
         <p:nvSpPr>
-          <p:cNvPr id="2" name="Title 1"/>
+          <p:cNvPr id="2" name="Title 1">
+            <a:extLst>
+              <a:ext uri="{FF2B5EF4-FFF2-40B4-BE49-F238E27FC236}">
+                <a16:creationId xmlns:a16="http://schemas.microsoft.com/office/drawing/2014/main" id="{F40DD5A2-C455-4282-BD7E-7CF3892908CB}"/>
+              </a:ext>
+            </a:extLst>
+          </p:cNvPr>
           <p:cNvSpPr>
             <a:spLocks noGrp="1"/>
           </p:cNvSpPr>
@@ -690,12 +792,19 @@
               <a:rPr lang="en-US"/>
               <a:t>Click to edit Master title style</a:t>
             </a:r>
-          </a:p>
-        </p:txBody>
-      </p:sp>
-      <p:sp>
-        <p:nvSpPr>
-          <p:cNvPr id="3" name="Content Placeholder 2"/>
+            <a:endParaRPr lang="es-ES"/>
+          </a:p>
+        </p:txBody>
+      </p:sp>
+      <p:sp>
+        <p:nvSpPr>
+          <p:cNvPr id="3" name="Content Placeholder 2">
+            <a:extLst>
+              <a:ext uri="{FF2B5EF4-FFF2-40B4-BE49-F238E27FC236}">
+                <a16:creationId xmlns:a16="http://schemas.microsoft.com/office/drawing/2014/main" id="{E4DD50C0-6307-4A03-A524-86DC2E4195A6}"/>
+              </a:ext>
+            </a:extLst>
+          </p:cNvPr>
           <p:cNvSpPr>
             <a:spLocks noGrp="1"/>
           </p:cNvSpPr>
@@ -711,7 +820,7 @@
             <a:pPr lvl="0"/>
             <a:r>
               <a:rPr lang="en-US"/>
-              <a:t>Edit Master text styles</a:t>
+              <a:t>Click to edit Master text styles</a:t>
             </a:r>
           </a:p>
           <a:p>
@@ -741,12 +850,19 @@
               <a:rPr lang="en-US"/>
               <a:t>Fifth level</a:t>
             </a:r>
-          </a:p>
-        </p:txBody>
-      </p:sp>
-      <p:sp>
-        <p:nvSpPr>
-          <p:cNvPr id="4" name="Date Placeholder 3"/>
+            <a:endParaRPr lang="es-ES"/>
+          </a:p>
+        </p:txBody>
+      </p:sp>
+      <p:sp>
+        <p:nvSpPr>
+          <p:cNvPr id="4" name="Date Placeholder 3">
+            <a:extLst>
+              <a:ext uri="{FF2B5EF4-FFF2-40B4-BE49-F238E27FC236}">
+                <a16:creationId xmlns:a16="http://schemas.microsoft.com/office/drawing/2014/main" id="{4980ABD6-120F-4B54-9E42-B60543C47AC3}"/>
+              </a:ext>
+            </a:extLst>
+          </p:cNvPr>
           <p:cNvSpPr>
             <a:spLocks noGrp="1"/>
           </p:cNvSpPr>
@@ -761,7 +877,7 @@
           <a:p>
             <a:fld id="{0D2344B5-B4FB-4BEE-931B-AA06C9FD8CC7}" type="datetimeFigureOut">
               <a:rPr lang="en-US" smtClean="0"/>
-              <a:t>11/19/2024</a:t>
+              <a:t>11/20/2024</a:t>
             </a:fld>
             <a:endParaRPr lang="en-US"/>
           </a:p>
@@ -769,7 +885,13 @@
       </p:sp>
       <p:sp>
         <p:nvSpPr>
-          <p:cNvPr id="5" name="Footer Placeholder 4"/>
+          <p:cNvPr id="5" name="Footer Placeholder 4">
+            <a:extLst>
+              <a:ext uri="{FF2B5EF4-FFF2-40B4-BE49-F238E27FC236}">
+                <a16:creationId xmlns:a16="http://schemas.microsoft.com/office/drawing/2014/main" id="{EF9AF047-EDC7-40B9-80A9-DE80D545A1F9}"/>
+              </a:ext>
+            </a:extLst>
+          </p:cNvPr>
           <p:cNvSpPr>
             <a:spLocks noGrp="1"/>
           </p:cNvSpPr>
@@ -788,7 +910,13 @@
       </p:sp>
       <p:sp>
         <p:nvSpPr>
-          <p:cNvPr id="6" name="Slide Number Placeholder 5"/>
+          <p:cNvPr id="6" name="Slide Number Placeholder 5">
+            <a:extLst>
+              <a:ext uri="{FF2B5EF4-FFF2-40B4-BE49-F238E27FC236}">
+                <a16:creationId xmlns:a16="http://schemas.microsoft.com/office/drawing/2014/main" id="{DE308FDB-E223-496F-A03F-2F2AD4A5C605}"/>
+              </a:ext>
+            </a:extLst>
+          </p:cNvPr>
           <p:cNvSpPr>
             <a:spLocks noGrp="1"/>
           </p:cNvSpPr>
@@ -803,7 +931,7 @@
           <a:p>
             <a:fld id="{8B2B276C-57C4-4C7F-8B7D-C3A5D47FD339}" type="slidenum">
               <a:rPr lang="en-US" smtClean="0"/>
-              <a:t>‹Nº›</a:t>
+              <a:t>‹#›</a:t>
             </a:fld>
             <a:endParaRPr lang="en-US"/>
           </a:p>
@@ -812,7 +940,7 @@
     </p:spTree>
     <p:extLst>
       <p:ext uri="{BB962C8B-B14F-4D97-AF65-F5344CB8AC3E}">
-        <p14:creationId xmlns:p14="http://schemas.microsoft.com/office/powerpoint/2010/main" val="613729045"/>
+        <p14:creationId xmlns:p14="http://schemas.microsoft.com/office/powerpoint/2010/main" val="1248480330"/>
       </p:ext>
     </p:extLst>
   </p:cSld>
@@ -841,7 +969,13 @@
       </p:grpSpPr>
       <p:sp>
         <p:nvSpPr>
-          <p:cNvPr id="2" name="Title 1"/>
+          <p:cNvPr id="2" name="Title 1">
+            <a:extLst>
+              <a:ext uri="{FF2B5EF4-FFF2-40B4-BE49-F238E27FC236}">
+                <a16:creationId xmlns:a16="http://schemas.microsoft.com/office/drawing/2014/main" id="{744E64B2-4E58-420F-BFF1-78328BFB727A}"/>
+              </a:ext>
+            </a:extLst>
+          </p:cNvPr>
           <p:cNvSpPr>
             <a:spLocks noGrp="1"/>
           </p:cNvSpPr>
@@ -867,12 +1001,19 @@
               <a:rPr lang="en-US"/>
               <a:t>Click to edit Master title style</a:t>
             </a:r>
-          </a:p>
-        </p:txBody>
-      </p:sp>
-      <p:sp>
-        <p:nvSpPr>
-          <p:cNvPr id="3" name="Text Placeholder 2"/>
+            <a:endParaRPr lang="es-ES"/>
+          </a:p>
+        </p:txBody>
+      </p:sp>
+      <p:sp>
+        <p:nvSpPr>
+          <p:cNvPr id="3" name="Text Placeholder 2">
+            <a:extLst>
+              <a:ext uri="{FF2B5EF4-FFF2-40B4-BE49-F238E27FC236}">
+                <a16:creationId xmlns:a16="http://schemas.microsoft.com/office/drawing/2014/main" id="{70AA30FC-ADBA-47A2-BA36-03B3B7260EEC}"/>
+              </a:ext>
+            </a:extLst>
+          </p:cNvPr>
           <p:cNvSpPr>
             <a:spLocks noGrp="1"/>
           </p:cNvSpPr>
@@ -984,14 +1125,20 @@
             <a:pPr lvl="0"/>
             <a:r>
               <a:rPr lang="en-US"/>
-              <a:t>Edit Master text styles</a:t>
-            </a:r>
-          </a:p>
-        </p:txBody>
-      </p:sp>
-      <p:sp>
-        <p:nvSpPr>
-          <p:cNvPr id="4" name="Date Placeholder 3"/>
+              <a:t>Click to edit Master text styles</a:t>
+            </a:r>
+          </a:p>
+        </p:txBody>
+      </p:sp>
+      <p:sp>
+        <p:nvSpPr>
+          <p:cNvPr id="4" name="Date Placeholder 3">
+            <a:extLst>
+              <a:ext uri="{FF2B5EF4-FFF2-40B4-BE49-F238E27FC236}">
+                <a16:creationId xmlns:a16="http://schemas.microsoft.com/office/drawing/2014/main" id="{CBDB0343-9FD5-43A3-AB9B-1E17367233EA}"/>
+              </a:ext>
+            </a:extLst>
+          </p:cNvPr>
           <p:cNvSpPr>
             <a:spLocks noGrp="1"/>
           </p:cNvSpPr>
@@ -1006,7 +1153,7 @@
           <a:p>
             <a:fld id="{0D2344B5-B4FB-4BEE-931B-AA06C9FD8CC7}" type="datetimeFigureOut">
               <a:rPr lang="en-US" smtClean="0"/>
-              <a:t>11/19/2024</a:t>
+              <a:t>11/20/2024</a:t>
             </a:fld>
             <a:endParaRPr lang="en-US"/>
           </a:p>
@@ -1014,7 +1161,13 @@
       </p:sp>
       <p:sp>
         <p:nvSpPr>
-          <p:cNvPr id="5" name="Footer Placeholder 4"/>
+          <p:cNvPr id="5" name="Footer Placeholder 4">
+            <a:extLst>
+              <a:ext uri="{FF2B5EF4-FFF2-40B4-BE49-F238E27FC236}">
+                <a16:creationId xmlns:a16="http://schemas.microsoft.com/office/drawing/2014/main" id="{0032708A-3A98-441A-A6D4-F3BA2EDE1A45}"/>
+              </a:ext>
+            </a:extLst>
+          </p:cNvPr>
           <p:cNvSpPr>
             <a:spLocks noGrp="1"/>
           </p:cNvSpPr>
@@ -1033,7 +1186,13 @@
       </p:sp>
       <p:sp>
         <p:nvSpPr>
-          <p:cNvPr id="6" name="Slide Number Placeholder 5"/>
+          <p:cNvPr id="6" name="Slide Number Placeholder 5">
+            <a:extLst>
+              <a:ext uri="{FF2B5EF4-FFF2-40B4-BE49-F238E27FC236}">
+                <a16:creationId xmlns:a16="http://schemas.microsoft.com/office/drawing/2014/main" id="{D2C98B3A-C401-4645-8C82-4134796D59AF}"/>
+              </a:ext>
+            </a:extLst>
+          </p:cNvPr>
           <p:cNvSpPr>
             <a:spLocks noGrp="1"/>
           </p:cNvSpPr>
@@ -1048,7 +1207,7 @@
           <a:p>
             <a:fld id="{8B2B276C-57C4-4C7F-8B7D-C3A5D47FD339}" type="slidenum">
               <a:rPr lang="en-US" smtClean="0"/>
-              <a:t>‹Nº›</a:t>
+              <a:t>‹#›</a:t>
             </a:fld>
             <a:endParaRPr lang="en-US"/>
           </a:p>
@@ -1057,7 +1216,7 @@
     </p:spTree>
     <p:extLst>
       <p:ext uri="{BB962C8B-B14F-4D97-AF65-F5344CB8AC3E}">
-        <p14:creationId xmlns:p14="http://schemas.microsoft.com/office/powerpoint/2010/main" val="4083733934"/>
+        <p14:creationId xmlns:p14="http://schemas.microsoft.com/office/powerpoint/2010/main" val="2527383278"/>
       </p:ext>
     </p:extLst>
   </p:cSld>
@@ -1086,7 +1245,13 @@
       </p:grpSpPr>
       <p:sp>
         <p:nvSpPr>
-          <p:cNvPr id="2" name="Title 1"/>
+          <p:cNvPr id="2" name="Title 1">
+            <a:extLst>
+              <a:ext uri="{FF2B5EF4-FFF2-40B4-BE49-F238E27FC236}">
+                <a16:creationId xmlns:a16="http://schemas.microsoft.com/office/drawing/2014/main" id="{4742E4E0-7F9C-4BF4-841C-E7385D7990BF}"/>
+              </a:ext>
+            </a:extLst>
+          </p:cNvPr>
           <p:cNvSpPr>
             <a:spLocks noGrp="1"/>
           </p:cNvSpPr>
@@ -1103,12 +1268,19 @@
               <a:rPr lang="en-US"/>
               <a:t>Click to edit Master title style</a:t>
             </a:r>
-          </a:p>
-        </p:txBody>
-      </p:sp>
-      <p:sp>
-        <p:nvSpPr>
-          <p:cNvPr id="3" name="Content Placeholder 2"/>
+            <a:endParaRPr lang="es-ES"/>
+          </a:p>
+        </p:txBody>
+      </p:sp>
+      <p:sp>
+        <p:nvSpPr>
+          <p:cNvPr id="3" name="Content Placeholder 2">
+            <a:extLst>
+              <a:ext uri="{FF2B5EF4-FFF2-40B4-BE49-F238E27FC236}">
+                <a16:creationId xmlns:a16="http://schemas.microsoft.com/office/drawing/2014/main" id="{A62B9904-395C-4A49-8607-F29B5C3F1449}"/>
+              </a:ext>
+            </a:extLst>
+          </p:cNvPr>
           <p:cNvSpPr>
             <a:spLocks noGrp="1"/>
           </p:cNvSpPr>
@@ -1129,7 +1301,7 @@
             <a:pPr lvl="0"/>
             <a:r>
               <a:rPr lang="en-US"/>
-              <a:t>Edit Master text styles</a:t>
+              <a:t>Click to edit Master text styles</a:t>
             </a:r>
           </a:p>
           <a:p>
@@ -1159,12 +1331,19 @@
               <a:rPr lang="en-US"/>
               <a:t>Fifth level</a:t>
             </a:r>
-          </a:p>
-        </p:txBody>
-      </p:sp>
-      <p:sp>
-        <p:nvSpPr>
-          <p:cNvPr id="4" name="Content Placeholder 3"/>
+            <a:endParaRPr lang="es-ES"/>
+          </a:p>
+        </p:txBody>
+      </p:sp>
+      <p:sp>
+        <p:nvSpPr>
+          <p:cNvPr id="4" name="Content Placeholder 3">
+            <a:extLst>
+              <a:ext uri="{FF2B5EF4-FFF2-40B4-BE49-F238E27FC236}">
+                <a16:creationId xmlns:a16="http://schemas.microsoft.com/office/drawing/2014/main" id="{EB2ADBAB-83A4-45A3-B0F3-EA37B964B0C5}"/>
+              </a:ext>
+            </a:extLst>
+          </p:cNvPr>
           <p:cNvSpPr>
             <a:spLocks noGrp="1"/>
           </p:cNvSpPr>
@@ -1185,7 +1364,7 @@
             <a:pPr lvl="0"/>
             <a:r>
               <a:rPr lang="en-US"/>
-              <a:t>Edit Master text styles</a:t>
+              <a:t>Click to edit Master text styles</a:t>
             </a:r>
           </a:p>
           <a:p>
@@ -1215,12 +1394,19 @@
               <a:rPr lang="en-US"/>
               <a:t>Fifth level</a:t>
             </a:r>
-          </a:p>
-        </p:txBody>
-      </p:sp>
-      <p:sp>
-        <p:nvSpPr>
-          <p:cNvPr id="5" name="Date Placeholder 4"/>
+            <a:endParaRPr lang="es-ES"/>
+          </a:p>
+        </p:txBody>
+      </p:sp>
+      <p:sp>
+        <p:nvSpPr>
+          <p:cNvPr id="5" name="Date Placeholder 4">
+            <a:extLst>
+              <a:ext uri="{FF2B5EF4-FFF2-40B4-BE49-F238E27FC236}">
+                <a16:creationId xmlns:a16="http://schemas.microsoft.com/office/drawing/2014/main" id="{95F0009F-FF6B-450D-8EF3-0455C5B88751}"/>
+              </a:ext>
+            </a:extLst>
+          </p:cNvPr>
           <p:cNvSpPr>
             <a:spLocks noGrp="1"/>
           </p:cNvSpPr>
@@ -1235,7 +1421,7 @@
           <a:p>
             <a:fld id="{0D2344B5-B4FB-4BEE-931B-AA06C9FD8CC7}" type="datetimeFigureOut">
               <a:rPr lang="en-US" smtClean="0"/>
-              <a:t>11/19/2024</a:t>
+              <a:t>11/20/2024</a:t>
             </a:fld>
             <a:endParaRPr lang="en-US"/>
           </a:p>
@@ -1243,7 +1429,13 @@
       </p:sp>
       <p:sp>
         <p:nvSpPr>
-          <p:cNvPr id="6" name="Footer Placeholder 5"/>
+          <p:cNvPr id="6" name="Footer Placeholder 5">
+            <a:extLst>
+              <a:ext uri="{FF2B5EF4-FFF2-40B4-BE49-F238E27FC236}">
+                <a16:creationId xmlns:a16="http://schemas.microsoft.com/office/drawing/2014/main" id="{180C6B97-F141-4D07-B9D8-EAB945AB1016}"/>
+              </a:ext>
+            </a:extLst>
+          </p:cNvPr>
           <p:cNvSpPr>
             <a:spLocks noGrp="1"/>
           </p:cNvSpPr>
@@ -1262,7 +1454,13 @@
       </p:sp>
       <p:sp>
         <p:nvSpPr>
-          <p:cNvPr id="7" name="Slide Number Placeholder 6"/>
+          <p:cNvPr id="7" name="Slide Number Placeholder 6">
+            <a:extLst>
+              <a:ext uri="{FF2B5EF4-FFF2-40B4-BE49-F238E27FC236}">
+                <a16:creationId xmlns:a16="http://schemas.microsoft.com/office/drawing/2014/main" id="{2CB5839E-43FA-4187-83D9-9B2E8E8941D2}"/>
+              </a:ext>
+            </a:extLst>
+          </p:cNvPr>
           <p:cNvSpPr>
             <a:spLocks noGrp="1"/>
           </p:cNvSpPr>
@@ -1277,7 +1475,7 @@
           <a:p>
             <a:fld id="{8B2B276C-57C4-4C7F-8B7D-C3A5D47FD339}" type="slidenum">
               <a:rPr lang="en-US" smtClean="0"/>
-              <a:t>‹Nº›</a:t>
+              <a:t>‹#›</a:t>
             </a:fld>
             <a:endParaRPr lang="en-US"/>
           </a:p>
@@ -1286,7 +1484,7 @@
     </p:spTree>
     <p:extLst>
       <p:ext uri="{BB962C8B-B14F-4D97-AF65-F5344CB8AC3E}">
-        <p14:creationId xmlns:p14="http://schemas.microsoft.com/office/powerpoint/2010/main" val="4202883881"/>
+        <p14:creationId xmlns:p14="http://schemas.microsoft.com/office/powerpoint/2010/main" val="4081577143"/>
       </p:ext>
     </p:extLst>
   </p:cSld>
@@ -1315,7 +1513,13 @@
       </p:grpSpPr>
       <p:sp>
         <p:nvSpPr>
-          <p:cNvPr id="2" name="Title 1"/>
+          <p:cNvPr id="2" name="Title 1">
+            <a:extLst>
+              <a:ext uri="{FF2B5EF4-FFF2-40B4-BE49-F238E27FC236}">
+                <a16:creationId xmlns:a16="http://schemas.microsoft.com/office/drawing/2014/main" id="{1AAE29C1-613A-4954-914D-B1B963FF4501}"/>
+              </a:ext>
+            </a:extLst>
+          </p:cNvPr>
           <p:cNvSpPr>
             <a:spLocks noGrp="1"/>
           </p:cNvSpPr>
@@ -1337,12 +1541,19 @@
               <a:rPr lang="en-US"/>
               <a:t>Click to edit Master title style</a:t>
             </a:r>
-          </a:p>
-        </p:txBody>
-      </p:sp>
-      <p:sp>
-        <p:nvSpPr>
-          <p:cNvPr id="3" name="Text Placeholder 2"/>
+            <a:endParaRPr lang="es-ES"/>
+          </a:p>
+        </p:txBody>
+      </p:sp>
+      <p:sp>
+        <p:nvSpPr>
+          <p:cNvPr id="3" name="Text Placeholder 2">
+            <a:extLst>
+              <a:ext uri="{FF2B5EF4-FFF2-40B4-BE49-F238E27FC236}">
+                <a16:creationId xmlns:a16="http://schemas.microsoft.com/office/drawing/2014/main" id="{5C654AB0-8653-4012-A647-E0C39B78152D}"/>
+              </a:ext>
+            </a:extLst>
+          </p:cNvPr>
           <p:cNvSpPr>
             <a:spLocks noGrp="1"/>
           </p:cNvSpPr>
@@ -1400,14 +1611,20 @@
             <a:pPr lvl="0"/>
             <a:r>
               <a:rPr lang="en-US"/>
-              <a:t>Edit Master text styles</a:t>
-            </a:r>
-          </a:p>
-        </p:txBody>
-      </p:sp>
-      <p:sp>
-        <p:nvSpPr>
-          <p:cNvPr id="4" name="Content Placeholder 3"/>
+              <a:t>Click to edit Master text styles</a:t>
+            </a:r>
+          </a:p>
+        </p:txBody>
+      </p:sp>
+      <p:sp>
+        <p:nvSpPr>
+          <p:cNvPr id="4" name="Content Placeholder 3">
+            <a:extLst>
+              <a:ext uri="{FF2B5EF4-FFF2-40B4-BE49-F238E27FC236}">
+                <a16:creationId xmlns:a16="http://schemas.microsoft.com/office/drawing/2014/main" id="{9EA5F241-BC67-4C2B-81E5-7FDD0B717157}"/>
+              </a:ext>
+            </a:extLst>
+          </p:cNvPr>
           <p:cNvSpPr>
             <a:spLocks noGrp="1"/>
           </p:cNvSpPr>
@@ -1428,7 +1645,7 @@
             <a:pPr lvl="0"/>
             <a:r>
               <a:rPr lang="en-US"/>
-              <a:t>Edit Master text styles</a:t>
+              <a:t>Click to edit Master text styles</a:t>
             </a:r>
           </a:p>
           <a:p>
@@ -1458,12 +1675,19 @@
               <a:rPr lang="en-US"/>
               <a:t>Fifth level</a:t>
             </a:r>
-          </a:p>
-        </p:txBody>
-      </p:sp>
-      <p:sp>
-        <p:nvSpPr>
-          <p:cNvPr id="5" name="Text Placeholder 4"/>
+            <a:endParaRPr lang="es-ES"/>
+          </a:p>
+        </p:txBody>
+      </p:sp>
+      <p:sp>
+        <p:nvSpPr>
+          <p:cNvPr id="5" name="Text Placeholder 4">
+            <a:extLst>
+              <a:ext uri="{FF2B5EF4-FFF2-40B4-BE49-F238E27FC236}">
+                <a16:creationId xmlns:a16="http://schemas.microsoft.com/office/drawing/2014/main" id="{2BFA184A-6FE1-4A47-B9A3-85654605218C}"/>
+              </a:ext>
+            </a:extLst>
+          </p:cNvPr>
           <p:cNvSpPr>
             <a:spLocks noGrp="1"/>
           </p:cNvSpPr>
@@ -1521,14 +1745,20 @@
             <a:pPr lvl="0"/>
             <a:r>
               <a:rPr lang="en-US"/>
-              <a:t>Edit Master text styles</a:t>
-            </a:r>
-          </a:p>
-        </p:txBody>
-      </p:sp>
-      <p:sp>
-        <p:nvSpPr>
-          <p:cNvPr id="6" name="Content Placeholder 5"/>
+              <a:t>Click to edit Master text styles</a:t>
+            </a:r>
+          </a:p>
+        </p:txBody>
+      </p:sp>
+      <p:sp>
+        <p:nvSpPr>
+          <p:cNvPr id="6" name="Content Placeholder 5">
+            <a:extLst>
+              <a:ext uri="{FF2B5EF4-FFF2-40B4-BE49-F238E27FC236}">
+                <a16:creationId xmlns:a16="http://schemas.microsoft.com/office/drawing/2014/main" id="{AC6127F5-B92A-431C-A03A-83561FB268F8}"/>
+              </a:ext>
+            </a:extLst>
+          </p:cNvPr>
           <p:cNvSpPr>
             <a:spLocks noGrp="1"/>
           </p:cNvSpPr>
@@ -1549,7 +1779,7 @@
             <a:pPr lvl="0"/>
             <a:r>
               <a:rPr lang="en-US"/>
-              <a:t>Edit Master text styles</a:t>
+              <a:t>Click to edit Master text styles</a:t>
             </a:r>
           </a:p>
           <a:p>
@@ -1579,12 +1809,19 @@
               <a:rPr lang="en-US"/>
               <a:t>Fifth level</a:t>
             </a:r>
-          </a:p>
-        </p:txBody>
-      </p:sp>
-      <p:sp>
-        <p:nvSpPr>
-          <p:cNvPr id="7" name="Date Placeholder 6"/>
+            <a:endParaRPr lang="es-ES"/>
+          </a:p>
+        </p:txBody>
+      </p:sp>
+      <p:sp>
+        <p:nvSpPr>
+          <p:cNvPr id="7" name="Date Placeholder 6">
+            <a:extLst>
+              <a:ext uri="{FF2B5EF4-FFF2-40B4-BE49-F238E27FC236}">
+                <a16:creationId xmlns:a16="http://schemas.microsoft.com/office/drawing/2014/main" id="{791D959B-36CF-42D8-8AE9-88508DE8A18D}"/>
+              </a:ext>
+            </a:extLst>
+          </p:cNvPr>
           <p:cNvSpPr>
             <a:spLocks noGrp="1"/>
           </p:cNvSpPr>
@@ -1599,7 +1836,7 @@
           <a:p>
             <a:fld id="{0D2344B5-B4FB-4BEE-931B-AA06C9FD8CC7}" type="datetimeFigureOut">
               <a:rPr lang="en-US" smtClean="0"/>
-              <a:t>11/19/2024</a:t>
+              <a:t>11/20/2024</a:t>
             </a:fld>
             <a:endParaRPr lang="en-US"/>
           </a:p>
@@ -1607,7 +1844,13 @@
       </p:sp>
       <p:sp>
         <p:nvSpPr>
-          <p:cNvPr id="8" name="Footer Placeholder 7"/>
+          <p:cNvPr id="8" name="Footer Placeholder 7">
+            <a:extLst>
+              <a:ext uri="{FF2B5EF4-FFF2-40B4-BE49-F238E27FC236}">
+                <a16:creationId xmlns:a16="http://schemas.microsoft.com/office/drawing/2014/main" id="{9AC52A32-B3CC-450B-8FA4-6150126EF978}"/>
+              </a:ext>
+            </a:extLst>
+          </p:cNvPr>
           <p:cNvSpPr>
             <a:spLocks noGrp="1"/>
           </p:cNvSpPr>
@@ -1626,7 +1869,13 @@
       </p:sp>
       <p:sp>
         <p:nvSpPr>
-          <p:cNvPr id="9" name="Slide Number Placeholder 8"/>
+          <p:cNvPr id="9" name="Slide Number Placeholder 8">
+            <a:extLst>
+              <a:ext uri="{FF2B5EF4-FFF2-40B4-BE49-F238E27FC236}">
+                <a16:creationId xmlns:a16="http://schemas.microsoft.com/office/drawing/2014/main" id="{0A77FEE8-84F6-4CB3-BD4B-38A636341953}"/>
+              </a:ext>
+            </a:extLst>
+          </p:cNvPr>
           <p:cNvSpPr>
             <a:spLocks noGrp="1"/>
           </p:cNvSpPr>
@@ -1641,7 +1890,7 @@
           <a:p>
             <a:fld id="{8B2B276C-57C4-4C7F-8B7D-C3A5D47FD339}" type="slidenum">
               <a:rPr lang="en-US" smtClean="0"/>
-              <a:t>‹Nº›</a:t>
+              <a:t>‹#›</a:t>
             </a:fld>
             <a:endParaRPr lang="en-US"/>
           </a:p>
@@ -1650,7 +1899,7 @@
     </p:spTree>
     <p:extLst>
       <p:ext uri="{BB962C8B-B14F-4D97-AF65-F5344CB8AC3E}">
-        <p14:creationId xmlns:p14="http://schemas.microsoft.com/office/powerpoint/2010/main" val="3343000890"/>
+        <p14:creationId xmlns:p14="http://schemas.microsoft.com/office/powerpoint/2010/main" val="1698714345"/>
       </p:ext>
     </p:extLst>
   </p:cSld>
@@ -1679,7 +1928,13 @@
       </p:grpSpPr>
       <p:sp>
         <p:nvSpPr>
-          <p:cNvPr id="2" name="Title 1"/>
+          <p:cNvPr id="2" name="Title 1">
+            <a:extLst>
+              <a:ext uri="{FF2B5EF4-FFF2-40B4-BE49-F238E27FC236}">
+                <a16:creationId xmlns:a16="http://schemas.microsoft.com/office/drawing/2014/main" id="{0A8E7B12-87C7-460C-8498-E92A4741A68E}"/>
+              </a:ext>
+            </a:extLst>
+          </p:cNvPr>
           <p:cNvSpPr>
             <a:spLocks noGrp="1"/>
           </p:cNvSpPr>
@@ -1696,12 +1951,19 @@
               <a:rPr lang="en-US"/>
               <a:t>Click to edit Master title style</a:t>
             </a:r>
-          </a:p>
-        </p:txBody>
-      </p:sp>
-      <p:sp>
-        <p:nvSpPr>
-          <p:cNvPr id="3" name="Date Placeholder 2"/>
+            <a:endParaRPr lang="es-ES"/>
+          </a:p>
+        </p:txBody>
+      </p:sp>
+      <p:sp>
+        <p:nvSpPr>
+          <p:cNvPr id="3" name="Date Placeholder 2">
+            <a:extLst>
+              <a:ext uri="{FF2B5EF4-FFF2-40B4-BE49-F238E27FC236}">
+                <a16:creationId xmlns:a16="http://schemas.microsoft.com/office/drawing/2014/main" id="{435B316C-FA6E-4E1D-8ED5-8A1342234924}"/>
+              </a:ext>
+            </a:extLst>
+          </p:cNvPr>
           <p:cNvSpPr>
             <a:spLocks noGrp="1"/>
           </p:cNvSpPr>
@@ -1716,7 +1978,7 @@
           <a:p>
             <a:fld id="{0D2344B5-B4FB-4BEE-931B-AA06C9FD8CC7}" type="datetimeFigureOut">
               <a:rPr lang="en-US" smtClean="0"/>
-              <a:t>11/19/2024</a:t>
+              <a:t>11/20/2024</a:t>
             </a:fld>
             <a:endParaRPr lang="en-US"/>
           </a:p>
@@ -1724,7 +1986,13 @@
       </p:sp>
       <p:sp>
         <p:nvSpPr>
-          <p:cNvPr id="4" name="Footer Placeholder 3"/>
+          <p:cNvPr id="4" name="Footer Placeholder 3">
+            <a:extLst>
+              <a:ext uri="{FF2B5EF4-FFF2-40B4-BE49-F238E27FC236}">
+                <a16:creationId xmlns:a16="http://schemas.microsoft.com/office/drawing/2014/main" id="{6430C91B-73BE-44BA-895E-7713F8F9A835}"/>
+              </a:ext>
+            </a:extLst>
+          </p:cNvPr>
           <p:cNvSpPr>
             <a:spLocks noGrp="1"/>
           </p:cNvSpPr>
@@ -1743,7 +2011,13 @@
       </p:sp>
       <p:sp>
         <p:nvSpPr>
-          <p:cNvPr id="5" name="Slide Number Placeholder 4"/>
+          <p:cNvPr id="5" name="Slide Number Placeholder 4">
+            <a:extLst>
+              <a:ext uri="{FF2B5EF4-FFF2-40B4-BE49-F238E27FC236}">
+                <a16:creationId xmlns:a16="http://schemas.microsoft.com/office/drawing/2014/main" id="{AA3D9FB3-30A8-43FD-A42D-1E36164C34AC}"/>
+              </a:ext>
+            </a:extLst>
+          </p:cNvPr>
           <p:cNvSpPr>
             <a:spLocks noGrp="1"/>
           </p:cNvSpPr>
@@ -1758,7 +2032,7 @@
           <a:p>
             <a:fld id="{8B2B276C-57C4-4C7F-8B7D-C3A5D47FD339}" type="slidenum">
               <a:rPr lang="en-US" smtClean="0"/>
-              <a:t>‹Nº›</a:t>
+              <a:t>‹#›</a:t>
             </a:fld>
             <a:endParaRPr lang="en-US"/>
           </a:p>
@@ -1767,7 +2041,7 @@
     </p:spTree>
     <p:extLst>
       <p:ext uri="{BB962C8B-B14F-4D97-AF65-F5344CB8AC3E}">
-        <p14:creationId xmlns:p14="http://schemas.microsoft.com/office/powerpoint/2010/main" val="2142500502"/>
+        <p14:creationId xmlns:p14="http://schemas.microsoft.com/office/powerpoint/2010/main" val="1033127885"/>
       </p:ext>
     </p:extLst>
   </p:cSld>
@@ -1796,7 +2070,13 @@
       </p:grpSpPr>
       <p:sp>
         <p:nvSpPr>
-          <p:cNvPr id="2" name="Date Placeholder 1"/>
+          <p:cNvPr id="2" name="Date Placeholder 1">
+            <a:extLst>
+              <a:ext uri="{FF2B5EF4-FFF2-40B4-BE49-F238E27FC236}">
+                <a16:creationId xmlns:a16="http://schemas.microsoft.com/office/drawing/2014/main" id="{507442A0-ED3B-4F3E-8FC6-F4C4C6B43425}"/>
+              </a:ext>
+            </a:extLst>
+          </p:cNvPr>
           <p:cNvSpPr>
             <a:spLocks noGrp="1"/>
           </p:cNvSpPr>
@@ -1811,7 +2091,7 @@
           <a:p>
             <a:fld id="{0D2344B5-B4FB-4BEE-931B-AA06C9FD8CC7}" type="datetimeFigureOut">
               <a:rPr lang="en-US" smtClean="0"/>
-              <a:t>11/19/2024</a:t>
+              <a:t>11/20/2024</a:t>
             </a:fld>
             <a:endParaRPr lang="en-US"/>
           </a:p>
@@ -1819,7 +2099,13 @@
       </p:sp>
       <p:sp>
         <p:nvSpPr>
-          <p:cNvPr id="3" name="Footer Placeholder 2"/>
+          <p:cNvPr id="3" name="Footer Placeholder 2">
+            <a:extLst>
+              <a:ext uri="{FF2B5EF4-FFF2-40B4-BE49-F238E27FC236}">
+                <a16:creationId xmlns:a16="http://schemas.microsoft.com/office/drawing/2014/main" id="{48BFA816-F1CF-456A-9DF1-06273F6256D8}"/>
+              </a:ext>
+            </a:extLst>
+          </p:cNvPr>
           <p:cNvSpPr>
             <a:spLocks noGrp="1"/>
           </p:cNvSpPr>
@@ -1838,7 +2124,13 @@
       </p:sp>
       <p:sp>
         <p:nvSpPr>
-          <p:cNvPr id="4" name="Slide Number Placeholder 3"/>
+          <p:cNvPr id="4" name="Slide Number Placeholder 3">
+            <a:extLst>
+              <a:ext uri="{FF2B5EF4-FFF2-40B4-BE49-F238E27FC236}">
+                <a16:creationId xmlns:a16="http://schemas.microsoft.com/office/drawing/2014/main" id="{248B9D3C-0CD2-45DD-8F92-C3CF9F5A730E}"/>
+              </a:ext>
+            </a:extLst>
+          </p:cNvPr>
           <p:cNvSpPr>
             <a:spLocks noGrp="1"/>
           </p:cNvSpPr>
@@ -1853,7 +2145,7 @@
           <a:p>
             <a:fld id="{8B2B276C-57C4-4C7F-8B7D-C3A5D47FD339}" type="slidenum">
               <a:rPr lang="en-US" smtClean="0"/>
-              <a:t>‹Nº›</a:t>
+              <a:t>‹#›</a:t>
             </a:fld>
             <a:endParaRPr lang="en-US"/>
           </a:p>
@@ -1862,7 +2154,7 @@
     </p:spTree>
     <p:extLst>
       <p:ext uri="{BB962C8B-B14F-4D97-AF65-F5344CB8AC3E}">
-        <p14:creationId xmlns:p14="http://schemas.microsoft.com/office/powerpoint/2010/main" val="1651120688"/>
+        <p14:creationId xmlns:p14="http://schemas.microsoft.com/office/powerpoint/2010/main" val="830466128"/>
       </p:ext>
     </p:extLst>
   </p:cSld>
@@ -1891,7 +2183,13 @@
       </p:grpSpPr>
       <p:sp>
         <p:nvSpPr>
-          <p:cNvPr id="2" name="Title 1"/>
+          <p:cNvPr id="2" name="Title 1">
+            <a:extLst>
+              <a:ext uri="{FF2B5EF4-FFF2-40B4-BE49-F238E27FC236}">
+                <a16:creationId xmlns:a16="http://schemas.microsoft.com/office/drawing/2014/main" id="{2EA72FFA-4329-4A5E-B781-2FCFCE226DB2}"/>
+              </a:ext>
+            </a:extLst>
+          </p:cNvPr>
           <p:cNvSpPr>
             <a:spLocks noGrp="1"/>
           </p:cNvSpPr>
@@ -1917,12 +2215,19 @@
               <a:rPr lang="en-US"/>
               <a:t>Click to edit Master title style</a:t>
             </a:r>
-          </a:p>
-        </p:txBody>
-      </p:sp>
-      <p:sp>
-        <p:nvSpPr>
-          <p:cNvPr id="3" name="Content Placeholder 2"/>
+            <a:endParaRPr lang="es-ES"/>
+          </a:p>
+        </p:txBody>
+      </p:sp>
+      <p:sp>
+        <p:nvSpPr>
+          <p:cNvPr id="3" name="Content Placeholder 2">
+            <a:extLst>
+              <a:ext uri="{FF2B5EF4-FFF2-40B4-BE49-F238E27FC236}">
+                <a16:creationId xmlns:a16="http://schemas.microsoft.com/office/drawing/2014/main" id="{473FE66F-C517-45BF-8C6B-5F5B37D208CB}"/>
+              </a:ext>
+            </a:extLst>
+          </p:cNvPr>
           <p:cNvSpPr>
             <a:spLocks noGrp="1"/>
           </p:cNvSpPr>
@@ -1971,7 +2276,7 @@
             <a:pPr lvl="0"/>
             <a:r>
               <a:rPr lang="en-US"/>
-              <a:t>Edit Master text styles</a:t>
+              <a:t>Click to edit Master text styles</a:t>
             </a:r>
           </a:p>
           <a:p>
@@ -2001,12 +2306,19 @@
               <a:rPr lang="en-US"/>
               <a:t>Fifth level</a:t>
             </a:r>
-          </a:p>
-        </p:txBody>
-      </p:sp>
-      <p:sp>
-        <p:nvSpPr>
-          <p:cNvPr id="4" name="Text Placeholder 3"/>
+            <a:endParaRPr lang="es-ES"/>
+          </a:p>
+        </p:txBody>
+      </p:sp>
+      <p:sp>
+        <p:nvSpPr>
+          <p:cNvPr id="4" name="Text Placeholder 3">
+            <a:extLst>
+              <a:ext uri="{FF2B5EF4-FFF2-40B4-BE49-F238E27FC236}">
+                <a16:creationId xmlns:a16="http://schemas.microsoft.com/office/drawing/2014/main" id="{0AD44E98-5F8F-482E-A298-7567FB5697AB}"/>
+              </a:ext>
+            </a:extLst>
+          </p:cNvPr>
           <p:cNvSpPr>
             <a:spLocks noGrp="1"/>
           </p:cNvSpPr>
@@ -2064,14 +2376,20 @@
             <a:pPr lvl="0"/>
             <a:r>
               <a:rPr lang="en-US"/>
-              <a:t>Edit Master text styles</a:t>
-            </a:r>
-          </a:p>
-        </p:txBody>
-      </p:sp>
-      <p:sp>
-        <p:nvSpPr>
-          <p:cNvPr id="5" name="Date Placeholder 4"/>
+              <a:t>Click to edit Master text styles</a:t>
+            </a:r>
+          </a:p>
+        </p:txBody>
+      </p:sp>
+      <p:sp>
+        <p:nvSpPr>
+          <p:cNvPr id="5" name="Date Placeholder 4">
+            <a:extLst>
+              <a:ext uri="{FF2B5EF4-FFF2-40B4-BE49-F238E27FC236}">
+                <a16:creationId xmlns:a16="http://schemas.microsoft.com/office/drawing/2014/main" id="{828E9940-373E-49F0-9144-E1A4CF8F0C23}"/>
+              </a:ext>
+            </a:extLst>
+          </p:cNvPr>
           <p:cNvSpPr>
             <a:spLocks noGrp="1"/>
           </p:cNvSpPr>
@@ -2086,7 +2404,7 @@
           <a:p>
             <a:fld id="{0D2344B5-B4FB-4BEE-931B-AA06C9FD8CC7}" type="datetimeFigureOut">
               <a:rPr lang="en-US" smtClean="0"/>
-              <a:t>11/19/2024</a:t>
+              <a:t>11/20/2024</a:t>
             </a:fld>
             <a:endParaRPr lang="en-US"/>
           </a:p>
@@ -2094,7 +2412,13 @@
       </p:sp>
       <p:sp>
         <p:nvSpPr>
-          <p:cNvPr id="6" name="Footer Placeholder 5"/>
+          <p:cNvPr id="6" name="Footer Placeholder 5">
+            <a:extLst>
+              <a:ext uri="{FF2B5EF4-FFF2-40B4-BE49-F238E27FC236}">
+                <a16:creationId xmlns:a16="http://schemas.microsoft.com/office/drawing/2014/main" id="{EB344718-1911-4D5D-84A3-778530072AF1}"/>
+              </a:ext>
+            </a:extLst>
+          </p:cNvPr>
           <p:cNvSpPr>
             <a:spLocks noGrp="1"/>
           </p:cNvSpPr>
@@ -2113,7 +2437,13 @@
       </p:sp>
       <p:sp>
         <p:nvSpPr>
-          <p:cNvPr id="7" name="Slide Number Placeholder 6"/>
+          <p:cNvPr id="7" name="Slide Number Placeholder 6">
+            <a:extLst>
+              <a:ext uri="{FF2B5EF4-FFF2-40B4-BE49-F238E27FC236}">
+                <a16:creationId xmlns:a16="http://schemas.microsoft.com/office/drawing/2014/main" id="{070A4047-4392-4D21-BA60-24033DD883FE}"/>
+              </a:ext>
+            </a:extLst>
+          </p:cNvPr>
           <p:cNvSpPr>
             <a:spLocks noGrp="1"/>
           </p:cNvSpPr>
@@ -2128,7 +2458,7 @@
           <a:p>
             <a:fld id="{8B2B276C-57C4-4C7F-8B7D-C3A5D47FD339}" type="slidenum">
               <a:rPr lang="en-US" smtClean="0"/>
-              <a:t>‹Nº›</a:t>
+              <a:t>‹#›</a:t>
             </a:fld>
             <a:endParaRPr lang="en-US"/>
           </a:p>
@@ -2137,7 +2467,7 @@
     </p:spTree>
     <p:extLst>
       <p:ext uri="{BB962C8B-B14F-4D97-AF65-F5344CB8AC3E}">
-        <p14:creationId xmlns:p14="http://schemas.microsoft.com/office/powerpoint/2010/main" val="3222099920"/>
+        <p14:creationId xmlns:p14="http://schemas.microsoft.com/office/powerpoint/2010/main" val="1120280413"/>
       </p:ext>
     </p:extLst>
   </p:cSld>
@@ -2166,7 +2496,13 @@
       </p:grpSpPr>
       <p:sp>
         <p:nvSpPr>
-          <p:cNvPr id="2" name="Title 1"/>
+          <p:cNvPr id="2" name="Title 1">
+            <a:extLst>
+              <a:ext uri="{FF2B5EF4-FFF2-40B4-BE49-F238E27FC236}">
+                <a16:creationId xmlns:a16="http://schemas.microsoft.com/office/drawing/2014/main" id="{553FE844-97A8-42F0-A164-E931467D0685}"/>
+              </a:ext>
+            </a:extLst>
+          </p:cNvPr>
           <p:cNvSpPr>
             <a:spLocks noGrp="1"/>
           </p:cNvSpPr>
@@ -2192,12 +2528,19 @@
               <a:rPr lang="en-US"/>
               <a:t>Click to edit Master title style</a:t>
             </a:r>
-          </a:p>
-        </p:txBody>
-      </p:sp>
-      <p:sp>
-        <p:nvSpPr>
-          <p:cNvPr id="3" name="Picture Placeholder 2"/>
+            <a:endParaRPr lang="es-ES"/>
+          </a:p>
+        </p:txBody>
+      </p:sp>
+      <p:sp>
+        <p:nvSpPr>
+          <p:cNvPr id="3" name="Picture Placeholder 2">
+            <a:extLst>
+              <a:ext uri="{FF2B5EF4-FFF2-40B4-BE49-F238E27FC236}">
+                <a16:creationId xmlns:a16="http://schemas.microsoft.com/office/drawing/2014/main" id="{E34F962E-4E95-4F81-9CC2-A75F6B26C65A}"/>
+              </a:ext>
+            </a:extLst>
+          </p:cNvPr>
           <p:cNvSpPr>
             <a:spLocks noGrp="1"/>
           </p:cNvSpPr>
@@ -2252,13 +2595,19 @@
             </a:lvl9pPr>
           </a:lstStyle>
           <a:p>
-            <a:endParaRPr lang="en-US"/>
-          </a:p>
-        </p:txBody>
-      </p:sp>
-      <p:sp>
-        <p:nvSpPr>
-          <p:cNvPr id="4" name="Text Placeholder 3"/>
+            <a:endParaRPr lang="es-ES"/>
+          </a:p>
+        </p:txBody>
+      </p:sp>
+      <p:sp>
+        <p:nvSpPr>
+          <p:cNvPr id="4" name="Text Placeholder 3">
+            <a:extLst>
+              <a:ext uri="{FF2B5EF4-FFF2-40B4-BE49-F238E27FC236}">
+                <a16:creationId xmlns:a16="http://schemas.microsoft.com/office/drawing/2014/main" id="{E2885BAF-78DE-44BD-9F4C-AEBF06F6B248}"/>
+              </a:ext>
+            </a:extLst>
+          </p:cNvPr>
           <p:cNvSpPr>
             <a:spLocks noGrp="1"/>
           </p:cNvSpPr>
@@ -2316,14 +2665,20 @@
             <a:pPr lvl="0"/>
             <a:r>
               <a:rPr lang="en-US"/>
-              <a:t>Edit Master text styles</a:t>
-            </a:r>
-          </a:p>
-        </p:txBody>
-      </p:sp>
-      <p:sp>
-        <p:nvSpPr>
-          <p:cNvPr id="5" name="Date Placeholder 4"/>
+              <a:t>Click to edit Master text styles</a:t>
+            </a:r>
+          </a:p>
+        </p:txBody>
+      </p:sp>
+      <p:sp>
+        <p:nvSpPr>
+          <p:cNvPr id="5" name="Date Placeholder 4">
+            <a:extLst>
+              <a:ext uri="{FF2B5EF4-FFF2-40B4-BE49-F238E27FC236}">
+                <a16:creationId xmlns:a16="http://schemas.microsoft.com/office/drawing/2014/main" id="{FB519FD1-BCF7-4AA6-B477-C7F67BCCDC4B}"/>
+              </a:ext>
+            </a:extLst>
+          </p:cNvPr>
           <p:cNvSpPr>
             <a:spLocks noGrp="1"/>
           </p:cNvSpPr>
@@ -2338,7 +2693,7 @@
           <a:p>
             <a:fld id="{0D2344B5-B4FB-4BEE-931B-AA06C9FD8CC7}" type="datetimeFigureOut">
               <a:rPr lang="en-US" smtClean="0"/>
-              <a:t>11/19/2024</a:t>
+              <a:t>11/20/2024</a:t>
             </a:fld>
             <a:endParaRPr lang="en-US"/>
           </a:p>
@@ -2346,7 +2701,13 @@
       </p:sp>
       <p:sp>
         <p:nvSpPr>
-          <p:cNvPr id="6" name="Footer Placeholder 5"/>
+          <p:cNvPr id="6" name="Footer Placeholder 5">
+            <a:extLst>
+              <a:ext uri="{FF2B5EF4-FFF2-40B4-BE49-F238E27FC236}">
+                <a16:creationId xmlns:a16="http://schemas.microsoft.com/office/drawing/2014/main" id="{72FC83BF-531E-4629-8D5B-FDAAFEF9821C}"/>
+              </a:ext>
+            </a:extLst>
+          </p:cNvPr>
           <p:cNvSpPr>
             <a:spLocks noGrp="1"/>
           </p:cNvSpPr>
@@ -2365,7 +2726,13 @@
       </p:sp>
       <p:sp>
         <p:nvSpPr>
-          <p:cNvPr id="7" name="Slide Number Placeholder 6"/>
+          <p:cNvPr id="7" name="Slide Number Placeholder 6">
+            <a:extLst>
+              <a:ext uri="{FF2B5EF4-FFF2-40B4-BE49-F238E27FC236}">
+                <a16:creationId xmlns:a16="http://schemas.microsoft.com/office/drawing/2014/main" id="{648B4A90-8900-4BE6-9658-9DA1188E06D3}"/>
+              </a:ext>
+            </a:extLst>
+          </p:cNvPr>
           <p:cNvSpPr>
             <a:spLocks noGrp="1"/>
           </p:cNvSpPr>
@@ -2380,7 +2747,7 @@
           <a:p>
             <a:fld id="{8B2B276C-57C4-4C7F-8B7D-C3A5D47FD339}" type="slidenum">
               <a:rPr lang="en-US" smtClean="0"/>
-              <a:t>‹Nº›</a:t>
+              <a:t>‹#›</a:t>
             </a:fld>
             <a:endParaRPr lang="en-US"/>
           </a:p>
@@ -2389,7 +2756,7 @@
     </p:spTree>
     <p:extLst>
       <p:ext uri="{BB962C8B-B14F-4D97-AF65-F5344CB8AC3E}">
-        <p14:creationId xmlns:p14="http://schemas.microsoft.com/office/powerpoint/2010/main" val="1681273330"/>
+        <p14:creationId xmlns:p14="http://schemas.microsoft.com/office/powerpoint/2010/main" val="3174036411"/>
       </p:ext>
     </p:extLst>
   </p:cSld>
@@ -2423,7 +2790,13 @@
       </p:grpSpPr>
       <p:sp>
         <p:nvSpPr>
-          <p:cNvPr id="2" name="Title Placeholder 1"/>
+          <p:cNvPr id="2" name="Title Placeholder 1">
+            <a:extLst>
+              <a:ext uri="{FF2B5EF4-FFF2-40B4-BE49-F238E27FC236}">
+                <a16:creationId xmlns:a16="http://schemas.microsoft.com/office/drawing/2014/main" id="{644031FD-AEC7-4F02-8022-6D1DEE360A7E}"/>
+              </a:ext>
+            </a:extLst>
+          </p:cNvPr>
           <p:cNvSpPr>
             <a:spLocks noGrp="1"/>
           </p:cNvSpPr>
@@ -2450,12 +2823,19 @@
               <a:rPr lang="en-US"/>
               <a:t>Click to edit Master title style</a:t>
             </a:r>
-          </a:p>
-        </p:txBody>
-      </p:sp>
-      <p:sp>
-        <p:nvSpPr>
-          <p:cNvPr id="3" name="Text Placeholder 2"/>
+            <a:endParaRPr lang="es-ES"/>
+          </a:p>
+        </p:txBody>
+      </p:sp>
+      <p:sp>
+        <p:nvSpPr>
+          <p:cNvPr id="3" name="Text Placeholder 2">
+            <a:extLst>
+              <a:ext uri="{FF2B5EF4-FFF2-40B4-BE49-F238E27FC236}">
+                <a16:creationId xmlns:a16="http://schemas.microsoft.com/office/drawing/2014/main" id="{B4DF21CE-BE13-4808-AB93-7580E44964E6}"/>
+              </a:ext>
+            </a:extLst>
+          </p:cNvPr>
           <p:cNvSpPr>
             <a:spLocks noGrp="1"/>
           </p:cNvSpPr>
@@ -2481,7 +2861,7 @@
             <a:pPr lvl="0"/>
             <a:r>
               <a:rPr lang="en-US"/>
-              <a:t>Edit Master text styles</a:t>
+              <a:t>Click to edit Master text styles</a:t>
             </a:r>
           </a:p>
           <a:p>
@@ -2511,12 +2891,19 @@
               <a:rPr lang="en-US"/>
               <a:t>Fifth level</a:t>
             </a:r>
-          </a:p>
-        </p:txBody>
-      </p:sp>
-      <p:sp>
-        <p:nvSpPr>
-          <p:cNvPr id="4" name="Date Placeholder 3"/>
+            <a:endParaRPr lang="es-ES"/>
+          </a:p>
+        </p:txBody>
+      </p:sp>
+      <p:sp>
+        <p:nvSpPr>
+          <p:cNvPr id="4" name="Date Placeholder 3">
+            <a:extLst>
+              <a:ext uri="{FF2B5EF4-FFF2-40B4-BE49-F238E27FC236}">
+                <a16:creationId xmlns:a16="http://schemas.microsoft.com/office/drawing/2014/main" id="{7B3052F5-D8E3-46F0-9D4C-4DDBCB578672}"/>
+              </a:ext>
+            </a:extLst>
+          </p:cNvPr>
           <p:cNvSpPr>
             <a:spLocks noGrp="1"/>
           </p:cNvSpPr>
@@ -2549,7 +2936,7 @@
           <a:p>
             <a:fld id="{0D2344B5-B4FB-4BEE-931B-AA06C9FD8CC7}" type="datetimeFigureOut">
               <a:rPr lang="en-US" smtClean="0"/>
-              <a:t>11/19/2024</a:t>
+              <a:t>11/20/2024</a:t>
             </a:fld>
             <a:endParaRPr lang="en-US"/>
           </a:p>
@@ -2557,7 +2944,13 @@
       </p:sp>
       <p:sp>
         <p:nvSpPr>
-          <p:cNvPr id="5" name="Footer Placeholder 4"/>
+          <p:cNvPr id="5" name="Footer Placeholder 4">
+            <a:extLst>
+              <a:ext uri="{FF2B5EF4-FFF2-40B4-BE49-F238E27FC236}">
+                <a16:creationId xmlns:a16="http://schemas.microsoft.com/office/drawing/2014/main" id="{CAFAAA92-919A-4922-AFFE-35D9D9753CA5}"/>
+              </a:ext>
+            </a:extLst>
+          </p:cNvPr>
           <p:cNvSpPr>
             <a:spLocks noGrp="1"/>
           </p:cNvSpPr>
@@ -2594,7 +2987,13 @@
       </p:sp>
       <p:sp>
         <p:nvSpPr>
-          <p:cNvPr id="6" name="Slide Number Placeholder 5"/>
+          <p:cNvPr id="6" name="Slide Number Placeholder 5">
+            <a:extLst>
+              <a:ext uri="{FF2B5EF4-FFF2-40B4-BE49-F238E27FC236}">
+                <a16:creationId xmlns:a16="http://schemas.microsoft.com/office/drawing/2014/main" id="{192527DB-161D-400C-8E36-96435BAFEA3A}"/>
+              </a:ext>
+            </a:extLst>
+          </p:cNvPr>
           <p:cNvSpPr>
             <a:spLocks noGrp="1"/>
           </p:cNvSpPr>
@@ -2627,7 +3026,7 @@
           <a:p>
             <a:fld id="{8B2B276C-57C4-4C7F-8B7D-C3A5D47FD339}" type="slidenum">
               <a:rPr lang="en-US" smtClean="0"/>
-              <a:t>‹Nº›</a:t>
+              <a:t>‹#›</a:t>
             </a:fld>
             <a:endParaRPr lang="en-US"/>
           </a:p>
@@ -2636,23 +3035,23 @@
     </p:spTree>
     <p:extLst>
       <p:ext uri="{BB962C8B-B14F-4D97-AF65-F5344CB8AC3E}">
-        <p14:creationId xmlns:p14="http://schemas.microsoft.com/office/powerpoint/2010/main" val="1218283013"/>
+        <p14:creationId xmlns:p14="http://schemas.microsoft.com/office/powerpoint/2010/main" val="3835504626"/>
       </p:ext>
     </p:extLst>
   </p:cSld>
   <p:clrMap bg1="lt1" tx1="dk1" bg2="lt2" tx2="dk2" accent1="accent1" accent2="accent2" accent3="accent3" accent4="accent4" accent5="accent5" accent6="accent6" hlink="hlink" folHlink="folHlink"/>
   <p:sldLayoutIdLst>
-    <p:sldLayoutId id="2147483649" r:id="rId1"/>
-    <p:sldLayoutId id="2147483650" r:id="rId2"/>
-    <p:sldLayoutId id="2147483651" r:id="rId3"/>
-    <p:sldLayoutId id="2147483652" r:id="rId4"/>
-    <p:sldLayoutId id="2147483653" r:id="rId5"/>
-    <p:sldLayoutId id="2147483654" r:id="rId6"/>
-    <p:sldLayoutId id="2147483655" r:id="rId7"/>
-    <p:sldLayoutId id="2147483656" r:id="rId8"/>
-    <p:sldLayoutId id="2147483657" r:id="rId9"/>
-    <p:sldLayoutId id="2147483658" r:id="rId10"/>
-    <p:sldLayoutId id="2147483659" r:id="rId11"/>
+    <p:sldLayoutId id="2147483661" r:id="rId1"/>
+    <p:sldLayoutId id="2147483662" r:id="rId2"/>
+    <p:sldLayoutId id="2147483663" r:id="rId3"/>
+    <p:sldLayoutId id="2147483664" r:id="rId4"/>
+    <p:sldLayoutId id="2147483665" r:id="rId5"/>
+    <p:sldLayoutId id="2147483666" r:id="rId6"/>
+    <p:sldLayoutId id="2147483667" r:id="rId7"/>
+    <p:sldLayoutId id="2147483668" r:id="rId8"/>
+    <p:sldLayoutId id="2147483669" r:id="rId9"/>
+    <p:sldLayoutId id="2147483670" r:id="rId10"/>
+    <p:sldLayoutId id="2147483671" r:id="rId11"/>
   </p:sldLayoutIdLst>
   <p:txStyles>
     <p:titleStyle>
@@ -2840,7 +3239,7 @@
     </p:bodyStyle>
     <p:otherStyle>
       <a:defPPr>
-        <a:defRPr lang="en-US"/>
+        <a:defRPr lang="es-ES"/>
       </a:defPPr>
       <a:lvl1pPr marL="0" algn="l" defTabSz="914400" rtl="0" eaLnBrk="1" latinLnBrk="0" hangingPunct="1">
         <a:defRPr sz="1800" kern="1200">
@@ -2962,7 +3361,7 @@
         </p:nvSpPr>
         <p:spPr>
           <a:xfrm>
-            <a:off x="4218704" y="826654"/>
+            <a:off x="4736519" y="826654"/>
             <a:ext cx="2590805" cy="2276764"/>
           </a:xfrm>
           <a:prstGeom prst="rect">
@@ -3125,7 +3524,7 @@
         </p:nvSpPr>
         <p:spPr>
           <a:xfrm>
-            <a:off x="7629236" y="870526"/>
+            <a:off x="8135935" y="870526"/>
             <a:ext cx="2653146" cy="2189017"/>
           </a:xfrm>
           <a:prstGeom prst="rect">
@@ -3304,7 +3703,7 @@
         </p:nvSpPr>
         <p:spPr>
           <a:xfrm>
-            <a:off x="7629236" y="3927757"/>
+            <a:off x="8086290" y="4063993"/>
             <a:ext cx="2752436" cy="1433947"/>
           </a:xfrm>
           <a:prstGeom prst="rect">
@@ -3411,7 +3810,7 @@
         </p:nvSpPr>
         <p:spPr>
           <a:xfrm>
-            <a:off x="577994" y="4069768"/>
+            <a:off x="933594" y="4063992"/>
             <a:ext cx="2896753" cy="1433947"/>
           </a:xfrm>
           <a:prstGeom prst="rect">
@@ -3521,8 +3920,8 @@
         </p:nvCxnSpPr>
         <p:spPr>
           <a:xfrm flipV="1">
-            <a:off x="6809509" y="1965035"/>
-            <a:ext cx="819727" cy="1"/>
+            <a:off x="7327324" y="1965035"/>
+            <a:ext cx="808611" cy="1"/>
           </a:xfrm>
           <a:prstGeom prst="straightConnector1">
             <a:avLst/>
@@ -3554,7 +3953,7 @@
         </p:nvSpPr>
         <p:spPr>
           <a:xfrm>
-            <a:off x="2167649" y="1394112"/>
+            <a:off x="1626318" y="1394112"/>
             <a:ext cx="1511306" cy="1141847"/>
           </a:xfrm>
           <a:prstGeom prst="rect">
@@ -3645,8 +4044,8 @@
         </p:nvCxnSpPr>
         <p:spPr>
           <a:xfrm>
-            <a:off x="3678955" y="1965036"/>
-            <a:ext cx="539749" cy="0"/>
+            <a:off x="3137624" y="1965036"/>
+            <a:ext cx="1598895" cy="0"/>
           </a:xfrm>
           <a:prstGeom prst="straightConnector1">
             <a:avLst/>
@@ -3678,7 +4077,7 @@
         </p:nvSpPr>
         <p:spPr>
           <a:xfrm>
-            <a:off x="4332140" y="4063994"/>
+            <a:off x="4877785" y="4063994"/>
             <a:ext cx="2363931" cy="1433947"/>
           </a:xfrm>
           <a:prstGeom prst="rect">
@@ -3768,9 +4167,9 @@
           <p:nvPr/>
         </p:nvCxnSpPr>
         <p:spPr>
-          <a:xfrm flipH="1">
-            <a:off x="5514106" y="3103418"/>
-            <a:ext cx="1" cy="960576"/>
+          <a:xfrm>
+            <a:off x="6031922" y="3103418"/>
+            <a:ext cx="27829" cy="960576"/>
           </a:xfrm>
           <a:prstGeom prst="straightConnector1">
             <a:avLst/>
@@ -3805,8 +4204,8 @@
         </p:nvCxnSpPr>
         <p:spPr>
           <a:xfrm flipH="1">
-            <a:off x="2026371" y="3103418"/>
-            <a:ext cx="3487736" cy="966350"/>
+            <a:off x="2381971" y="3103418"/>
+            <a:ext cx="3649951" cy="960574"/>
           </a:xfrm>
           <a:prstGeom prst="straightConnector1">
             <a:avLst/>
@@ -3840,9 +4239,9 @@
           <p:nvPr/>
         </p:nvCxnSpPr>
         <p:spPr>
-          <a:xfrm flipH="1">
-            <a:off x="2026371" y="2535959"/>
-            <a:ext cx="896931" cy="1533809"/>
+          <a:xfrm>
+            <a:off x="2381971" y="2535959"/>
+            <a:ext cx="0" cy="1528033"/>
           </a:xfrm>
           <a:prstGeom prst="straightConnector1">
             <a:avLst/>
@@ -3904,8 +4303,8 @@
         </p:nvSpPr>
         <p:spPr>
           <a:xfrm>
-            <a:off x="946315" y="267855"/>
-            <a:ext cx="877869" cy="369332"/>
+            <a:off x="912448" y="403321"/>
+            <a:ext cx="974819" cy="400110"/>
           </a:xfrm>
           <a:prstGeom prst="rect">
             <a:avLst/>
@@ -3919,10 +4318,24 @@
           <a:lstStyle/>
           <a:p>
             <a:r>
-              <a:rPr lang="es-ES" dirty="0"/>
+              <a:rPr lang="es-ES" sz="2000" b="1" dirty="0">
+                <a:solidFill>
+                  <a:schemeClr val="tx1">
+                    <a:lumMod val="50000"/>
+                    <a:lumOff val="50000"/>
+                  </a:schemeClr>
+                </a:solidFill>
+              </a:rPr>
               <a:t>Tablero</a:t>
             </a:r>
-            <a:endParaRPr lang="en-US" dirty="0"/>
+            <a:endParaRPr lang="en-US" sz="2000" b="1" dirty="0">
+              <a:solidFill>
+                <a:schemeClr val="tx1">
+                  <a:lumMod val="50000"/>
+                  <a:lumOff val="50000"/>
+                </a:schemeClr>
+              </a:solidFill>
+            </a:endParaRPr>
           </a:p>
         </p:txBody>
       </p:sp>
@@ -3954,8 +4367,8 @@
         </p:blipFill>
         <p:spPr>
           <a:xfrm>
-            <a:off x="2427339" y="452521"/>
-            <a:ext cx="7004645" cy="6017105"/>
+            <a:off x="2847736" y="489407"/>
+            <a:ext cx="6496527" cy="5879186"/>
           </a:xfrm>
           <a:prstGeom prst="rect">
             <a:avLst/>
@@ -3998,42 +4411,6 @@
           <a:chExt cx="0" cy="0"/>
         </a:xfrm>
       </p:grpSpPr>
-      <p:sp>
-        <p:nvSpPr>
-          <p:cNvPr id="3" name="TextBox 2">
-            <a:extLst>
-              <a:ext uri="{FF2B5EF4-FFF2-40B4-BE49-F238E27FC236}">
-                <a16:creationId xmlns:a16="http://schemas.microsoft.com/office/drawing/2014/main" id="{FE9F3383-85F9-D433-C8CF-23377076D686}"/>
-              </a:ext>
-            </a:extLst>
-          </p:cNvPr>
-          <p:cNvSpPr txBox="1"/>
-          <p:nvPr/>
-        </p:nvSpPr>
-        <p:spPr>
-          <a:xfrm>
-            <a:off x="946315" y="267855"/>
-            <a:ext cx="877869" cy="369332"/>
-          </a:xfrm>
-          <a:prstGeom prst="rect">
-            <a:avLst/>
-          </a:prstGeom>
-          <a:noFill/>
-        </p:spPr>
-        <p:txBody>
-          <a:bodyPr wrap="none" rtlCol="0">
-            <a:spAutoFit/>
-          </a:bodyPr>
-          <a:lstStyle/>
-          <a:p>
-            <a:r>
-              <a:rPr lang="es-ES" dirty="0"/>
-              <a:t>Tablero</a:t>
-            </a:r>
-            <a:endParaRPr lang="en-US" dirty="0"/>
-          </a:p>
-        </p:txBody>
-      </p:sp>
       <p:pic>
         <p:nvPicPr>
           <p:cNvPr id="7" name="Imagen 6" descr="Texto&#10;&#10;Descripción generada automáticamente">
@@ -4070,6 +4447,56 @@
           </a:prstGeom>
         </p:spPr>
       </p:pic>
+      <p:sp>
+        <p:nvSpPr>
+          <p:cNvPr id="4" name="TextBox 3">
+            <a:extLst>
+              <a:ext uri="{FF2B5EF4-FFF2-40B4-BE49-F238E27FC236}">
+                <a16:creationId xmlns:a16="http://schemas.microsoft.com/office/drawing/2014/main" id="{8AF3C9C0-21CF-4499-89F9-15BF789C3327}"/>
+              </a:ext>
+            </a:extLst>
+          </p:cNvPr>
+          <p:cNvSpPr txBox="1"/>
+          <p:nvPr/>
+        </p:nvSpPr>
+        <p:spPr>
+          <a:xfrm>
+            <a:off x="912448" y="403321"/>
+            <a:ext cx="974819" cy="400110"/>
+          </a:xfrm>
+          <a:prstGeom prst="rect">
+            <a:avLst/>
+          </a:prstGeom>
+          <a:noFill/>
+        </p:spPr>
+        <p:txBody>
+          <a:bodyPr wrap="none" rtlCol="0">
+            <a:spAutoFit/>
+          </a:bodyPr>
+          <a:lstStyle/>
+          <a:p>
+            <a:r>
+              <a:rPr lang="es-ES" sz="2000" b="1" dirty="0">
+                <a:solidFill>
+                  <a:schemeClr val="tx1">
+                    <a:lumMod val="50000"/>
+                    <a:lumOff val="50000"/>
+                  </a:schemeClr>
+                </a:solidFill>
+              </a:rPr>
+              <a:t>Tablero</a:t>
+            </a:r>
+            <a:endParaRPr lang="en-US" sz="2000" b="1" dirty="0">
+              <a:solidFill>
+                <a:schemeClr val="tx1">
+                  <a:lumMod val="50000"/>
+                  <a:lumOff val="50000"/>
+                </a:schemeClr>
+              </a:solidFill>
+            </a:endParaRPr>
+          </a:p>
+        </p:txBody>
+      </p:sp>
     </p:spTree>
     <p:extLst>
       <p:ext uri="{BB962C8B-B14F-4D97-AF65-F5344CB8AC3E}">
@@ -4100,36 +4527,6 @@
           <a:chExt cx="0" cy="0"/>
         </a:xfrm>
       </p:grpSpPr>
-      <p:sp>
-        <p:nvSpPr>
-          <p:cNvPr id="3" name="TextBox 2"/>
-          <p:cNvSpPr txBox="1"/>
-          <p:nvPr/>
-        </p:nvSpPr>
-        <p:spPr>
-          <a:xfrm>
-            <a:off x="946315" y="267855"/>
-            <a:ext cx="851387" cy="369332"/>
-          </a:xfrm>
-          <a:prstGeom prst="rect">
-            <a:avLst/>
-          </a:prstGeom>
-          <a:noFill/>
-        </p:spPr>
-        <p:txBody>
-          <a:bodyPr wrap="none" rtlCol="0">
-            <a:spAutoFit/>
-          </a:bodyPr>
-          <a:lstStyle/>
-          <a:p>
-            <a:r>
-              <a:rPr lang="es-ES" dirty="0"/>
-              <a:t>Partida</a:t>
-            </a:r>
-            <a:endParaRPr lang="en-US" dirty="0"/>
-          </a:p>
-        </p:txBody>
-      </p:sp>
       <p:pic>
         <p:nvPicPr>
           <p:cNvPr id="1026" name="Picture 2">
@@ -4159,7 +4556,7 @@
         </p:blipFill>
         <p:spPr bwMode="auto">
           <a:xfrm>
-            <a:off x="999314" y="637187"/>
+            <a:off x="1141991" y="803431"/>
             <a:ext cx="5025349" cy="5892917"/>
           </a:xfrm>
           <a:prstGeom prst="rect">
@@ -4206,7 +4603,7 @@
         </p:blipFill>
         <p:spPr bwMode="auto">
           <a:xfrm>
-            <a:off x="6167339" y="1060938"/>
+            <a:off x="6167340" y="1145605"/>
             <a:ext cx="5579152" cy="5045413"/>
           </a:xfrm>
           <a:prstGeom prst="rect">
@@ -4224,6 +4621,56 @@
           </a:extLst>
         </p:spPr>
       </p:pic>
+      <p:sp>
+        <p:nvSpPr>
+          <p:cNvPr id="5" name="TextBox 4">
+            <a:extLst>
+              <a:ext uri="{FF2B5EF4-FFF2-40B4-BE49-F238E27FC236}">
+                <a16:creationId xmlns:a16="http://schemas.microsoft.com/office/drawing/2014/main" id="{BEA69722-88C8-4019-B3C6-EA6A78B4654B}"/>
+              </a:ext>
+            </a:extLst>
+          </p:cNvPr>
+          <p:cNvSpPr txBox="1"/>
+          <p:nvPr/>
+        </p:nvSpPr>
+        <p:spPr>
+          <a:xfrm>
+            <a:off x="912448" y="403321"/>
+            <a:ext cx="949106" cy="400110"/>
+          </a:xfrm>
+          <a:prstGeom prst="rect">
+            <a:avLst/>
+          </a:prstGeom>
+          <a:noFill/>
+        </p:spPr>
+        <p:txBody>
+          <a:bodyPr wrap="none" rtlCol="0">
+            <a:spAutoFit/>
+          </a:bodyPr>
+          <a:lstStyle/>
+          <a:p>
+            <a:r>
+              <a:rPr lang="es-ES" sz="2000" b="1" dirty="0">
+                <a:solidFill>
+                  <a:schemeClr val="tx1">
+                    <a:lumMod val="50000"/>
+                    <a:lumOff val="50000"/>
+                  </a:schemeClr>
+                </a:solidFill>
+              </a:rPr>
+              <a:t>Partida</a:t>
+            </a:r>
+            <a:endParaRPr lang="en-US" sz="2000" b="1" dirty="0">
+              <a:solidFill>
+                <a:schemeClr val="tx1">
+                  <a:lumMod val="50000"/>
+                  <a:lumOff val="50000"/>
+                </a:schemeClr>
+              </a:solidFill>
+            </a:endParaRPr>
+          </a:p>
+        </p:txBody>
+      </p:sp>
     </p:spTree>
     <p:extLst>
       <p:ext uri="{BB962C8B-B14F-4D97-AF65-F5344CB8AC3E}">
@@ -4254,36 +4701,6 @@
           <a:chExt cx="0" cy="0"/>
         </a:xfrm>
       </p:grpSpPr>
-      <p:sp>
-        <p:nvSpPr>
-          <p:cNvPr id="3" name="TextBox 2"/>
-          <p:cNvSpPr txBox="1"/>
-          <p:nvPr/>
-        </p:nvSpPr>
-        <p:spPr>
-          <a:xfrm>
-            <a:off x="946315" y="267855"/>
-            <a:ext cx="1771639" cy="369332"/>
-          </a:xfrm>
-          <a:prstGeom prst="rect">
-            <a:avLst/>
-          </a:prstGeom>
-          <a:noFill/>
-        </p:spPr>
-        <p:txBody>
-          <a:bodyPr wrap="none" rtlCol="0">
-            <a:spAutoFit/>
-          </a:bodyPr>
-          <a:lstStyle/>
-          <a:p>
-            <a:r>
-              <a:rPr lang="es-ES" dirty="0"/>
-              <a:t>Entrada de datos</a:t>
-            </a:r>
-            <a:endParaRPr lang="en-US" dirty="0"/>
-          </a:p>
-        </p:txBody>
-      </p:sp>
       <p:pic>
         <p:nvPicPr>
           <p:cNvPr id="8" name="Imagen 7">
@@ -4306,7 +4723,7 @@
         </p:blipFill>
         <p:spPr>
           <a:xfrm>
-            <a:off x="2015839" y="770965"/>
+            <a:off x="2015839" y="870941"/>
             <a:ext cx="8160322" cy="5583738"/>
           </a:xfrm>
           <a:prstGeom prst="rect">
@@ -4314,6 +4731,56 @@
           </a:prstGeom>
         </p:spPr>
       </p:pic>
+      <p:sp>
+        <p:nvSpPr>
+          <p:cNvPr id="4" name="TextBox 3">
+            <a:extLst>
+              <a:ext uri="{FF2B5EF4-FFF2-40B4-BE49-F238E27FC236}">
+                <a16:creationId xmlns:a16="http://schemas.microsoft.com/office/drawing/2014/main" id="{AADA8B7B-F198-4357-828D-0EBFF237D7E2}"/>
+              </a:ext>
+            </a:extLst>
+          </p:cNvPr>
+          <p:cNvSpPr txBox="1"/>
+          <p:nvPr/>
+        </p:nvSpPr>
+        <p:spPr>
+          <a:xfrm>
+            <a:off x="912448" y="403321"/>
+            <a:ext cx="1981568" cy="400110"/>
+          </a:xfrm>
+          <a:prstGeom prst="rect">
+            <a:avLst/>
+          </a:prstGeom>
+          <a:noFill/>
+        </p:spPr>
+        <p:txBody>
+          <a:bodyPr wrap="none" rtlCol="0">
+            <a:spAutoFit/>
+          </a:bodyPr>
+          <a:lstStyle/>
+          <a:p>
+            <a:r>
+              <a:rPr lang="es-ES" sz="2000" b="1" dirty="0">
+                <a:solidFill>
+                  <a:schemeClr val="tx1">
+                    <a:lumMod val="50000"/>
+                    <a:lumOff val="50000"/>
+                  </a:schemeClr>
+                </a:solidFill>
+              </a:rPr>
+              <a:t>Entrada de datos</a:t>
+            </a:r>
+            <a:endParaRPr lang="en-US" sz="2000" b="1" dirty="0">
+              <a:solidFill>
+                <a:schemeClr val="tx1">
+                  <a:lumMod val="50000"/>
+                  <a:lumOff val="50000"/>
+                </a:schemeClr>
+              </a:solidFill>
+            </a:endParaRPr>
+          </a:p>
+        </p:txBody>
+      </p:sp>
     </p:spTree>
     <p:extLst>
       <p:ext uri="{BB962C8B-B14F-4D97-AF65-F5344CB8AC3E}">
@@ -4344,36 +4811,6 @@
           <a:chExt cx="0" cy="0"/>
         </a:xfrm>
       </p:grpSpPr>
-      <p:sp>
-        <p:nvSpPr>
-          <p:cNvPr id="3" name="TextBox 2"/>
-          <p:cNvSpPr txBox="1"/>
-          <p:nvPr/>
-        </p:nvSpPr>
-        <p:spPr>
-          <a:xfrm>
-            <a:off x="946315" y="267855"/>
-            <a:ext cx="1771639" cy="369332"/>
-          </a:xfrm>
-          <a:prstGeom prst="rect">
-            <a:avLst/>
-          </a:prstGeom>
-          <a:noFill/>
-        </p:spPr>
-        <p:txBody>
-          <a:bodyPr wrap="none" rtlCol="0">
-            <a:spAutoFit/>
-          </a:bodyPr>
-          <a:lstStyle/>
-          <a:p>
-            <a:r>
-              <a:rPr lang="es-ES" dirty="0"/>
-              <a:t>Entrada de datos</a:t>
-            </a:r>
-            <a:endParaRPr lang="en-US" dirty="0"/>
-          </a:p>
-        </p:txBody>
-      </p:sp>
       <p:pic>
         <p:nvPicPr>
           <p:cNvPr id="4" name="Imagen 3">
@@ -4403,6 +4840,56 @@
           </a:prstGeom>
         </p:spPr>
       </p:pic>
+      <p:sp>
+        <p:nvSpPr>
+          <p:cNvPr id="5" name="TextBox 4">
+            <a:extLst>
+              <a:ext uri="{FF2B5EF4-FFF2-40B4-BE49-F238E27FC236}">
+                <a16:creationId xmlns:a16="http://schemas.microsoft.com/office/drawing/2014/main" id="{1DE6DBF6-E74D-4C93-A68E-FE2FA7051EC7}"/>
+              </a:ext>
+            </a:extLst>
+          </p:cNvPr>
+          <p:cNvSpPr txBox="1"/>
+          <p:nvPr/>
+        </p:nvSpPr>
+        <p:spPr>
+          <a:xfrm>
+            <a:off x="912448" y="403321"/>
+            <a:ext cx="1981568" cy="400110"/>
+          </a:xfrm>
+          <a:prstGeom prst="rect">
+            <a:avLst/>
+          </a:prstGeom>
+          <a:noFill/>
+        </p:spPr>
+        <p:txBody>
+          <a:bodyPr wrap="none" rtlCol="0">
+            <a:spAutoFit/>
+          </a:bodyPr>
+          <a:lstStyle/>
+          <a:p>
+            <a:r>
+              <a:rPr lang="es-ES" sz="2000" b="1" dirty="0">
+                <a:solidFill>
+                  <a:schemeClr val="tx1">
+                    <a:lumMod val="50000"/>
+                    <a:lumOff val="50000"/>
+                  </a:schemeClr>
+                </a:solidFill>
+              </a:rPr>
+              <a:t>Entrada de datos</a:t>
+            </a:r>
+            <a:endParaRPr lang="en-US" sz="2000" b="1" dirty="0">
+              <a:solidFill>
+                <a:schemeClr val="tx1">
+                  <a:lumMod val="50000"/>
+                  <a:lumOff val="50000"/>
+                </a:schemeClr>
+              </a:solidFill>
+            </a:endParaRPr>
+          </a:p>
+        </p:txBody>
+      </p:sp>
     </p:spTree>
     <p:extLst>
       <p:ext uri="{BB962C8B-B14F-4D97-AF65-F5344CB8AC3E}">
@@ -4441,16 +4928,15 @@
           </p:cNvPicPr>
           <p:nvPr/>
         </p:nvPicPr>
-        <p:blipFill>
+        <p:blipFill rotWithShape="1">
           <a:blip r:embed="rId2"/>
-          <a:stretch>
-            <a:fillRect/>
-          </a:stretch>
+          <a:srcRect r="10116"/>
+          <a:stretch/>
         </p:blipFill>
         <p:spPr>
           <a:xfrm>
-            <a:off x="946315" y="872093"/>
-            <a:ext cx="10040751" cy="4448796"/>
+            <a:off x="1583445" y="1204602"/>
+            <a:ext cx="9025109" cy="4448796"/>
           </a:xfrm>
           <a:prstGeom prst="rect">
             <a:avLst/>
@@ -4459,14 +4945,20 @@
       </p:pic>
       <p:sp>
         <p:nvSpPr>
-          <p:cNvPr id="3" name="TextBox 2"/>
+          <p:cNvPr id="4" name="TextBox 3">
+            <a:extLst>
+              <a:ext uri="{FF2B5EF4-FFF2-40B4-BE49-F238E27FC236}">
+                <a16:creationId xmlns:a16="http://schemas.microsoft.com/office/drawing/2014/main" id="{39C492B8-FF42-4939-8937-0F4588155442}"/>
+              </a:ext>
+            </a:extLst>
+          </p:cNvPr>
           <p:cNvSpPr txBox="1"/>
           <p:nvPr/>
         </p:nvSpPr>
         <p:spPr>
           <a:xfrm>
-            <a:off x="946315" y="267855"/>
-            <a:ext cx="389850" cy="369332"/>
+            <a:off x="912448" y="403321"/>
+            <a:ext cx="420308" cy="400110"/>
           </a:xfrm>
           <a:prstGeom prst="rect">
             <a:avLst/>
@@ -4480,10 +4972,24 @@
           <a:lstStyle/>
           <a:p>
             <a:r>
-              <a:rPr lang="es-ES" dirty="0"/>
+              <a:rPr lang="es-ES" sz="2000" b="1" dirty="0">
+                <a:solidFill>
+                  <a:schemeClr val="tx1">
+                    <a:lumMod val="50000"/>
+                    <a:lumOff val="50000"/>
+                  </a:schemeClr>
+                </a:solidFill>
+              </a:rPr>
               <a:t>UI</a:t>
             </a:r>
-            <a:endParaRPr lang="en-US" dirty="0"/>
+            <a:endParaRPr lang="en-US" sz="2000" b="1" dirty="0">
+              <a:solidFill>
+                <a:schemeClr val="tx1">
+                  <a:lumMod val="50000"/>
+                  <a:lumOff val="50000"/>
+                </a:schemeClr>
+              </a:solidFill>
+            </a:endParaRPr>
           </a:p>
         </p:txBody>
       </p:sp>
@@ -4517,7 +5023,7 @@
         <a:srgbClr val="E7E6E6"/>
       </a:lt2>
       <a:accent1>
-        <a:srgbClr val="5B9BD5"/>
+        <a:srgbClr val="4472C4"/>
       </a:accent1>
       <a:accent2>
         <a:srgbClr val="ED7D31"/>
@@ -4529,7 +5035,7 @@
         <a:srgbClr val="FFC000"/>
       </a:accent4>
       <a:accent5>
-        <a:srgbClr val="4472C4"/>
+        <a:srgbClr val="5B9BD5"/>
       </a:accent5>
       <a:accent6>
         <a:srgbClr val="70AD47"/>
@@ -4576,6 +5082,23 @@
         <a:font script="Viet" typeface="Times New Roman"/>
         <a:font script="Uigh" typeface="Microsoft Uighur"/>
         <a:font script="Geor" typeface="Sylfaen"/>
+        <a:font script="Armn" typeface="Arial"/>
+        <a:font script="Bugi" typeface="Leelawadee UI"/>
+        <a:font script="Bopo" typeface="Microsoft JhengHei"/>
+        <a:font script="Java" typeface="Javanese Text"/>
+        <a:font script="Lisu" typeface="Segoe UI"/>
+        <a:font script="Mymr" typeface="Myanmar Text"/>
+        <a:font script="Nkoo" typeface="Ebrima"/>
+        <a:font script="Olck" typeface="Nirmala UI"/>
+        <a:font script="Osma" typeface="Ebrima"/>
+        <a:font script="Phag" typeface="Phagspa"/>
+        <a:font script="Syrn" typeface="Estrangelo Edessa"/>
+        <a:font script="Syrj" typeface="Estrangelo Edessa"/>
+        <a:font script="Syre" typeface="Estrangelo Edessa"/>
+        <a:font script="Sora" typeface="Nirmala UI"/>
+        <a:font script="Tale" typeface="Microsoft Tai Le"/>
+        <a:font script="Talu" typeface="Microsoft New Tai Lue"/>
+        <a:font script="Tfng" typeface="Ebrima"/>
       </a:majorFont>
       <a:minorFont>
         <a:latin typeface="Calibri" panose="020F0502020204030204"/>
@@ -4611,6 +5134,23 @@
         <a:font script="Viet" typeface="Arial"/>
         <a:font script="Uigh" typeface="Microsoft Uighur"/>
         <a:font script="Geor" typeface="Sylfaen"/>
+        <a:font script="Armn" typeface="Arial"/>
+        <a:font script="Bugi" typeface="Leelawadee UI"/>
+        <a:font script="Bopo" typeface="Microsoft JhengHei"/>
+        <a:font script="Java" typeface="Javanese Text"/>
+        <a:font script="Lisu" typeface="Segoe UI"/>
+        <a:font script="Mymr" typeface="Myanmar Text"/>
+        <a:font script="Nkoo" typeface="Ebrima"/>
+        <a:font script="Olck" typeface="Nirmala UI"/>
+        <a:font script="Osma" typeface="Ebrima"/>
+        <a:font script="Phag" typeface="Phagspa"/>
+        <a:font script="Syrn" typeface="Estrangelo Edessa"/>
+        <a:font script="Syrj" typeface="Estrangelo Edessa"/>
+        <a:font script="Syre" typeface="Estrangelo Edessa"/>
+        <a:font script="Sora" typeface="Nirmala UI"/>
+        <a:font script="Tale" typeface="Microsoft Tai Le"/>
+        <a:font script="Talu" typeface="Microsoft New Tai Lue"/>
+        <a:font script="Tfng" typeface="Ebrima"/>
       </a:minorFont>
     </a:fontScheme>
     <a:fmtScheme name="Office">
